--- a/presentation.pptx
+++ b/presentation.pptx
@@ -5,10 +5,10 @@
     <p:sldMasterId id="2147483648" r:id="rId1"/>
   </p:sldMasterIdLst>
   <p:notesMasterIdLst>
-    <p:notesMasterId r:id="rId9"/>
+    <p:notesMasterId r:id="rId12"/>
   </p:notesMasterIdLst>
   <p:handoutMasterIdLst>
-    <p:handoutMasterId r:id="rId10"/>
+    <p:handoutMasterId r:id="rId13"/>
   </p:handoutMasterIdLst>
   <p:sldIdLst>
     <p:sldId id="269" r:id="rId2"/>
@@ -17,12 +17,15 @@
     <p:sldId id="278" r:id="rId5"/>
     <p:sldId id="279" r:id="rId6"/>
     <p:sldId id="280" r:id="rId7"/>
-    <p:sldId id="281" r:id="rId8"/>
+    <p:sldId id="282" r:id="rId8"/>
+    <p:sldId id="283" r:id="rId9"/>
+    <p:sldId id="284" r:id="rId10"/>
+    <p:sldId id="281" r:id="rId11"/>
   </p:sldIdLst>
   <p:sldSz cx="9144000" cy="5143500" type="screen16x9"/>
   <p:notesSz cx="6858000" cy="9144000"/>
   <p:custDataLst>
-    <p:tags r:id="rId11"/>
+    <p:tags r:id="rId14"/>
   </p:custDataLst>
   <p:defaultTextStyle>
     <a:defPPr>
@@ -166,6 +169,254 @@
     <p:extLst/>
   </p:cmAuthor>
 </p:cmAuthorLst>
+</file>
+
+<file path=ppt/changesInfos/changesInfo1.xml><?xml version="1.0" encoding="utf-8"?>
+<pc:chgInfo xmlns:a="http://schemas.openxmlformats.org/drawingml/2006/main" xmlns:r="http://schemas.openxmlformats.org/officeDocument/2006/relationships" xmlns:ac="http://schemas.microsoft.com/office/drawing/2013/main/command" xmlns:pc="http://schemas.microsoft.com/office/powerpoint/2013/main/command">
+  <pc:docChgLst>
+    <pc:chgData userId="160ce1881a7fd259" providerId="LiveId" clId="{B5997108-51BC-4B19-B379-D091B9DB4DD7}"/>
+    <pc:docChg chg="custSel addSld modSld">
+      <pc:chgData name="" userId="160ce1881a7fd259" providerId="LiveId" clId="{B5997108-51BC-4B19-B379-D091B9DB4DD7}" dt="2020-05-28T05:38:30.517" v="343" actId="1076"/>
+      <pc:docMkLst>
+        <pc:docMk/>
+      </pc:docMkLst>
+      <pc:sldChg chg="addSp modSp">
+        <pc:chgData name="" userId="160ce1881a7fd259" providerId="LiveId" clId="{B5997108-51BC-4B19-B379-D091B9DB4DD7}" dt="2020-05-27T17:39:45.711" v="81" actId="1076"/>
+        <pc:sldMkLst>
+          <pc:docMk/>
+          <pc:sldMk cId="493195405" sldId="279"/>
+        </pc:sldMkLst>
+        <pc:spChg chg="add mod">
+          <ac:chgData name="" userId="160ce1881a7fd259" providerId="LiveId" clId="{B5997108-51BC-4B19-B379-D091B9DB4DD7}" dt="2020-05-27T17:39:24.599" v="80" actId="1076"/>
+          <ac:spMkLst>
+            <pc:docMk/>
+            <pc:sldMk cId="493195405" sldId="279"/>
+            <ac:spMk id="9" creationId="{1A63AA06-B79F-412D-8EE9-7DBCC3ACCB3C}"/>
+          </ac:spMkLst>
+        </pc:spChg>
+        <pc:spChg chg="mod">
+          <ac:chgData name="" userId="160ce1881a7fd259" providerId="LiveId" clId="{B5997108-51BC-4B19-B379-D091B9DB4DD7}" dt="2020-05-27T17:39:45.711" v="81" actId="1076"/>
+          <ac:spMkLst>
+            <pc:docMk/>
+            <pc:sldMk cId="493195405" sldId="279"/>
+            <ac:spMk id="10" creationId="{00000000-0000-0000-0000-000000000000}"/>
+          </ac:spMkLst>
+        </pc:spChg>
+      </pc:sldChg>
+      <pc:sldChg chg="addSp delSp modSp">
+        <pc:chgData name="" userId="160ce1881a7fd259" providerId="LiveId" clId="{B5997108-51BC-4B19-B379-D091B9DB4DD7}" dt="2020-05-28T05:37:22.062" v="285" actId="1076"/>
+        <pc:sldMkLst>
+          <pc:docMk/>
+          <pc:sldMk cId="1597966555" sldId="280"/>
+        </pc:sldMkLst>
+        <pc:picChg chg="add del mod">
+          <ac:chgData name="" userId="160ce1881a7fd259" providerId="LiveId" clId="{B5997108-51BC-4B19-B379-D091B9DB4DD7}" dt="2020-05-28T05:37:13.695" v="281" actId="478"/>
+          <ac:picMkLst>
+            <pc:docMk/>
+            <pc:sldMk cId="1597966555" sldId="280"/>
+            <ac:picMk id="5" creationId="{A5C1AE8A-295F-4B5A-A697-D4C11F704B8D}"/>
+          </ac:picMkLst>
+        </pc:picChg>
+        <pc:picChg chg="add mod">
+          <ac:chgData name="" userId="160ce1881a7fd259" providerId="LiveId" clId="{B5997108-51BC-4B19-B379-D091B9DB4DD7}" dt="2020-05-28T05:37:22.062" v="285" actId="1076"/>
+          <ac:picMkLst>
+            <pc:docMk/>
+            <pc:sldMk cId="1597966555" sldId="280"/>
+            <ac:picMk id="6" creationId="{6E8B5EA7-5FA2-478D-A802-0546FEE540A2}"/>
+          </ac:picMkLst>
+        </pc:picChg>
+        <pc:picChg chg="del">
+          <ac:chgData name="" userId="160ce1881a7fd259" providerId="LiveId" clId="{B5997108-51BC-4B19-B379-D091B9DB4DD7}" dt="2020-05-28T05:36:25.282" v="276" actId="478"/>
+          <ac:picMkLst>
+            <pc:docMk/>
+            <pc:sldMk cId="1597966555" sldId="280"/>
+            <ac:picMk id="9" creationId="{00000000-0000-0000-0000-000000000000}"/>
+          </ac:picMkLst>
+        </pc:picChg>
+      </pc:sldChg>
+      <pc:sldChg chg="addSp modSp">
+        <pc:chgData name="" userId="160ce1881a7fd259" providerId="LiveId" clId="{B5997108-51BC-4B19-B379-D091B9DB4DD7}" dt="2020-05-27T17:37:41.271" v="54" actId="12"/>
+        <pc:sldMkLst>
+          <pc:docMk/>
+          <pc:sldMk cId="571071221" sldId="281"/>
+        </pc:sldMkLst>
+        <pc:spChg chg="add mod">
+          <ac:chgData name="" userId="160ce1881a7fd259" providerId="LiveId" clId="{B5997108-51BC-4B19-B379-D091B9DB4DD7}" dt="2020-05-27T17:37:41.271" v="54" actId="12"/>
+          <ac:spMkLst>
+            <pc:docMk/>
+            <pc:sldMk cId="571071221" sldId="281"/>
+            <ac:spMk id="2" creationId="{2F2F1964-C217-4483-B17A-C5AE652EC41F}"/>
+          </ac:spMkLst>
+        </pc:spChg>
+      </pc:sldChg>
+      <pc:sldChg chg="addSp delSp modSp add">
+        <pc:chgData name="" userId="160ce1881a7fd259" providerId="LiveId" clId="{B5997108-51BC-4B19-B379-D091B9DB4DD7}" dt="2020-05-28T05:20:42.901" v="249" actId="1076"/>
+        <pc:sldMkLst>
+          <pc:docMk/>
+          <pc:sldMk cId="1996676028" sldId="282"/>
+        </pc:sldMkLst>
+        <pc:spChg chg="mod">
+          <ac:chgData name="" userId="160ce1881a7fd259" providerId="LiveId" clId="{B5997108-51BC-4B19-B379-D091B9DB4DD7}" dt="2020-05-28T04:49:10.451" v="158" actId="20577"/>
+          <ac:spMkLst>
+            <pc:docMk/>
+            <pc:sldMk cId="1996676028" sldId="282"/>
+            <ac:spMk id="2" creationId="{D97BD66C-7E88-4005-B602-228DA407B52D}"/>
+          </ac:spMkLst>
+        </pc:spChg>
+        <pc:spChg chg="del">
+          <ac:chgData name="" userId="160ce1881a7fd259" providerId="LiveId" clId="{B5997108-51BC-4B19-B379-D091B9DB4DD7}" dt="2020-05-28T04:38:30.870" v="83"/>
+          <ac:spMkLst>
+            <pc:docMk/>
+            <pc:sldMk cId="1996676028" sldId="282"/>
+            <ac:spMk id="5" creationId="{96A040C6-64A1-45AD-AA5A-2EB55120EBEC}"/>
+          </ac:spMkLst>
+        </pc:spChg>
+        <pc:spChg chg="add del">
+          <ac:chgData name="" userId="160ce1881a7fd259" providerId="LiveId" clId="{B5997108-51BC-4B19-B379-D091B9DB4DD7}" dt="2020-05-28T04:38:33.802" v="84"/>
+          <ac:spMkLst>
+            <pc:docMk/>
+            <pc:sldMk cId="1996676028" sldId="282"/>
+            <ac:spMk id="6" creationId="{50DDE007-B778-4800-8AD6-7900D1AC8F75}"/>
+          </ac:spMkLst>
+        </pc:spChg>
+        <pc:spChg chg="add del">
+          <ac:chgData name="" userId="160ce1881a7fd259" providerId="LiveId" clId="{B5997108-51BC-4B19-B379-D091B9DB4DD7}" dt="2020-05-28T04:38:56.922" v="85" actId="478"/>
+          <ac:spMkLst>
+            <pc:docMk/>
+            <pc:sldMk cId="1996676028" sldId="282"/>
+            <ac:spMk id="7" creationId="{9E25FFEC-0A22-4808-B2B7-96891B48EBD2}"/>
+          </ac:spMkLst>
+        </pc:spChg>
+        <pc:spChg chg="add mod">
+          <ac:chgData name="" userId="160ce1881a7fd259" providerId="LiveId" clId="{B5997108-51BC-4B19-B379-D091B9DB4DD7}" dt="2020-05-28T04:39:05.421" v="88" actId="14100"/>
+          <ac:spMkLst>
+            <pc:docMk/>
+            <pc:sldMk cId="1996676028" sldId="282"/>
+            <ac:spMk id="8" creationId="{5B4D039C-C06E-46B6-B3A9-15941378CF0F}"/>
+          </ac:spMkLst>
+        </pc:spChg>
+        <pc:spChg chg="add del mod">
+          <ac:chgData name="" userId="160ce1881a7fd259" providerId="LiveId" clId="{B5997108-51BC-4B19-B379-D091B9DB4DD7}" dt="2020-05-28T04:39:28.957" v="90" actId="478"/>
+          <ac:spMkLst>
+            <pc:docMk/>
+            <pc:sldMk cId="1996676028" sldId="282"/>
+            <ac:spMk id="9" creationId="{2ABE56EF-AEA4-4540-B325-56019EB321BD}"/>
+          </ac:spMkLst>
+        </pc:spChg>
+        <pc:spChg chg="add mod">
+          <ac:chgData name="" userId="160ce1881a7fd259" providerId="LiveId" clId="{B5997108-51BC-4B19-B379-D091B9DB4DD7}" dt="2020-05-28T05:19:17.173" v="198" actId="1076"/>
+          <ac:spMkLst>
+            <pc:docMk/>
+            <pc:sldMk cId="1996676028" sldId="282"/>
+            <ac:spMk id="11" creationId="{EFB87949-23F0-4149-99C4-B9E08107DECB}"/>
+          </ac:spMkLst>
+        </pc:spChg>
+        <pc:spChg chg="add mod">
+          <ac:chgData name="" userId="160ce1881a7fd259" providerId="LiveId" clId="{B5997108-51BC-4B19-B379-D091B9DB4DD7}" dt="2020-05-28T05:20:42.901" v="249" actId="1076"/>
+          <ac:spMkLst>
+            <pc:docMk/>
+            <pc:sldMk cId="1996676028" sldId="282"/>
+            <ac:spMk id="12" creationId="{50A030A2-7C4C-493C-AF28-1B82B64D5978}"/>
+          </ac:spMkLst>
+        </pc:spChg>
+        <pc:picChg chg="add mod">
+          <ac:chgData name="" userId="160ce1881a7fd259" providerId="LiveId" clId="{B5997108-51BC-4B19-B379-D091B9DB4DD7}" dt="2020-05-28T05:19:09.317" v="196" actId="1076"/>
+          <ac:picMkLst>
+            <pc:docMk/>
+            <pc:sldMk cId="1996676028" sldId="282"/>
+            <ac:picMk id="10" creationId="{B749C1C4-723B-48F8-A022-E8882FE204DE}"/>
+          </ac:picMkLst>
+        </pc:picChg>
+      </pc:sldChg>
+      <pc:sldChg chg="addSp delSp modSp add">
+        <pc:chgData name="" userId="160ce1881a7fd259" providerId="LiveId" clId="{B5997108-51BC-4B19-B379-D091B9DB4DD7}" dt="2020-05-28T05:34:50.558" v="275" actId="14100"/>
+        <pc:sldMkLst>
+          <pc:docMk/>
+          <pc:sldMk cId="2458161051" sldId="283"/>
+        </pc:sldMkLst>
+        <pc:spChg chg="mod">
+          <ac:chgData name="" userId="160ce1881a7fd259" providerId="LiveId" clId="{B5997108-51BC-4B19-B379-D091B9DB4DD7}" dt="2020-05-28T05:22:23.329" v="251"/>
+          <ac:spMkLst>
+            <pc:docMk/>
+            <pc:sldMk cId="2458161051" sldId="283"/>
+            <ac:spMk id="2" creationId="{321BF2B0-4AD7-4A78-925F-12002B16524B}"/>
+          </ac:spMkLst>
+        </pc:spChg>
+        <pc:spChg chg="del">
+          <ac:chgData name="" userId="160ce1881a7fd259" providerId="LiveId" clId="{B5997108-51BC-4B19-B379-D091B9DB4DD7}" dt="2020-05-28T05:22:46.842" v="252" actId="478"/>
+          <ac:spMkLst>
+            <pc:docMk/>
+            <pc:sldMk cId="2458161051" sldId="283"/>
+            <ac:spMk id="5" creationId="{FF6C1BD5-60E7-4597-A3B5-CD4BBE30FE9F}"/>
+          </ac:spMkLst>
+        </pc:spChg>
+        <pc:spChg chg="add mod">
+          <ac:chgData name="" userId="160ce1881a7fd259" providerId="LiveId" clId="{B5997108-51BC-4B19-B379-D091B9DB4DD7}" dt="2020-05-28T05:34:34.245" v="269" actId="1076"/>
+          <ac:spMkLst>
+            <pc:docMk/>
+            <pc:sldMk cId="2458161051" sldId="283"/>
+            <ac:spMk id="6" creationId="{AE116C06-74E8-421B-814A-531B3487D844}"/>
+          </ac:spMkLst>
+        </pc:spChg>
+        <pc:spChg chg="add mod">
+          <ac:chgData name="" userId="160ce1881a7fd259" providerId="LiveId" clId="{B5997108-51BC-4B19-B379-D091B9DB4DD7}" dt="2020-05-28T05:34:50.558" v="275" actId="14100"/>
+          <ac:spMkLst>
+            <pc:docMk/>
+            <pc:sldMk cId="2458161051" sldId="283"/>
+            <ac:spMk id="9" creationId="{46AC6E0E-74A3-4689-9209-2AB79971E8A2}"/>
+          </ac:spMkLst>
+        </pc:spChg>
+        <pc:picChg chg="add mod">
+          <ac:chgData name="" userId="160ce1881a7fd259" providerId="LiveId" clId="{B5997108-51BC-4B19-B379-D091B9DB4DD7}" dt="2020-05-28T05:32:28.613" v="255" actId="1076"/>
+          <ac:picMkLst>
+            <pc:docMk/>
+            <pc:sldMk cId="2458161051" sldId="283"/>
+            <ac:picMk id="2049" creationId="{E62ED1F4-1250-4535-B997-60DE622267D2}"/>
+          </ac:picMkLst>
+        </pc:picChg>
+        <pc:picChg chg="add mod">
+          <ac:chgData name="" userId="160ce1881a7fd259" providerId="LiveId" clId="{B5997108-51BC-4B19-B379-D091B9DB4DD7}" dt="2020-05-28T05:34:10.125" v="259" actId="14100"/>
+          <ac:picMkLst>
+            <pc:docMk/>
+            <pc:sldMk cId="2458161051" sldId="283"/>
+            <ac:picMk id="2050" creationId="{2FC11578-52FD-4F4D-A0EE-B38FBF272159}"/>
+          </ac:picMkLst>
+        </pc:picChg>
+      </pc:sldChg>
+      <pc:sldChg chg="addSp delSp modSp add">
+        <pc:chgData name="" userId="160ce1881a7fd259" providerId="LiveId" clId="{B5997108-51BC-4B19-B379-D091B9DB4DD7}" dt="2020-05-28T05:38:30.517" v="343" actId="1076"/>
+        <pc:sldMkLst>
+          <pc:docMk/>
+          <pc:sldMk cId="1472047718" sldId="284"/>
+        </pc:sldMkLst>
+        <pc:spChg chg="mod">
+          <ac:chgData name="" userId="160ce1881a7fd259" providerId="LiveId" clId="{B5997108-51BC-4B19-B379-D091B9DB4DD7}" dt="2020-05-28T05:38:26.040" v="342" actId="20577"/>
+          <ac:spMkLst>
+            <pc:docMk/>
+            <pc:sldMk cId="1472047718" sldId="284"/>
+            <ac:spMk id="2" creationId="{8FEC805A-34CC-4C4B-AA4E-AB2A6D41D1A1}"/>
+          </ac:spMkLst>
+        </pc:spChg>
+        <pc:spChg chg="del">
+          <ac:chgData name="" userId="160ce1881a7fd259" providerId="LiveId" clId="{B5997108-51BC-4B19-B379-D091B9DB4DD7}" dt="2020-05-28T05:38:04.453" v="290" actId="478"/>
+          <ac:spMkLst>
+            <pc:docMk/>
+            <pc:sldMk cId="1472047718" sldId="284"/>
+            <ac:spMk id="5" creationId="{E01F86E3-5F40-40D4-A88D-5694BCC37687}"/>
+          </ac:spMkLst>
+        </pc:spChg>
+        <pc:picChg chg="add mod">
+          <ac:chgData name="" userId="160ce1881a7fd259" providerId="LiveId" clId="{B5997108-51BC-4B19-B379-D091B9DB4DD7}" dt="2020-05-28T05:38:30.517" v="343" actId="1076"/>
+          <ac:picMkLst>
+            <pc:docMk/>
+            <pc:sldMk cId="1472047718" sldId="284"/>
+            <ac:picMk id="3073" creationId="{F44DF737-7DA6-46D2-B2AC-047CB0D76B7C}"/>
+          </ac:picMkLst>
+        </pc:picChg>
+      </pc:sldChg>
+    </pc:docChg>
+  </pc:docChgLst>
+</pc:chgInfo>
 </file>
 
 <file path=ppt/diagrams/colors1.xml><?xml version="1.0" encoding="utf-8"?>
@@ -937,7 +1188,7 @@
         <a:lstStyle/>
         <a:p>
           <a:r>
-            <a:rPr lang="en-US" altLang="zh-CN" dirty="0" smtClean="0"/>
+            <a:rPr lang="en-US" altLang="zh-CN" dirty="0"/>
             <a:t>Speech</a:t>
           </a:r>
           <a:endParaRPr lang="zh-CN" altLang="en-US" dirty="0"/>
@@ -974,23 +1225,23 @@
         <a:lstStyle/>
         <a:p>
           <a:r>
-            <a:rPr lang="en-US" altLang="zh-CN" dirty="0" smtClean="0"/>
+            <a:rPr lang="en-US" altLang="zh-CN" dirty="0"/>
             <a:t>Fast</a:t>
           </a:r>
           <a:r>
-            <a:rPr lang="zh-CN" altLang="en-US" dirty="0" smtClean="0"/>
+            <a:rPr lang="zh-CN" altLang="en-US" dirty="0"/>
             <a:t> </a:t>
           </a:r>
           <a:r>
-            <a:rPr lang="en-US" altLang="zh-CN" dirty="0" smtClean="0"/>
+            <a:rPr lang="en-US" altLang="zh-CN" dirty="0"/>
             <a:t>Fourier</a:t>
           </a:r>
           <a:r>
-            <a:rPr lang="zh-CN" altLang="en-US" dirty="0" smtClean="0"/>
+            <a:rPr lang="zh-CN" altLang="en-US" dirty="0"/>
             <a:t> </a:t>
           </a:r>
           <a:r>
-            <a:rPr lang="en-US" altLang="zh-CN" dirty="0" smtClean="0"/>
+            <a:rPr lang="en-US" altLang="zh-CN" dirty="0"/>
             <a:t>Transform</a:t>
           </a:r>
           <a:endParaRPr lang="zh-CN" altLang="en-US" dirty="0"/>
@@ -1027,31 +1278,31 @@
         <a:lstStyle/>
         <a:p>
           <a:r>
-            <a:rPr lang="en-US" altLang="zh-CN" dirty="0" smtClean="0"/>
+            <a:rPr lang="en-US" altLang="zh-CN" dirty="0"/>
             <a:t>Mel</a:t>
           </a:r>
           <a:r>
-            <a:rPr lang="zh-CN" altLang="en-US" dirty="0" smtClean="0"/>
+            <a:rPr lang="zh-CN" altLang="en-US" dirty="0"/>
             <a:t> </a:t>
           </a:r>
           <a:r>
-            <a:rPr lang="en-US" altLang="zh-CN" dirty="0" smtClean="0"/>
+            <a:rPr lang="en-US" altLang="zh-CN" dirty="0"/>
             <a:t>Filter</a:t>
           </a:r>
           <a:r>
-            <a:rPr lang="zh-CN" altLang="en-US" dirty="0" smtClean="0"/>
+            <a:rPr lang="zh-CN" altLang="en-US" dirty="0"/>
             <a:t> </a:t>
           </a:r>
           <a:r>
-            <a:rPr lang="en-US" altLang="zh-CN" dirty="0" smtClean="0"/>
+            <a:rPr lang="en-US" altLang="zh-CN" dirty="0"/>
             <a:t>Bank</a:t>
           </a:r>
           <a:r>
-            <a:rPr lang="zh-CN" altLang="en-US" dirty="0" smtClean="0"/>
+            <a:rPr lang="zh-CN" altLang="en-US" dirty="0"/>
             <a:t> </a:t>
           </a:r>
           <a:r>
-            <a:rPr lang="en-US" altLang="zh-CN" dirty="0" smtClean="0"/>
+            <a:rPr lang="en-US" altLang="zh-CN" dirty="0"/>
             <a:t>Processing</a:t>
           </a:r>
           <a:endParaRPr lang="zh-CN" altLang="en-US" dirty="0"/>
@@ -1088,23 +1339,23 @@
         <a:lstStyle/>
         <a:p>
           <a:r>
-            <a:rPr lang="en-US" altLang="zh-CN" dirty="0" smtClean="0"/>
+            <a:rPr lang="en-US" altLang="zh-CN" dirty="0"/>
             <a:t>Log</a:t>
           </a:r>
           <a:r>
-            <a:rPr lang="zh-CN" altLang="en-US" dirty="0" smtClean="0"/>
+            <a:rPr lang="zh-CN" altLang="en-US" dirty="0"/>
             <a:t> </a:t>
           </a:r>
           <a:r>
-            <a:rPr lang="en-US" altLang="zh-CN" dirty="0" smtClean="0"/>
+            <a:rPr lang="en-US" altLang="zh-CN" dirty="0"/>
             <a:t>energy</a:t>
           </a:r>
           <a:r>
-            <a:rPr lang="zh-CN" altLang="en-US" dirty="0" smtClean="0"/>
+            <a:rPr lang="zh-CN" altLang="en-US" dirty="0"/>
             <a:t> </a:t>
           </a:r>
           <a:r>
-            <a:rPr lang="en-US" altLang="zh-CN" dirty="0" smtClean="0"/>
+            <a:rPr lang="en-US" altLang="zh-CN" dirty="0"/>
             <a:t>Computation</a:t>
           </a:r>
           <a:endParaRPr lang="zh-CN" altLang="en-US" dirty="0"/>
@@ -1141,23 +1392,23 @@
         <a:lstStyle/>
         <a:p>
           <a:r>
-            <a:rPr lang="en-US" altLang="zh-CN" dirty="0" smtClean="0"/>
+            <a:rPr lang="en-US" altLang="zh-CN" dirty="0"/>
             <a:t>Discrete</a:t>
           </a:r>
           <a:r>
-            <a:rPr lang="zh-CN" altLang="en-US" dirty="0" smtClean="0"/>
+            <a:rPr lang="zh-CN" altLang="en-US" dirty="0"/>
             <a:t> </a:t>
           </a:r>
           <a:r>
-            <a:rPr lang="en-US" altLang="zh-CN" dirty="0" smtClean="0"/>
+            <a:rPr lang="en-US" altLang="zh-CN" dirty="0"/>
             <a:t>Cosine</a:t>
           </a:r>
           <a:r>
-            <a:rPr lang="zh-CN" altLang="en-US" dirty="0" smtClean="0"/>
+            <a:rPr lang="zh-CN" altLang="en-US" dirty="0"/>
             <a:t> </a:t>
           </a:r>
           <a:r>
-            <a:rPr lang="en-US" altLang="zh-CN" dirty="0" smtClean="0"/>
+            <a:rPr lang="en-US" altLang="zh-CN" dirty="0"/>
             <a:t>Transform</a:t>
           </a:r>
           <a:endParaRPr lang="zh-CN" altLang="en-US" dirty="0"/>
@@ -1194,7 +1445,7 @@
         <a:lstStyle/>
         <a:p>
           <a:r>
-            <a:rPr lang="en-US" altLang="zh-CN" dirty="0" smtClean="0"/>
+            <a:rPr lang="en-US" altLang="zh-CN" dirty="0"/>
             <a:t>Pre-emphasis</a:t>
           </a:r>
           <a:endParaRPr lang="zh-CN" altLang="en-US" dirty="0"/>
@@ -1231,7 +1482,7 @@
         <a:lstStyle/>
         <a:p>
           <a:r>
-            <a:rPr lang="en-US" altLang="zh-CN" dirty="0" smtClean="0"/>
+            <a:rPr lang="en-US" altLang="zh-CN" dirty="0"/>
             <a:t>Framing</a:t>
           </a:r>
           <a:endParaRPr lang="zh-CN" altLang="en-US" dirty="0"/>
@@ -1268,7 +1519,7 @@
         <a:lstStyle/>
         <a:p>
           <a:r>
-            <a:rPr lang="en-US" altLang="zh-CN" dirty="0" smtClean="0"/>
+            <a:rPr lang="en-US" altLang="zh-CN" dirty="0"/>
             <a:t>windowing</a:t>
           </a:r>
           <a:endParaRPr lang="zh-CN" altLang="en-US" dirty="0"/>
@@ -1305,15 +1556,15 @@
         <a:lstStyle/>
         <a:p>
           <a:r>
-            <a:rPr lang="en-US" altLang="zh-CN" dirty="0" smtClean="0"/>
+            <a:rPr lang="en-US" altLang="zh-CN" dirty="0"/>
             <a:t>Mel</a:t>
           </a:r>
           <a:r>
-            <a:rPr lang="zh-CN" altLang="en-US" dirty="0" smtClean="0"/>
+            <a:rPr lang="zh-CN" altLang="en-US" dirty="0"/>
             <a:t> </a:t>
           </a:r>
           <a:r>
-            <a:rPr lang="en-US" altLang="zh-CN" dirty="0" err="1" smtClean="0"/>
+            <a:rPr lang="en-US" altLang="zh-CN" dirty="0" err="1"/>
             <a:t>cspstrums</a:t>
           </a:r>
           <a:endParaRPr lang="zh-CN" altLang="en-US" dirty="0"/>
@@ -1350,13 +1601,6 @@
         </dgm:presLayoutVars>
       </dgm:prSet>
       <dgm:spPr/>
-      <dgm:t>
-        <a:bodyPr/>
-        <a:lstStyle/>
-        <a:p>
-          <a:endParaRPr lang="zh-CN" altLang="en-US"/>
-        </a:p>
-      </dgm:t>
     </dgm:pt>
     <dgm:pt modelId="{E7D0B884-1049-9543-83E1-4E6B09FE67A8}" type="pres">
       <dgm:prSet presAssocID="{C4608C82-3106-DE45-AD7E-0CEC1258E079}" presName="node" presStyleLbl="node1" presStyleIdx="0" presStyleCnt="9">
@@ -1365,35 +1609,14 @@
         </dgm:presLayoutVars>
       </dgm:prSet>
       <dgm:spPr/>
-      <dgm:t>
-        <a:bodyPr/>
-        <a:lstStyle/>
-        <a:p>
-          <a:endParaRPr lang="zh-CN" altLang="en-US"/>
-        </a:p>
-      </dgm:t>
     </dgm:pt>
     <dgm:pt modelId="{40E792BC-F7D2-414F-A602-BE8D7910BE9B}" type="pres">
       <dgm:prSet presAssocID="{C2980C93-98FD-BB4A-B212-83C980323495}" presName="sibTrans" presStyleLbl="sibTrans2D1" presStyleIdx="0" presStyleCnt="8"/>
       <dgm:spPr/>
-      <dgm:t>
-        <a:bodyPr/>
-        <a:lstStyle/>
-        <a:p>
-          <a:endParaRPr lang="zh-CN" altLang="en-US"/>
-        </a:p>
-      </dgm:t>
     </dgm:pt>
     <dgm:pt modelId="{7D57450D-B22E-584E-B825-0E8D0535B6C5}" type="pres">
       <dgm:prSet presAssocID="{C2980C93-98FD-BB4A-B212-83C980323495}" presName="connectorText" presStyleLbl="sibTrans2D1" presStyleIdx="0" presStyleCnt="8"/>
       <dgm:spPr/>
-      <dgm:t>
-        <a:bodyPr/>
-        <a:lstStyle/>
-        <a:p>
-          <a:endParaRPr lang="zh-CN" altLang="en-US"/>
-        </a:p>
-      </dgm:t>
     </dgm:pt>
     <dgm:pt modelId="{A8116D1A-3EFF-AF48-8ACB-34F686D477A8}" type="pres">
       <dgm:prSet presAssocID="{AAA42B0F-99F6-DC45-AB27-126342D6B6A7}" presName="node" presStyleLbl="node1" presStyleIdx="1" presStyleCnt="9">
@@ -1402,35 +1625,14 @@
         </dgm:presLayoutVars>
       </dgm:prSet>
       <dgm:spPr/>
-      <dgm:t>
-        <a:bodyPr/>
-        <a:lstStyle/>
-        <a:p>
-          <a:endParaRPr lang="zh-CN" altLang="en-US"/>
-        </a:p>
-      </dgm:t>
     </dgm:pt>
     <dgm:pt modelId="{562E6D60-0C57-BD45-8BCF-E8C47F7BFFC2}" type="pres">
       <dgm:prSet presAssocID="{255D811E-0011-8D46-9995-1069D4CD51B3}" presName="sibTrans" presStyleLbl="sibTrans2D1" presStyleIdx="1" presStyleCnt="8"/>
       <dgm:spPr/>
-      <dgm:t>
-        <a:bodyPr/>
-        <a:lstStyle/>
-        <a:p>
-          <a:endParaRPr lang="zh-CN" altLang="en-US"/>
-        </a:p>
-      </dgm:t>
     </dgm:pt>
     <dgm:pt modelId="{6991699B-FAFA-BB42-92F8-21ED31EBB65B}" type="pres">
       <dgm:prSet presAssocID="{255D811E-0011-8D46-9995-1069D4CD51B3}" presName="connectorText" presStyleLbl="sibTrans2D1" presStyleIdx="1" presStyleCnt="8"/>
       <dgm:spPr/>
-      <dgm:t>
-        <a:bodyPr/>
-        <a:lstStyle/>
-        <a:p>
-          <a:endParaRPr lang="zh-CN" altLang="en-US"/>
-        </a:p>
-      </dgm:t>
     </dgm:pt>
     <dgm:pt modelId="{14FC1F5E-0C54-CE46-8203-646A9C2CC82B}" type="pres">
       <dgm:prSet presAssocID="{035F0FB6-2D7B-AE43-8EDB-CAEFDD945FB9}" presName="node" presStyleLbl="node1" presStyleIdx="2" presStyleCnt="9">
@@ -1439,35 +1641,14 @@
         </dgm:presLayoutVars>
       </dgm:prSet>
       <dgm:spPr/>
-      <dgm:t>
-        <a:bodyPr/>
-        <a:lstStyle/>
-        <a:p>
-          <a:endParaRPr lang="zh-CN" altLang="en-US"/>
-        </a:p>
-      </dgm:t>
     </dgm:pt>
     <dgm:pt modelId="{F5BB714A-3C88-EB40-8F6A-0D03709BCE92}" type="pres">
       <dgm:prSet presAssocID="{DFBA5CE0-EF58-2A4C-B9B8-99D7D4941274}" presName="sibTrans" presStyleLbl="sibTrans2D1" presStyleIdx="2" presStyleCnt="8"/>
       <dgm:spPr/>
-      <dgm:t>
-        <a:bodyPr/>
-        <a:lstStyle/>
-        <a:p>
-          <a:endParaRPr lang="zh-CN" altLang="en-US"/>
-        </a:p>
-      </dgm:t>
     </dgm:pt>
     <dgm:pt modelId="{857A158D-950C-334A-AABE-44C768EFD29B}" type="pres">
       <dgm:prSet presAssocID="{DFBA5CE0-EF58-2A4C-B9B8-99D7D4941274}" presName="connectorText" presStyleLbl="sibTrans2D1" presStyleIdx="2" presStyleCnt="8"/>
       <dgm:spPr/>
-      <dgm:t>
-        <a:bodyPr/>
-        <a:lstStyle/>
-        <a:p>
-          <a:endParaRPr lang="zh-CN" altLang="en-US"/>
-        </a:p>
-      </dgm:t>
     </dgm:pt>
     <dgm:pt modelId="{5D187E55-6568-3A46-AFF3-D690EDDDDB43}" type="pres">
       <dgm:prSet presAssocID="{B59296FF-5BB8-8947-96F3-E28B8C63890F}" presName="node" presStyleLbl="node1" presStyleIdx="3" presStyleCnt="9">
@@ -1476,35 +1657,14 @@
         </dgm:presLayoutVars>
       </dgm:prSet>
       <dgm:spPr/>
-      <dgm:t>
-        <a:bodyPr/>
-        <a:lstStyle/>
-        <a:p>
-          <a:endParaRPr lang="zh-CN" altLang="en-US"/>
-        </a:p>
-      </dgm:t>
     </dgm:pt>
     <dgm:pt modelId="{027F5611-653A-A945-8B55-67693C341796}" type="pres">
       <dgm:prSet presAssocID="{AC4EF2B2-ED20-194C-B28F-552BD782061B}" presName="sibTrans" presStyleLbl="sibTrans2D1" presStyleIdx="3" presStyleCnt="8"/>
       <dgm:spPr/>
-      <dgm:t>
-        <a:bodyPr/>
-        <a:lstStyle/>
-        <a:p>
-          <a:endParaRPr lang="zh-CN" altLang="en-US"/>
-        </a:p>
-      </dgm:t>
     </dgm:pt>
     <dgm:pt modelId="{070DE518-9633-A94F-8B5C-937CCAD37447}" type="pres">
       <dgm:prSet presAssocID="{AC4EF2B2-ED20-194C-B28F-552BD782061B}" presName="connectorText" presStyleLbl="sibTrans2D1" presStyleIdx="3" presStyleCnt="8"/>
       <dgm:spPr/>
-      <dgm:t>
-        <a:bodyPr/>
-        <a:lstStyle/>
-        <a:p>
-          <a:endParaRPr lang="zh-CN" altLang="en-US"/>
-        </a:p>
-      </dgm:t>
     </dgm:pt>
     <dgm:pt modelId="{DBDA6342-4E7C-BC47-94DE-B90FAEE247B8}" type="pres">
       <dgm:prSet presAssocID="{E3337360-EAF1-8D48-AE1C-C35C40B02FFA}" presName="node" presStyleLbl="node1" presStyleIdx="4" presStyleCnt="9">
@@ -1513,35 +1673,14 @@
         </dgm:presLayoutVars>
       </dgm:prSet>
       <dgm:spPr/>
-      <dgm:t>
-        <a:bodyPr/>
-        <a:lstStyle/>
-        <a:p>
-          <a:endParaRPr lang="zh-CN" altLang="en-US"/>
-        </a:p>
-      </dgm:t>
     </dgm:pt>
     <dgm:pt modelId="{2292E7C1-7560-F34D-A6D7-C0ACC684D16D}" type="pres">
       <dgm:prSet presAssocID="{6C4DDD49-BE28-2748-873C-9698439E46C7}" presName="sibTrans" presStyleLbl="sibTrans2D1" presStyleIdx="4" presStyleCnt="8"/>
       <dgm:spPr/>
-      <dgm:t>
-        <a:bodyPr/>
-        <a:lstStyle/>
-        <a:p>
-          <a:endParaRPr lang="zh-CN" altLang="en-US"/>
-        </a:p>
-      </dgm:t>
     </dgm:pt>
     <dgm:pt modelId="{EEAC63FE-7434-154B-94DC-3FAABE36695C}" type="pres">
       <dgm:prSet presAssocID="{6C4DDD49-BE28-2748-873C-9698439E46C7}" presName="connectorText" presStyleLbl="sibTrans2D1" presStyleIdx="4" presStyleCnt="8"/>
       <dgm:spPr/>
-      <dgm:t>
-        <a:bodyPr/>
-        <a:lstStyle/>
-        <a:p>
-          <a:endParaRPr lang="zh-CN" altLang="en-US"/>
-        </a:p>
-      </dgm:t>
     </dgm:pt>
     <dgm:pt modelId="{75656E7C-7AA2-9D47-80A1-AE8AC3C8D576}" type="pres">
       <dgm:prSet presAssocID="{B3A18480-FFCC-7245-9386-CFAC00E3786B}" presName="node" presStyleLbl="node1" presStyleIdx="5" presStyleCnt="9">
@@ -1550,35 +1689,14 @@
         </dgm:presLayoutVars>
       </dgm:prSet>
       <dgm:spPr/>
-      <dgm:t>
-        <a:bodyPr/>
-        <a:lstStyle/>
-        <a:p>
-          <a:endParaRPr lang="zh-CN" altLang="en-US"/>
-        </a:p>
-      </dgm:t>
     </dgm:pt>
     <dgm:pt modelId="{B1FDE497-90EC-904E-9313-2F0A6182BC2B}" type="pres">
       <dgm:prSet presAssocID="{E2EBF4D7-54D1-0B4D-B9F8-79E66DDADF68}" presName="sibTrans" presStyleLbl="sibTrans2D1" presStyleIdx="5" presStyleCnt="8"/>
       <dgm:spPr/>
-      <dgm:t>
-        <a:bodyPr/>
-        <a:lstStyle/>
-        <a:p>
-          <a:endParaRPr lang="zh-CN" altLang="en-US"/>
-        </a:p>
-      </dgm:t>
     </dgm:pt>
     <dgm:pt modelId="{82B87480-4F63-C44C-B312-8C46D00D02D8}" type="pres">
       <dgm:prSet presAssocID="{E2EBF4D7-54D1-0B4D-B9F8-79E66DDADF68}" presName="connectorText" presStyleLbl="sibTrans2D1" presStyleIdx="5" presStyleCnt="8"/>
       <dgm:spPr/>
-      <dgm:t>
-        <a:bodyPr/>
-        <a:lstStyle/>
-        <a:p>
-          <a:endParaRPr lang="zh-CN" altLang="en-US"/>
-        </a:p>
-      </dgm:t>
     </dgm:pt>
     <dgm:pt modelId="{1B86774D-8C05-C044-AC48-4C4A154FCFB0}" type="pres">
       <dgm:prSet presAssocID="{3BB4B517-720B-B545-94AF-04A1714FB91F}" presName="node" presStyleLbl="node1" presStyleIdx="6" presStyleCnt="9">
@@ -1587,35 +1705,14 @@
         </dgm:presLayoutVars>
       </dgm:prSet>
       <dgm:spPr/>
-      <dgm:t>
-        <a:bodyPr/>
-        <a:lstStyle/>
-        <a:p>
-          <a:endParaRPr lang="zh-CN" altLang="en-US"/>
-        </a:p>
-      </dgm:t>
     </dgm:pt>
     <dgm:pt modelId="{61307C76-6461-5547-AF11-52413B2B1573}" type="pres">
       <dgm:prSet presAssocID="{A7206DE0-FC2B-E841-9F97-9BF3E09FA9E9}" presName="sibTrans" presStyleLbl="sibTrans2D1" presStyleIdx="6" presStyleCnt="8"/>
       <dgm:spPr/>
-      <dgm:t>
-        <a:bodyPr/>
-        <a:lstStyle/>
-        <a:p>
-          <a:endParaRPr lang="zh-CN" altLang="en-US"/>
-        </a:p>
-      </dgm:t>
     </dgm:pt>
     <dgm:pt modelId="{49A1CD88-99D3-254C-B90B-7EE4761062E8}" type="pres">
       <dgm:prSet presAssocID="{A7206DE0-FC2B-E841-9F97-9BF3E09FA9E9}" presName="connectorText" presStyleLbl="sibTrans2D1" presStyleIdx="6" presStyleCnt="8"/>
       <dgm:spPr/>
-      <dgm:t>
-        <a:bodyPr/>
-        <a:lstStyle/>
-        <a:p>
-          <a:endParaRPr lang="zh-CN" altLang="en-US"/>
-        </a:p>
-      </dgm:t>
     </dgm:pt>
     <dgm:pt modelId="{D6C4DC05-BCFC-A442-928C-FD1898602353}" type="pres">
       <dgm:prSet presAssocID="{E5DC9505-9B75-8A4D-923C-1711A455E30D}" presName="node" presStyleLbl="node1" presStyleIdx="7" presStyleCnt="9">
@@ -1624,35 +1721,14 @@
         </dgm:presLayoutVars>
       </dgm:prSet>
       <dgm:spPr/>
-      <dgm:t>
-        <a:bodyPr/>
-        <a:lstStyle/>
-        <a:p>
-          <a:endParaRPr lang="zh-CN" altLang="en-US"/>
-        </a:p>
-      </dgm:t>
     </dgm:pt>
     <dgm:pt modelId="{50C69F3D-6EF0-7F44-B81A-930BEE8F0015}" type="pres">
       <dgm:prSet presAssocID="{982DE755-8CD0-DB41-987F-777FB50A3205}" presName="sibTrans" presStyleLbl="sibTrans2D1" presStyleIdx="7" presStyleCnt="8"/>
       <dgm:spPr/>
-      <dgm:t>
-        <a:bodyPr/>
-        <a:lstStyle/>
-        <a:p>
-          <a:endParaRPr lang="zh-CN" altLang="en-US"/>
-        </a:p>
-      </dgm:t>
     </dgm:pt>
     <dgm:pt modelId="{47E00E10-C77D-C84F-B65D-A3814BF6292A}" type="pres">
       <dgm:prSet presAssocID="{982DE755-8CD0-DB41-987F-777FB50A3205}" presName="connectorText" presStyleLbl="sibTrans2D1" presStyleIdx="7" presStyleCnt="8"/>
       <dgm:spPr/>
-      <dgm:t>
-        <a:bodyPr/>
-        <a:lstStyle/>
-        <a:p>
-          <a:endParaRPr lang="zh-CN" altLang="en-US"/>
-        </a:p>
-      </dgm:t>
     </dgm:pt>
     <dgm:pt modelId="{651579F3-AF56-7243-8626-2A5E89F0E5AA}" type="pres">
       <dgm:prSet presAssocID="{7244D907-47D5-F541-8552-9EFD31BB8C1B}" presName="node" presStyleLbl="node1" presStyleIdx="8" presStyleCnt="9">
@@ -1661,51 +1737,44 @@
         </dgm:presLayoutVars>
       </dgm:prSet>
       <dgm:spPr/>
-      <dgm:t>
-        <a:bodyPr/>
-        <a:lstStyle/>
-        <a:p>
-          <a:endParaRPr lang="zh-CN" altLang="en-US"/>
-        </a:p>
-      </dgm:t>
     </dgm:pt>
   </dgm:ptLst>
   <dgm:cxnLst>
+    <dgm:cxn modelId="{627EEE00-2993-674C-9D6D-DF6FAFED0803}" type="presOf" srcId="{982DE755-8CD0-DB41-987F-777FB50A3205}" destId="{47E00E10-C77D-C84F-B65D-A3814BF6292A}" srcOrd="1" destOrd="0" presId="urn:microsoft.com/office/officeart/2005/8/layout/process5"/>
+    <dgm:cxn modelId="{348A190F-4B42-F447-9C67-E7900C902953}" type="presOf" srcId="{6C4DDD49-BE28-2748-873C-9698439E46C7}" destId="{2292E7C1-7560-F34D-A6D7-C0ACC684D16D}" srcOrd="0" destOrd="0" presId="urn:microsoft.com/office/officeart/2005/8/layout/process5"/>
+    <dgm:cxn modelId="{C572921C-A316-F147-AE15-2871A7887A00}" type="presOf" srcId="{B3A18480-FFCC-7245-9386-CFAC00E3786B}" destId="{75656E7C-7AA2-9D47-80A1-AE8AC3C8D576}" srcOrd="0" destOrd="0" presId="urn:microsoft.com/office/officeart/2005/8/layout/process5"/>
+    <dgm:cxn modelId="{D35CAB28-73B1-EB42-B28A-D483A8DC97AE}" type="presOf" srcId="{C2980C93-98FD-BB4A-B212-83C980323495}" destId="{7D57450D-B22E-584E-B825-0E8D0535B6C5}" srcOrd="1" destOrd="0" presId="urn:microsoft.com/office/officeart/2005/8/layout/process5"/>
+    <dgm:cxn modelId="{4F89CF31-B1A0-A54C-AAAC-A42844E96FA2}" type="presOf" srcId="{E2EBF4D7-54D1-0B4D-B9F8-79E66DDADF68}" destId="{B1FDE497-90EC-904E-9313-2F0A6182BC2B}" srcOrd="0" destOrd="0" presId="urn:microsoft.com/office/officeart/2005/8/layout/process5"/>
+    <dgm:cxn modelId="{677A9233-64C5-464A-80CE-8E3F32486FB4}" type="presOf" srcId="{A7206DE0-FC2B-E841-9F97-9BF3E09FA9E9}" destId="{61307C76-6461-5547-AF11-52413B2B1573}" srcOrd="0" destOrd="0" presId="urn:microsoft.com/office/officeart/2005/8/layout/process5"/>
+    <dgm:cxn modelId="{45771934-D79C-E84C-A6D9-C6CB8C73205A}" type="presOf" srcId="{C2980C93-98FD-BB4A-B212-83C980323495}" destId="{40E792BC-F7D2-414F-A602-BE8D7910BE9B}" srcOrd="0" destOrd="0" presId="urn:microsoft.com/office/officeart/2005/8/layout/process5"/>
+    <dgm:cxn modelId="{7241A05D-E36E-4141-B849-2D205E06728E}" type="presOf" srcId="{E3337360-EAF1-8D48-AE1C-C35C40B02FFA}" destId="{DBDA6342-4E7C-BC47-94DE-B90FAEE247B8}" srcOrd="0" destOrd="0" presId="urn:microsoft.com/office/officeart/2005/8/layout/process5"/>
+    <dgm:cxn modelId="{F57B9549-36A7-004F-B3A5-5F10E7C0436B}" type="presOf" srcId="{DFBA5CE0-EF58-2A4C-B9B8-99D7D4941274}" destId="{857A158D-950C-334A-AABE-44C768EFD29B}" srcOrd="1" destOrd="0" presId="urn:microsoft.com/office/officeart/2005/8/layout/process5"/>
+    <dgm:cxn modelId="{E2E7DE69-DBC9-1443-95F3-4840E8CA886C}" type="presOf" srcId="{E5DC9505-9B75-8A4D-923C-1711A455E30D}" destId="{D6C4DC05-BCFC-A442-928C-FD1898602353}" srcOrd="0" destOrd="0" presId="urn:microsoft.com/office/officeart/2005/8/layout/process5"/>
+    <dgm:cxn modelId="{90ED834A-B525-0844-AA8A-02691E8DC944}" srcId="{8C2C64FD-1E83-4348-BFE7-F4C81C109CED}" destId="{E3337360-EAF1-8D48-AE1C-C35C40B02FFA}" srcOrd="4" destOrd="0" parTransId="{3657642D-CCC5-F542-91FB-24BF7299B024}" sibTransId="{6C4DDD49-BE28-2748-873C-9698439E46C7}"/>
+    <dgm:cxn modelId="{B57AF74B-2F30-F544-B29E-64BDD981DB09}" type="presOf" srcId="{E2EBF4D7-54D1-0B4D-B9F8-79E66DDADF68}" destId="{82B87480-4F63-C44C-B312-8C46D00D02D8}" srcOrd="1" destOrd="0" presId="urn:microsoft.com/office/officeart/2005/8/layout/process5"/>
+    <dgm:cxn modelId="{69359D4D-97A3-5E49-BF16-B4AFD5A35571}" type="presOf" srcId="{AC4EF2B2-ED20-194C-B28F-552BD782061B}" destId="{070DE518-9633-A94F-8B5C-937CCAD37447}" srcOrd="1" destOrd="0" presId="urn:microsoft.com/office/officeart/2005/8/layout/process5"/>
+    <dgm:cxn modelId="{7068E550-4DFB-F64A-9C27-C301762695F0}" srcId="{8C2C64FD-1E83-4348-BFE7-F4C81C109CED}" destId="{035F0FB6-2D7B-AE43-8EDB-CAEFDD945FB9}" srcOrd="2" destOrd="0" parTransId="{F7BDB069-2FB8-9841-B48A-72C307D0C7BF}" sibTransId="{DFBA5CE0-EF58-2A4C-B9B8-99D7D4941274}"/>
+    <dgm:cxn modelId="{D9F1D352-4116-A544-AEAB-A19FDF01D1ED}" type="presOf" srcId="{AAA42B0F-99F6-DC45-AB27-126342D6B6A7}" destId="{A8116D1A-3EFF-AF48-8ACB-34F686D477A8}" srcOrd="0" destOrd="0" presId="urn:microsoft.com/office/officeart/2005/8/layout/process5"/>
+    <dgm:cxn modelId="{339E3974-E509-6043-B0BA-B1F665796DE0}" srcId="{8C2C64FD-1E83-4348-BFE7-F4C81C109CED}" destId="{B59296FF-5BB8-8947-96F3-E28B8C63890F}" srcOrd="3" destOrd="0" parTransId="{559D981C-C833-5C47-8CAB-3A972002F0CE}" sibTransId="{AC4EF2B2-ED20-194C-B28F-552BD782061B}"/>
+    <dgm:cxn modelId="{EA2FF354-3386-7B45-A02A-18CD1B0F312C}" srcId="{8C2C64FD-1E83-4348-BFE7-F4C81C109CED}" destId="{3BB4B517-720B-B545-94AF-04A1714FB91F}" srcOrd="6" destOrd="0" parTransId="{1F6136D5-5C31-7F4A-A751-F98EE7488CAF}" sibTransId="{A7206DE0-FC2B-E841-9F97-9BF3E09FA9E9}"/>
+    <dgm:cxn modelId="{73294D7A-F95B-DE4D-8A01-87383D3DE8B2}" type="presOf" srcId="{8C2C64FD-1E83-4348-BFE7-F4C81C109CED}" destId="{1F3FD4DF-70F5-F949-85FC-FF5AC7801733}" srcOrd="0" destOrd="0" presId="urn:microsoft.com/office/officeart/2005/8/layout/process5"/>
+    <dgm:cxn modelId="{75C8BD7B-817F-BB40-8E25-E5AB4E970434}" type="presOf" srcId="{255D811E-0011-8D46-9995-1069D4CD51B3}" destId="{6991699B-FAFA-BB42-92F8-21ED31EBB65B}" srcOrd="1" destOrd="0" presId="urn:microsoft.com/office/officeart/2005/8/layout/process5"/>
+    <dgm:cxn modelId="{CBDCCE7B-4447-4F40-B8B2-29DB5832C3D7}" type="presOf" srcId="{B59296FF-5BB8-8947-96F3-E28B8C63890F}" destId="{5D187E55-6568-3A46-AFF3-D690EDDDDB43}" srcOrd="0" destOrd="0" presId="urn:microsoft.com/office/officeart/2005/8/layout/process5"/>
+    <dgm:cxn modelId="{C2051493-AD23-9D4E-AFEE-904F7AAEA39C}" srcId="{8C2C64FD-1E83-4348-BFE7-F4C81C109CED}" destId="{AAA42B0F-99F6-DC45-AB27-126342D6B6A7}" srcOrd="1" destOrd="0" parTransId="{06B84A98-C453-2F4F-A668-34DA2DDC78D6}" sibTransId="{255D811E-0011-8D46-9995-1069D4CD51B3}"/>
     <dgm:cxn modelId="{B355DF97-7448-9B4D-988F-7E5246D8DA85}" srcId="{8C2C64FD-1E83-4348-BFE7-F4C81C109CED}" destId="{E5DC9505-9B75-8A4D-923C-1711A455E30D}" srcOrd="7" destOrd="0" parTransId="{98F78EAE-C58E-BA44-BC81-767E6B152E6C}" sibTransId="{982DE755-8CD0-DB41-987F-777FB50A3205}"/>
-    <dgm:cxn modelId="{73294D7A-F95B-DE4D-8A01-87383D3DE8B2}" type="presOf" srcId="{8C2C64FD-1E83-4348-BFE7-F4C81C109CED}" destId="{1F3FD4DF-70F5-F949-85FC-FF5AC7801733}" srcOrd="0" destOrd="0" presId="urn:microsoft.com/office/officeart/2005/8/layout/process5"/>
-    <dgm:cxn modelId="{90ED834A-B525-0844-AA8A-02691E8DC944}" srcId="{8C2C64FD-1E83-4348-BFE7-F4C81C109CED}" destId="{E3337360-EAF1-8D48-AE1C-C35C40B02FFA}" srcOrd="4" destOrd="0" parTransId="{3657642D-CCC5-F542-91FB-24BF7299B024}" sibTransId="{6C4DDD49-BE28-2748-873C-9698439E46C7}"/>
-    <dgm:cxn modelId="{7241A05D-E36E-4141-B849-2D205E06728E}" type="presOf" srcId="{E3337360-EAF1-8D48-AE1C-C35C40B02FFA}" destId="{DBDA6342-4E7C-BC47-94DE-B90FAEE247B8}" srcOrd="0" destOrd="0" presId="urn:microsoft.com/office/officeart/2005/8/layout/process5"/>
-    <dgm:cxn modelId="{4DF01DB5-94C8-8540-84F5-37861DE30676}" srcId="{8C2C64FD-1E83-4348-BFE7-F4C81C109CED}" destId="{C4608C82-3106-DE45-AD7E-0CEC1258E079}" srcOrd="0" destOrd="0" parTransId="{BC8108D5-D0EE-764A-8560-D3F57F3BCB9D}" sibTransId="{C2980C93-98FD-BB4A-B212-83C980323495}"/>
-    <dgm:cxn modelId="{69359D4D-97A3-5E49-BF16-B4AFD5A35571}" type="presOf" srcId="{AC4EF2B2-ED20-194C-B28F-552BD782061B}" destId="{070DE518-9633-A94F-8B5C-937CCAD37447}" srcOrd="1" destOrd="0" presId="urn:microsoft.com/office/officeart/2005/8/layout/process5"/>
-    <dgm:cxn modelId="{43C283D0-C533-1B4D-8D76-886DBF0847FB}" type="presOf" srcId="{A7206DE0-FC2B-E841-9F97-9BF3E09FA9E9}" destId="{49A1CD88-99D3-254C-B90B-7EE4761062E8}" srcOrd="1" destOrd="0" presId="urn:microsoft.com/office/officeart/2005/8/layout/process5"/>
-    <dgm:cxn modelId="{75C8BD7B-817F-BB40-8E25-E5AB4E970434}" type="presOf" srcId="{255D811E-0011-8D46-9995-1069D4CD51B3}" destId="{6991699B-FAFA-BB42-92F8-21ED31EBB65B}" srcOrd="1" destOrd="0" presId="urn:microsoft.com/office/officeart/2005/8/layout/process5"/>
-    <dgm:cxn modelId="{45771934-D79C-E84C-A6D9-C6CB8C73205A}" type="presOf" srcId="{C2980C93-98FD-BB4A-B212-83C980323495}" destId="{40E792BC-F7D2-414F-A602-BE8D7910BE9B}" srcOrd="0" destOrd="0" presId="urn:microsoft.com/office/officeart/2005/8/layout/process5"/>
-    <dgm:cxn modelId="{E2E7DE69-DBC9-1443-95F3-4840E8CA886C}" type="presOf" srcId="{E5DC9505-9B75-8A4D-923C-1711A455E30D}" destId="{D6C4DC05-BCFC-A442-928C-FD1898602353}" srcOrd="0" destOrd="0" presId="urn:microsoft.com/office/officeart/2005/8/layout/process5"/>
-    <dgm:cxn modelId="{DFC8DCB3-EB29-474E-B4DC-7C9F997B0159}" type="presOf" srcId="{255D811E-0011-8D46-9995-1069D4CD51B3}" destId="{562E6D60-0C57-BD45-8BCF-E8C47F7BFFC2}" srcOrd="0" destOrd="0" presId="urn:microsoft.com/office/officeart/2005/8/layout/process5"/>
-    <dgm:cxn modelId="{4F89CF31-B1A0-A54C-AAAC-A42844E96FA2}" type="presOf" srcId="{E2EBF4D7-54D1-0B4D-B9F8-79E66DDADF68}" destId="{B1FDE497-90EC-904E-9313-2F0A6182BC2B}" srcOrd="0" destOrd="0" presId="urn:microsoft.com/office/officeart/2005/8/layout/process5"/>
-    <dgm:cxn modelId="{D35CAB28-73B1-EB42-B28A-D483A8DC97AE}" type="presOf" srcId="{C2980C93-98FD-BB4A-B212-83C980323495}" destId="{7D57450D-B22E-584E-B825-0E8D0535B6C5}" srcOrd="1" destOrd="0" presId="urn:microsoft.com/office/officeart/2005/8/layout/process5"/>
-    <dgm:cxn modelId="{D9F1D352-4116-A544-AEAB-A19FDF01D1ED}" type="presOf" srcId="{AAA42B0F-99F6-DC45-AB27-126342D6B6A7}" destId="{A8116D1A-3EFF-AF48-8ACB-34F686D477A8}" srcOrd="0" destOrd="0" presId="urn:microsoft.com/office/officeart/2005/8/layout/process5"/>
-    <dgm:cxn modelId="{6B929BD3-83A2-A047-9D64-C0B8C82610B4}" type="presOf" srcId="{7244D907-47D5-F541-8552-9EFD31BB8C1B}" destId="{651579F3-AF56-7243-8626-2A5E89F0E5AA}" srcOrd="0" destOrd="0" presId="urn:microsoft.com/office/officeart/2005/8/layout/process5"/>
-    <dgm:cxn modelId="{D5A982B6-C03B-5A41-9761-2B81F0D70342}" type="presOf" srcId="{982DE755-8CD0-DB41-987F-777FB50A3205}" destId="{50C69F3D-6EF0-7F44-B81A-930BEE8F0015}" srcOrd="0" destOrd="0" presId="urn:microsoft.com/office/officeart/2005/8/layout/process5"/>
-    <dgm:cxn modelId="{677A9233-64C5-464A-80CE-8E3F32486FB4}" type="presOf" srcId="{A7206DE0-FC2B-E841-9F97-9BF3E09FA9E9}" destId="{61307C76-6461-5547-AF11-52413B2B1573}" srcOrd="0" destOrd="0" presId="urn:microsoft.com/office/officeart/2005/8/layout/process5"/>
-    <dgm:cxn modelId="{F00ED9F3-F9CF-1644-9AEE-02A49F7C02F6}" srcId="{8C2C64FD-1E83-4348-BFE7-F4C81C109CED}" destId="{7244D907-47D5-F541-8552-9EFD31BB8C1B}" srcOrd="8" destOrd="0" parTransId="{9340F95E-43CB-7341-AE5E-71181DB49347}" sibTransId="{9B544CA8-5675-6848-8E64-2DF0A37E38F1}"/>
-    <dgm:cxn modelId="{EA2FF354-3386-7B45-A02A-18CD1B0F312C}" srcId="{8C2C64FD-1E83-4348-BFE7-F4C81C109CED}" destId="{3BB4B517-720B-B545-94AF-04A1714FB91F}" srcOrd="6" destOrd="0" parTransId="{1F6136D5-5C31-7F4A-A751-F98EE7488CAF}" sibTransId="{A7206DE0-FC2B-E841-9F97-9BF3E09FA9E9}"/>
-    <dgm:cxn modelId="{339E3974-E509-6043-B0BA-B1F665796DE0}" srcId="{8C2C64FD-1E83-4348-BFE7-F4C81C109CED}" destId="{B59296FF-5BB8-8947-96F3-E28B8C63890F}" srcOrd="3" destOrd="0" parTransId="{559D981C-C833-5C47-8CAB-3A972002F0CE}" sibTransId="{AC4EF2B2-ED20-194C-B28F-552BD782061B}"/>
-    <dgm:cxn modelId="{627EEE00-2993-674C-9D6D-DF6FAFED0803}" type="presOf" srcId="{982DE755-8CD0-DB41-987F-777FB50A3205}" destId="{47E00E10-C77D-C84F-B65D-A3814BF6292A}" srcOrd="1" destOrd="0" presId="urn:microsoft.com/office/officeart/2005/8/layout/process5"/>
-    <dgm:cxn modelId="{C572921C-A316-F147-AE15-2871A7887A00}" type="presOf" srcId="{B3A18480-FFCC-7245-9386-CFAC00E3786B}" destId="{75656E7C-7AA2-9D47-80A1-AE8AC3C8D576}" srcOrd="0" destOrd="0" presId="urn:microsoft.com/office/officeart/2005/8/layout/process5"/>
-    <dgm:cxn modelId="{F57B9549-36A7-004F-B3A5-5F10E7C0436B}" type="presOf" srcId="{DFBA5CE0-EF58-2A4C-B9B8-99D7D4941274}" destId="{857A158D-950C-334A-AABE-44C768EFD29B}" srcOrd="1" destOrd="0" presId="urn:microsoft.com/office/officeart/2005/8/layout/process5"/>
-    <dgm:cxn modelId="{CBDCCE7B-4447-4F40-B8B2-29DB5832C3D7}" type="presOf" srcId="{B59296FF-5BB8-8947-96F3-E28B8C63890F}" destId="{5D187E55-6568-3A46-AFF3-D690EDDDDB43}" srcOrd="0" destOrd="0" presId="urn:microsoft.com/office/officeart/2005/8/layout/process5"/>
-    <dgm:cxn modelId="{348A190F-4B42-F447-9C67-E7900C902953}" type="presOf" srcId="{6C4DDD49-BE28-2748-873C-9698439E46C7}" destId="{2292E7C1-7560-F34D-A6D7-C0ACC684D16D}" srcOrd="0" destOrd="0" presId="urn:microsoft.com/office/officeart/2005/8/layout/process5"/>
-    <dgm:cxn modelId="{B57AF74B-2F30-F544-B29E-64BDD981DB09}" type="presOf" srcId="{E2EBF4D7-54D1-0B4D-B9F8-79E66DDADF68}" destId="{82B87480-4F63-C44C-B312-8C46D00D02D8}" srcOrd="1" destOrd="0" presId="urn:microsoft.com/office/officeart/2005/8/layout/process5"/>
     <dgm:cxn modelId="{C12C3D9D-503F-C94B-8D5D-226F24767D74}" srcId="{8C2C64FD-1E83-4348-BFE7-F4C81C109CED}" destId="{B3A18480-FFCC-7245-9386-CFAC00E3786B}" srcOrd="5" destOrd="0" parTransId="{12E0C0DA-1376-2447-9A4A-6D719C729AF7}" sibTransId="{E2EBF4D7-54D1-0B4D-B9F8-79E66DDADF68}"/>
-    <dgm:cxn modelId="{7068E550-4DFB-F64A-9C27-C301762695F0}" srcId="{8C2C64FD-1E83-4348-BFE7-F4C81C109CED}" destId="{035F0FB6-2D7B-AE43-8EDB-CAEFDD945FB9}" srcOrd="2" destOrd="0" parTransId="{F7BDB069-2FB8-9841-B48A-72C307D0C7BF}" sibTransId="{DFBA5CE0-EF58-2A4C-B9B8-99D7D4941274}"/>
     <dgm:cxn modelId="{F8F84EAF-DC4A-9041-BB42-7FF0329E41C8}" type="presOf" srcId="{AC4EF2B2-ED20-194C-B28F-552BD782061B}" destId="{027F5611-653A-A945-8B55-67693C341796}" srcOrd="0" destOrd="0" presId="urn:microsoft.com/office/officeart/2005/8/layout/process5"/>
     <dgm:cxn modelId="{5CCBFCAF-35FA-4941-B0E1-2D37118BB083}" type="presOf" srcId="{3BB4B517-720B-B545-94AF-04A1714FB91F}" destId="{1B86774D-8C05-C044-AC48-4C4A154FCFB0}" srcOrd="0" destOrd="0" presId="urn:microsoft.com/office/officeart/2005/8/layout/process5"/>
+    <dgm:cxn modelId="{DFC8DCB3-EB29-474E-B4DC-7C9F997B0159}" type="presOf" srcId="{255D811E-0011-8D46-9995-1069D4CD51B3}" destId="{562E6D60-0C57-BD45-8BCF-E8C47F7BFFC2}" srcOrd="0" destOrd="0" presId="urn:microsoft.com/office/officeart/2005/8/layout/process5"/>
+    <dgm:cxn modelId="{4DF01DB5-94C8-8540-84F5-37861DE30676}" srcId="{8C2C64FD-1E83-4348-BFE7-F4C81C109CED}" destId="{C4608C82-3106-DE45-AD7E-0CEC1258E079}" srcOrd="0" destOrd="0" parTransId="{BC8108D5-D0EE-764A-8560-D3F57F3BCB9D}" sibTransId="{C2980C93-98FD-BB4A-B212-83C980323495}"/>
+    <dgm:cxn modelId="{D5A982B6-C03B-5A41-9761-2B81F0D70342}" type="presOf" srcId="{982DE755-8CD0-DB41-987F-777FB50A3205}" destId="{50C69F3D-6EF0-7F44-B81A-930BEE8F0015}" srcOrd="0" destOrd="0" presId="urn:microsoft.com/office/officeart/2005/8/layout/process5"/>
+    <dgm:cxn modelId="{E1BB1BC8-3561-9649-9D77-7B7E528428CA}" type="presOf" srcId="{DFBA5CE0-EF58-2A4C-B9B8-99D7D4941274}" destId="{F5BB714A-3C88-EB40-8F6A-0D03709BCE92}" srcOrd="0" destOrd="0" presId="urn:microsoft.com/office/officeart/2005/8/layout/process5"/>
+    <dgm:cxn modelId="{43C283D0-C533-1B4D-8D76-886DBF0847FB}" type="presOf" srcId="{A7206DE0-FC2B-E841-9F97-9BF3E09FA9E9}" destId="{49A1CD88-99D3-254C-B90B-7EE4761062E8}" srcOrd="1" destOrd="0" presId="urn:microsoft.com/office/officeart/2005/8/layout/process5"/>
+    <dgm:cxn modelId="{6B929BD3-83A2-A047-9D64-C0B8C82610B4}" type="presOf" srcId="{7244D907-47D5-F541-8552-9EFD31BB8C1B}" destId="{651579F3-AF56-7243-8626-2A5E89F0E5AA}" srcOrd="0" destOrd="0" presId="urn:microsoft.com/office/officeart/2005/8/layout/process5"/>
     <dgm:cxn modelId="{974F26DD-702B-0841-A21D-67B1DA6BD497}" type="presOf" srcId="{6C4DDD49-BE28-2748-873C-9698439E46C7}" destId="{EEAC63FE-7434-154B-94DC-3FAABE36695C}" srcOrd="1" destOrd="0" presId="urn:microsoft.com/office/officeart/2005/8/layout/process5"/>
-    <dgm:cxn modelId="{C2051493-AD23-9D4E-AFEE-904F7AAEA39C}" srcId="{8C2C64FD-1E83-4348-BFE7-F4C81C109CED}" destId="{AAA42B0F-99F6-DC45-AB27-126342D6B6A7}" srcOrd="1" destOrd="0" parTransId="{06B84A98-C453-2F4F-A668-34DA2DDC78D6}" sibTransId="{255D811E-0011-8D46-9995-1069D4CD51B3}"/>
-    <dgm:cxn modelId="{E1BB1BC8-3561-9649-9D77-7B7E528428CA}" type="presOf" srcId="{DFBA5CE0-EF58-2A4C-B9B8-99D7D4941274}" destId="{F5BB714A-3C88-EB40-8F6A-0D03709BCE92}" srcOrd="0" destOrd="0" presId="urn:microsoft.com/office/officeart/2005/8/layout/process5"/>
     <dgm:cxn modelId="{A3CFA0E0-B3EF-8245-B7AB-D48303E06ADA}" type="presOf" srcId="{C4608C82-3106-DE45-AD7E-0CEC1258E079}" destId="{E7D0B884-1049-9543-83E1-4E6B09FE67A8}" srcOrd="0" destOrd="0" presId="urn:microsoft.com/office/officeart/2005/8/layout/process5"/>
     <dgm:cxn modelId="{78304DE8-6BD4-0147-8CD5-974351744E26}" type="presOf" srcId="{035F0FB6-2D7B-AE43-8EDB-CAEFDD945FB9}" destId="{14FC1F5E-0C54-CE46-8203-646A9C2CC82B}" srcOrd="0" destOrd="0" presId="urn:microsoft.com/office/officeart/2005/8/layout/process5"/>
+    <dgm:cxn modelId="{F00ED9F3-F9CF-1644-9AEE-02A49F7C02F6}" srcId="{8C2C64FD-1E83-4348-BFE7-F4C81C109CED}" destId="{7244D907-47D5-F541-8552-9EFD31BB8C1B}" srcOrd="8" destOrd="0" parTransId="{9340F95E-43CB-7341-AE5E-71181DB49347}" sibTransId="{9B544CA8-5675-6848-8E64-2DF0A37E38F1}"/>
     <dgm:cxn modelId="{0919408C-33DF-EB4C-937F-1192C0F745C6}" type="presParOf" srcId="{1F3FD4DF-70F5-F949-85FC-FF5AC7801733}" destId="{E7D0B884-1049-9543-83E1-4E6B09FE67A8}" srcOrd="0" destOrd="0" presId="urn:microsoft.com/office/officeart/2005/8/layout/process5"/>
     <dgm:cxn modelId="{9761F7B5-9F16-D74B-8E6F-A9E5F27ABB2B}" type="presParOf" srcId="{1F3FD4DF-70F5-F949-85FC-FF5AC7801733}" destId="{40E792BC-F7D2-414F-A602-BE8D7910BE9B}" srcOrd="1" destOrd="0" presId="urn:microsoft.com/office/officeart/2005/8/layout/process5"/>
     <dgm:cxn modelId="{DB412F0A-59E7-6D49-BE87-196DA4ADDC62}" type="presParOf" srcId="{40E792BC-F7D2-414F-A602-BE8D7910BE9B}" destId="{7D57450D-B22E-584E-B825-0E8D0535B6C5}" srcOrd="0" destOrd="0" presId="urn:microsoft.com/office/officeart/2005/8/layout/process5"/>
@@ -1831,7 +1900,7 @@
         </a:bodyPr>
         <a:lstStyle/>
         <a:p>
-          <a:pPr lvl="0" algn="ctr" defTabSz="622300">
+          <a:pPr marL="0" lvl="0" indent="0" algn="ctr" defTabSz="622300">
             <a:lnSpc>
               <a:spcPct val="90000"/>
             </a:lnSpc>
@@ -1841,9 +1910,10 @@
             <a:spcAft>
               <a:spcPct val="35000"/>
             </a:spcAft>
+            <a:buNone/>
           </a:pPr>
           <a:r>
-            <a:rPr lang="en-US" altLang="zh-CN" sz="1400" kern="1200" dirty="0" smtClean="0"/>
+            <a:rPr lang="en-US" altLang="zh-CN" sz="1400" kern="1200" dirty="0"/>
             <a:t>Speech</a:t>
           </a:r>
           <a:endParaRPr lang="zh-CN" altLang="en-US" sz="1400" kern="1200" dirty="0"/>
@@ -1939,7 +2009,7 @@
         </a:bodyPr>
         <a:lstStyle/>
         <a:p>
-          <a:pPr lvl="0" algn="ctr" defTabSz="488950">
+          <a:pPr marL="0" lvl="0" indent="0" algn="ctr" defTabSz="488950">
             <a:lnSpc>
               <a:spcPct val="90000"/>
             </a:lnSpc>
@@ -1949,6 +2019,7 @@
             <a:spcAft>
               <a:spcPct val="35000"/>
             </a:spcAft>
+            <a:buNone/>
           </a:pPr>
           <a:endParaRPr lang="zh-CN" altLang="en-US" sz="1100" kern="1200"/>
         </a:p>
@@ -2039,7 +2110,7 @@
         </a:bodyPr>
         <a:lstStyle/>
         <a:p>
-          <a:pPr lvl="0" algn="ctr" defTabSz="622300">
+          <a:pPr marL="0" lvl="0" indent="0" algn="ctr" defTabSz="622300">
             <a:lnSpc>
               <a:spcPct val="90000"/>
             </a:lnSpc>
@@ -2049,9 +2120,10 @@
             <a:spcAft>
               <a:spcPct val="35000"/>
             </a:spcAft>
+            <a:buNone/>
           </a:pPr>
           <a:r>
-            <a:rPr lang="en-US" altLang="zh-CN" sz="1400" kern="1200" dirty="0" smtClean="0"/>
+            <a:rPr lang="en-US" altLang="zh-CN" sz="1400" kern="1200" dirty="0"/>
             <a:t>Pre-emphasis</a:t>
           </a:r>
           <a:endParaRPr lang="zh-CN" altLang="en-US" sz="1400" kern="1200" dirty="0"/>
@@ -2147,7 +2219,7 @@
         </a:bodyPr>
         <a:lstStyle/>
         <a:p>
-          <a:pPr lvl="0" algn="ctr" defTabSz="488950">
+          <a:pPr marL="0" lvl="0" indent="0" algn="ctr" defTabSz="488950">
             <a:lnSpc>
               <a:spcPct val="90000"/>
             </a:lnSpc>
@@ -2157,6 +2229,7 @@
             <a:spcAft>
               <a:spcPct val="35000"/>
             </a:spcAft>
+            <a:buNone/>
           </a:pPr>
           <a:endParaRPr lang="zh-CN" altLang="en-US" sz="1100" kern="1200"/>
         </a:p>
@@ -2247,7 +2320,7 @@
         </a:bodyPr>
         <a:lstStyle/>
         <a:p>
-          <a:pPr lvl="0" algn="ctr" defTabSz="622300">
+          <a:pPr marL="0" lvl="0" indent="0" algn="ctr" defTabSz="622300">
             <a:lnSpc>
               <a:spcPct val="90000"/>
             </a:lnSpc>
@@ -2257,9 +2330,10 @@
             <a:spcAft>
               <a:spcPct val="35000"/>
             </a:spcAft>
+            <a:buNone/>
           </a:pPr>
           <a:r>
-            <a:rPr lang="en-US" altLang="zh-CN" sz="1400" kern="1200" dirty="0" smtClean="0"/>
+            <a:rPr lang="en-US" altLang="zh-CN" sz="1400" kern="1200" dirty="0"/>
             <a:t>Framing</a:t>
           </a:r>
           <a:endParaRPr lang="zh-CN" altLang="en-US" sz="1400" kern="1200" dirty="0"/>
@@ -2355,7 +2429,7 @@
         </a:bodyPr>
         <a:lstStyle/>
         <a:p>
-          <a:pPr lvl="0" algn="ctr" defTabSz="488950">
+          <a:pPr marL="0" lvl="0" indent="0" algn="ctr" defTabSz="488950">
             <a:lnSpc>
               <a:spcPct val="90000"/>
             </a:lnSpc>
@@ -2365,6 +2439,7 @@
             <a:spcAft>
               <a:spcPct val="35000"/>
             </a:spcAft>
+            <a:buNone/>
           </a:pPr>
           <a:endParaRPr lang="zh-CN" altLang="en-US" sz="1100" kern="1200"/>
         </a:p>
@@ -2455,7 +2530,7 @@
         </a:bodyPr>
         <a:lstStyle/>
         <a:p>
-          <a:pPr lvl="0" algn="ctr" defTabSz="622300">
+          <a:pPr marL="0" lvl="0" indent="0" algn="ctr" defTabSz="622300">
             <a:lnSpc>
               <a:spcPct val="90000"/>
             </a:lnSpc>
@@ -2465,9 +2540,10 @@
             <a:spcAft>
               <a:spcPct val="35000"/>
             </a:spcAft>
+            <a:buNone/>
           </a:pPr>
           <a:r>
-            <a:rPr lang="en-US" altLang="zh-CN" sz="1400" kern="1200" dirty="0" smtClean="0"/>
+            <a:rPr lang="en-US" altLang="zh-CN" sz="1400" kern="1200" dirty="0"/>
             <a:t>windowing</a:t>
           </a:r>
           <a:endParaRPr lang="zh-CN" altLang="en-US" sz="1400" kern="1200" dirty="0"/>
@@ -2563,7 +2639,7 @@
         </a:bodyPr>
         <a:lstStyle/>
         <a:p>
-          <a:pPr lvl="0" algn="ctr" defTabSz="488950">
+          <a:pPr marL="0" lvl="0" indent="0" algn="ctr" defTabSz="488950">
             <a:lnSpc>
               <a:spcPct val="90000"/>
             </a:lnSpc>
@@ -2573,6 +2649,7 @@
             <a:spcAft>
               <a:spcPct val="35000"/>
             </a:spcAft>
+            <a:buNone/>
           </a:pPr>
           <a:endParaRPr lang="zh-CN" altLang="en-US" sz="1100" kern="1200"/>
         </a:p>
@@ -2663,7 +2740,7 @@
         </a:bodyPr>
         <a:lstStyle/>
         <a:p>
-          <a:pPr lvl="0" algn="ctr" defTabSz="622300">
+          <a:pPr marL="0" lvl="0" indent="0" algn="ctr" defTabSz="622300">
             <a:lnSpc>
               <a:spcPct val="90000"/>
             </a:lnSpc>
@@ -2673,25 +2750,26 @@
             <a:spcAft>
               <a:spcPct val="35000"/>
             </a:spcAft>
+            <a:buNone/>
           </a:pPr>
           <a:r>
-            <a:rPr lang="en-US" altLang="zh-CN" sz="1400" kern="1200" dirty="0" smtClean="0"/>
+            <a:rPr lang="en-US" altLang="zh-CN" sz="1400" kern="1200" dirty="0"/>
             <a:t>Fast</a:t>
           </a:r>
           <a:r>
-            <a:rPr lang="zh-CN" altLang="en-US" sz="1400" kern="1200" dirty="0" smtClean="0"/>
+            <a:rPr lang="zh-CN" altLang="en-US" sz="1400" kern="1200" dirty="0"/>
             <a:t> </a:t>
           </a:r>
           <a:r>
-            <a:rPr lang="en-US" altLang="zh-CN" sz="1400" kern="1200" dirty="0" smtClean="0"/>
+            <a:rPr lang="en-US" altLang="zh-CN" sz="1400" kern="1200" dirty="0"/>
             <a:t>Fourier</a:t>
           </a:r>
           <a:r>
-            <a:rPr lang="zh-CN" altLang="en-US" sz="1400" kern="1200" dirty="0" smtClean="0"/>
+            <a:rPr lang="zh-CN" altLang="en-US" sz="1400" kern="1200" dirty="0"/>
             <a:t> </a:t>
           </a:r>
           <a:r>
-            <a:rPr lang="en-US" altLang="zh-CN" sz="1400" kern="1200" dirty="0" smtClean="0"/>
+            <a:rPr lang="en-US" altLang="zh-CN" sz="1400" kern="1200" dirty="0"/>
             <a:t>Transform</a:t>
           </a:r>
           <a:endParaRPr lang="zh-CN" altLang="en-US" sz="1400" kern="1200" dirty="0"/>
@@ -2787,7 +2865,7 @@
         </a:bodyPr>
         <a:lstStyle/>
         <a:p>
-          <a:pPr lvl="0" algn="ctr" defTabSz="488950">
+          <a:pPr marL="0" lvl="0" indent="0" algn="ctr" defTabSz="488950">
             <a:lnSpc>
               <a:spcPct val="90000"/>
             </a:lnSpc>
@@ -2797,6 +2875,7 @@
             <a:spcAft>
               <a:spcPct val="35000"/>
             </a:spcAft>
+            <a:buNone/>
           </a:pPr>
           <a:endParaRPr lang="zh-CN" altLang="en-US" sz="1100" kern="1200"/>
         </a:p>
@@ -2887,7 +2966,7 @@
         </a:bodyPr>
         <a:lstStyle/>
         <a:p>
-          <a:pPr lvl="0" algn="ctr" defTabSz="622300">
+          <a:pPr marL="0" lvl="0" indent="0" algn="ctr" defTabSz="622300">
             <a:lnSpc>
               <a:spcPct val="90000"/>
             </a:lnSpc>
@@ -2897,33 +2976,34 @@
             <a:spcAft>
               <a:spcPct val="35000"/>
             </a:spcAft>
+            <a:buNone/>
           </a:pPr>
           <a:r>
-            <a:rPr lang="en-US" altLang="zh-CN" sz="1400" kern="1200" dirty="0" smtClean="0"/>
+            <a:rPr lang="en-US" altLang="zh-CN" sz="1400" kern="1200" dirty="0"/>
             <a:t>Mel</a:t>
           </a:r>
           <a:r>
-            <a:rPr lang="zh-CN" altLang="en-US" sz="1400" kern="1200" dirty="0" smtClean="0"/>
+            <a:rPr lang="zh-CN" altLang="en-US" sz="1400" kern="1200" dirty="0"/>
             <a:t> </a:t>
           </a:r>
           <a:r>
-            <a:rPr lang="en-US" altLang="zh-CN" sz="1400" kern="1200" dirty="0" smtClean="0"/>
+            <a:rPr lang="en-US" altLang="zh-CN" sz="1400" kern="1200" dirty="0"/>
             <a:t>Filter</a:t>
           </a:r>
           <a:r>
-            <a:rPr lang="zh-CN" altLang="en-US" sz="1400" kern="1200" dirty="0" smtClean="0"/>
+            <a:rPr lang="zh-CN" altLang="en-US" sz="1400" kern="1200" dirty="0"/>
             <a:t> </a:t>
           </a:r>
           <a:r>
-            <a:rPr lang="en-US" altLang="zh-CN" sz="1400" kern="1200" dirty="0" smtClean="0"/>
+            <a:rPr lang="en-US" altLang="zh-CN" sz="1400" kern="1200" dirty="0"/>
             <a:t>Bank</a:t>
           </a:r>
           <a:r>
-            <a:rPr lang="zh-CN" altLang="en-US" sz="1400" kern="1200" dirty="0" smtClean="0"/>
+            <a:rPr lang="zh-CN" altLang="en-US" sz="1400" kern="1200" dirty="0"/>
             <a:t> </a:t>
           </a:r>
           <a:r>
-            <a:rPr lang="en-US" altLang="zh-CN" sz="1400" kern="1200" dirty="0" smtClean="0"/>
+            <a:rPr lang="en-US" altLang="zh-CN" sz="1400" kern="1200" dirty="0"/>
             <a:t>Processing</a:t>
           </a:r>
           <a:endParaRPr lang="zh-CN" altLang="en-US" sz="1400" kern="1200" dirty="0"/>
@@ -3019,7 +3099,7 @@
         </a:bodyPr>
         <a:lstStyle/>
         <a:p>
-          <a:pPr lvl="0" algn="ctr" defTabSz="488950">
+          <a:pPr marL="0" lvl="0" indent="0" algn="ctr" defTabSz="488950">
             <a:lnSpc>
               <a:spcPct val="90000"/>
             </a:lnSpc>
@@ -3029,6 +3109,7 @@
             <a:spcAft>
               <a:spcPct val="35000"/>
             </a:spcAft>
+            <a:buNone/>
           </a:pPr>
           <a:endParaRPr lang="zh-CN" altLang="en-US" sz="1100" kern="1200"/>
         </a:p>
@@ -3119,7 +3200,7 @@
         </a:bodyPr>
         <a:lstStyle/>
         <a:p>
-          <a:pPr lvl="0" algn="ctr" defTabSz="622300">
+          <a:pPr marL="0" lvl="0" indent="0" algn="ctr" defTabSz="622300">
             <a:lnSpc>
               <a:spcPct val="90000"/>
             </a:lnSpc>
@@ -3129,25 +3210,26 @@
             <a:spcAft>
               <a:spcPct val="35000"/>
             </a:spcAft>
+            <a:buNone/>
           </a:pPr>
           <a:r>
-            <a:rPr lang="en-US" altLang="zh-CN" sz="1400" kern="1200" dirty="0" smtClean="0"/>
+            <a:rPr lang="en-US" altLang="zh-CN" sz="1400" kern="1200" dirty="0"/>
             <a:t>Log</a:t>
           </a:r>
           <a:r>
-            <a:rPr lang="zh-CN" altLang="en-US" sz="1400" kern="1200" dirty="0" smtClean="0"/>
+            <a:rPr lang="zh-CN" altLang="en-US" sz="1400" kern="1200" dirty="0"/>
             <a:t> </a:t>
           </a:r>
           <a:r>
-            <a:rPr lang="en-US" altLang="zh-CN" sz="1400" kern="1200" dirty="0" smtClean="0"/>
+            <a:rPr lang="en-US" altLang="zh-CN" sz="1400" kern="1200" dirty="0"/>
             <a:t>energy</a:t>
           </a:r>
           <a:r>
-            <a:rPr lang="zh-CN" altLang="en-US" sz="1400" kern="1200" dirty="0" smtClean="0"/>
+            <a:rPr lang="zh-CN" altLang="en-US" sz="1400" kern="1200" dirty="0"/>
             <a:t> </a:t>
           </a:r>
           <a:r>
-            <a:rPr lang="en-US" altLang="zh-CN" sz="1400" kern="1200" dirty="0" smtClean="0"/>
+            <a:rPr lang="en-US" altLang="zh-CN" sz="1400" kern="1200" dirty="0"/>
             <a:t>Computation</a:t>
           </a:r>
           <a:endParaRPr lang="zh-CN" altLang="en-US" sz="1400" kern="1200" dirty="0"/>
@@ -3243,7 +3325,7 @@
         </a:bodyPr>
         <a:lstStyle/>
         <a:p>
-          <a:pPr lvl="0" algn="ctr" defTabSz="488950">
+          <a:pPr marL="0" lvl="0" indent="0" algn="ctr" defTabSz="488950">
             <a:lnSpc>
               <a:spcPct val="90000"/>
             </a:lnSpc>
@@ -3253,6 +3335,7 @@
             <a:spcAft>
               <a:spcPct val="35000"/>
             </a:spcAft>
+            <a:buNone/>
           </a:pPr>
           <a:endParaRPr lang="zh-CN" altLang="en-US" sz="1100" kern="1200"/>
         </a:p>
@@ -3343,7 +3426,7 @@
         </a:bodyPr>
         <a:lstStyle/>
         <a:p>
-          <a:pPr lvl="0" algn="ctr" defTabSz="622300">
+          <a:pPr marL="0" lvl="0" indent="0" algn="ctr" defTabSz="622300">
             <a:lnSpc>
               <a:spcPct val="90000"/>
             </a:lnSpc>
@@ -3353,25 +3436,26 @@
             <a:spcAft>
               <a:spcPct val="35000"/>
             </a:spcAft>
+            <a:buNone/>
           </a:pPr>
           <a:r>
-            <a:rPr lang="en-US" altLang="zh-CN" sz="1400" kern="1200" dirty="0" smtClean="0"/>
+            <a:rPr lang="en-US" altLang="zh-CN" sz="1400" kern="1200" dirty="0"/>
             <a:t>Discrete</a:t>
           </a:r>
           <a:r>
-            <a:rPr lang="zh-CN" altLang="en-US" sz="1400" kern="1200" dirty="0" smtClean="0"/>
+            <a:rPr lang="zh-CN" altLang="en-US" sz="1400" kern="1200" dirty="0"/>
             <a:t> </a:t>
           </a:r>
           <a:r>
-            <a:rPr lang="en-US" altLang="zh-CN" sz="1400" kern="1200" dirty="0" smtClean="0"/>
+            <a:rPr lang="en-US" altLang="zh-CN" sz="1400" kern="1200" dirty="0"/>
             <a:t>Cosine</a:t>
           </a:r>
           <a:r>
-            <a:rPr lang="zh-CN" altLang="en-US" sz="1400" kern="1200" dirty="0" smtClean="0"/>
+            <a:rPr lang="zh-CN" altLang="en-US" sz="1400" kern="1200" dirty="0"/>
             <a:t> </a:t>
           </a:r>
           <a:r>
-            <a:rPr lang="en-US" altLang="zh-CN" sz="1400" kern="1200" dirty="0" smtClean="0"/>
+            <a:rPr lang="en-US" altLang="zh-CN" sz="1400" kern="1200" dirty="0"/>
             <a:t>Transform</a:t>
           </a:r>
           <a:endParaRPr lang="zh-CN" altLang="en-US" sz="1400" kern="1200" dirty="0"/>
@@ -3467,7 +3551,7 @@
         </a:bodyPr>
         <a:lstStyle/>
         <a:p>
-          <a:pPr lvl="0" algn="ctr" defTabSz="488950">
+          <a:pPr marL="0" lvl="0" indent="0" algn="ctr" defTabSz="488950">
             <a:lnSpc>
               <a:spcPct val="90000"/>
             </a:lnSpc>
@@ -3477,6 +3561,7 @@
             <a:spcAft>
               <a:spcPct val="35000"/>
             </a:spcAft>
+            <a:buNone/>
           </a:pPr>
           <a:endParaRPr lang="zh-CN" altLang="en-US" sz="1100" kern="1200"/>
         </a:p>
@@ -3567,7 +3652,7 @@
         </a:bodyPr>
         <a:lstStyle/>
         <a:p>
-          <a:pPr lvl="0" algn="ctr" defTabSz="622300">
+          <a:pPr marL="0" lvl="0" indent="0" algn="ctr" defTabSz="622300">
             <a:lnSpc>
               <a:spcPct val="90000"/>
             </a:lnSpc>
@@ -3577,17 +3662,18 @@
             <a:spcAft>
               <a:spcPct val="35000"/>
             </a:spcAft>
+            <a:buNone/>
           </a:pPr>
           <a:r>
-            <a:rPr lang="en-US" altLang="zh-CN" sz="1400" kern="1200" dirty="0" smtClean="0"/>
+            <a:rPr lang="en-US" altLang="zh-CN" sz="1400" kern="1200" dirty="0"/>
             <a:t>Mel</a:t>
           </a:r>
           <a:r>
-            <a:rPr lang="zh-CN" altLang="en-US" sz="1400" kern="1200" dirty="0" smtClean="0"/>
+            <a:rPr lang="zh-CN" altLang="en-US" sz="1400" kern="1200" dirty="0"/>
             <a:t> </a:t>
           </a:r>
           <a:r>
-            <a:rPr lang="en-US" altLang="zh-CN" sz="1400" kern="1200" dirty="0" err="1" smtClean="0"/>
+            <a:rPr lang="en-US" altLang="zh-CN" sz="1400" kern="1200" dirty="0" err="1"/>
             <a:t>cspstrums</a:t>
           </a:r>
           <a:endParaRPr lang="zh-CN" altLang="en-US" sz="1400" kern="1200" dirty="0"/>
@@ -4837,7 +4923,7 @@
           <p:cNvPr id="2" name="Platshållare för sidhuvud 1">
             <a:extLst>
               <a:ext uri="{FF2B5EF4-FFF2-40B4-BE49-F238E27FC236}">
-                <a16:creationId xmlns:a16="http://schemas.microsoft.com/office/drawing/2014/main" xmlns="" id="{960A68EE-FC1D-154D-B0B2-8F10538CA11B}"/>
+                <a16:creationId xmlns:a16="http://schemas.microsoft.com/office/drawing/2014/main" id="{960A68EE-FC1D-154D-B0B2-8F10538CA11B}"/>
               </a:ext>
             </a:extLst>
           </p:cNvPr>
@@ -4885,7 +4971,7 @@
           <p:cNvPr id="3" name="Platshållare för datum 2">
             <a:extLst>
               <a:ext uri="{FF2B5EF4-FFF2-40B4-BE49-F238E27FC236}">
-                <a16:creationId xmlns:a16="http://schemas.microsoft.com/office/drawing/2014/main" xmlns="" id="{24D638D7-DEA4-1247-A9EB-8982C7537D06}"/>
+                <a16:creationId xmlns:a16="http://schemas.microsoft.com/office/drawing/2014/main" id="{24D638D7-DEA4-1247-A9EB-8982C7537D06}"/>
               </a:ext>
             </a:extLst>
           </p:cNvPr>
@@ -4929,7 +5015,7 @@
               <a:pPr>
                 <a:defRPr/>
               </a:pPr>
-              <a:t>27/05/2020</a:t>
+              <a:t>28/05/2020</a:t>
             </a:fld>
             <a:endParaRPr lang="en-GB"/>
           </a:p>
@@ -4940,7 +5026,7 @@
           <p:cNvPr id="4" name="Platshållare för sidfot 3">
             <a:extLst>
               <a:ext uri="{FF2B5EF4-FFF2-40B4-BE49-F238E27FC236}">
-                <a16:creationId xmlns:a16="http://schemas.microsoft.com/office/drawing/2014/main" xmlns="" id="{BD4AEC7E-9E0A-F348-8BEB-360ABEA85252}"/>
+                <a16:creationId xmlns:a16="http://schemas.microsoft.com/office/drawing/2014/main" id="{BD4AEC7E-9E0A-F348-8BEB-360ABEA85252}"/>
               </a:ext>
             </a:extLst>
           </p:cNvPr>
@@ -4988,7 +5074,7 @@
           <p:cNvPr id="5" name="Platshållare för bildnummer 4">
             <a:extLst>
               <a:ext uri="{FF2B5EF4-FFF2-40B4-BE49-F238E27FC236}">
-                <a16:creationId xmlns:a16="http://schemas.microsoft.com/office/drawing/2014/main" xmlns="" id="{56838CD8-B67A-DE4B-9D64-CF9FD9C9A62E}"/>
+                <a16:creationId xmlns:a16="http://schemas.microsoft.com/office/drawing/2014/main" id="{56838CD8-B67A-DE4B-9D64-CF9FD9C9A62E}"/>
               </a:ext>
             </a:extLst>
           </p:cNvPr>
@@ -5074,7 +5160,7 @@
           <p:cNvPr id="2" name="Platshållare för sidhuvud 1">
             <a:extLst>
               <a:ext uri="{FF2B5EF4-FFF2-40B4-BE49-F238E27FC236}">
-                <a16:creationId xmlns:a16="http://schemas.microsoft.com/office/drawing/2014/main" xmlns="" id="{253AAA87-6F70-2F43-9A3C-FA3D36237EFB}"/>
+                <a16:creationId xmlns:a16="http://schemas.microsoft.com/office/drawing/2014/main" id="{253AAA87-6F70-2F43-9A3C-FA3D36237EFB}"/>
               </a:ext>
             </a:extLst>
           </p:cNvPr>
@@ -5122,7 +5208,7 @@
           <p:cNvPr id="3" name="Platshållare för datum 2">
             <a:extLst>
               <a:ext uri="{FF2B5EF4-FFF2-40B4-BE49-F238E27FC236}">
-                <a16:creationId xmlns:a16="http://schemas.microsoft.com/office/drawing/2014/main" xmlns="" id="{65F49FED-13B4-B74A-AF1E-0B5D3706DE11}"/>
+                <a16:creationId xmlns:a16="http://schemas.microsoft.com/office/drawing/2014/main" id="{65F49FED-13B4-B74A-AF1E-0B5D3706DE11}"/>
               </a:ext>
             </a:extLst>
           </p:cNvPr>
@@ -5166,7 +5252,7 @@
               <a:pPr>
                 <a:defRPr/>
               </a:pPr>
-              <a:t>2020-05-27</a:t>
+              <a:t>2020-05-28</a:t>
             </a:fld>
             <a:endParaRPr lang="sv-SE"/>
           </a:p>
@@ -5177,7 +5263,7 @@
           <p:cNvPr id="4" name="Platshållare för bildobjekt 3">
             <a:extLst>
               <a:ext uri="{FF2B5EF4-FFF2-40B4-BE49-F238E27FC236}">
-                <a16:creationId xmlns:a16="http://schemas.microsoft.com/office/drawing/2014/main" xmlns="" id="{4730BF3B-6153-7140-AD57-ECE26CA8AB12}"/>
+                <a16:creationId xmlns:a16="http://schemas.microsoft.com/office/drawing/2014/main" id="{4730BF3B-6153-7140-AD57-ECE26CA8AB12}"/>
               </a:ext>
             </a:extLst>
           </p:cNvPr>
@@ -5217,7 +5303,7 @@
           <p:cNvPr id="5" name="Platshållare för anteckningar 4">
             <a:extLst>
               <a:ext uri="{FF2B5EF4-FFF2-40B4-BE49-F238E27FC236}">
-                <a16:creationId xmlns:a16="http://schemas.microsoft.com/office/drawing/2014/main" xmlns="" id="{5D978D40-EB87-4440-802D-12F96A066E2D}"/>
+                <a16:creationId xmlns:a16="http://schemas.microsoft.com/office/drawing/2014/main" id="{5D978D40-EB87-4440-802D-12F96A066E2D}"/>
               </a:ext>
             </a:extLst>
           </p:cNvPr>
@@ -5284,7 +5370,7 @@
           <p:cNvPr id="6" name="Platshållare för sidfot 5">
             <a:extLst>
               <a:ext uri="{FF2B5EF4-FFF2-40B4-BE49-F238E27FC236}">
-                <a16:creationId xmlns:a16="http://schemas.microsoft.com/office/drawing/2014/main" xmlns="" id="{EA429AAB-B1EE-6F47-B4D7-E30F7E497A5A}"/>
+                <a16:creationId xmlns:a16="http://schemas.microsoft.com/office/drawing/2014/main" id="{EA429AAB-B1EE-6F47-B4D7-E30F7E497A5A}"/>
               </a:ext>
             </a:extLst>
           </p:cNvPr>
@@ -5332,7 +5418,7 @@
           <p:cNvPr id="7" name="Platshållare för bildnummer 6">
             <a:extLst>
               <a:ext uri="{FF2B5EF4-FFF2-40B4-BE49-F238E27FC236}">
-                <a16:creationId xmlns:a16="http://schemas.microsoft.com/office/drawing/2014/main" xmlns="" id="{CE43AB95-16A5-8F4F-9927-6A8C0839FD8F}"/>
+                <a16:creationId xmlns:a16="http://schemas.microsoft.com/office/drawing/2014/main" id="{CE43AB95-16A5-8F4F-9927-6A8C0839FD8F}"/>
               </a:ext>
             </a:extLst>
           </p:cNvPr>
@@ -5648,7 +5734,7 @@
               <a:buFontTx/>
               <a:buNone/>
             </a:pPr>
-            <a:endParaRPr lang="sv-SE" baseline="0" dirty="0" smtClean="0"/>
+            <a:endParaRPr lang="sv-SE" baseline="0" dirty="0"/>
           </a:p>
         </p:txBody>
       </p:sp>
@@ -5742,7 +5828,7 @@
               <a:buFontTx/>
               <a:buNone/>
             </a:pPr>
-            <a:endParaRPr lang="sv-SE" baseline="0" dirty="0" smtClean="0"/>
+            <a:endParaRPr lang="sv-SE" baseline="0" dirty="0"/>
           </a:p>
         </p:txBody>
       </p:sp>
@@ -5836,7 +5922,7 @@
               <a:buFontTx/>
               <a:buNone/>
             </a:pPr>
-            <a:endParaRPr lang="sv-SE" baseline="0" dirty="0" smtClean="0"/>
+            <a:endParaRPr lang="sv-SE" baseline="0" dirty="0"/>
           </a:p>
         </p:txBody>
       </p:sp>
@@ -5930,7 +6016,7 @@
               <a:buFontTx/>
               <a:buNone/>
             </a:pPr>
-            <a:endParaRPr lang="sv-SE" baseline="0" dirty="0" smtClean="0"/>
+            <a:endParaRPr lang="sv-SE" baseline="0" dirty="0"/>
           </a:p>
         </p:txBody>
       </p:sp>
@@ -6024,7 +6110,7 @@
               <a:buFontTx/>
               <a:buNone/>
             </a:pPr>
-            <a:endParaRPr lang="sv-SE" baseline="0" dirty="0" smtClean="0"/>
+            <a:endParaRPr lang="sv-SE" baseline="0" dirty="0"/>
           </a:p>
         </p:txBody>
       </p:sp>
@@ -6118,7 +6204,7 @@
               <a:buFontTx/>
               <a:buNone/>
             </a:pPr>
-            <a:endParaRPr lang="sv-SE" baseline="0" dirty="0" smtClean="0"/>
+            <a:endParaRPr lang="sv-SE" baseline="0" dirty="0"/>
           </a:p>
         </p:txBody>
       </p:sp>
@@ -6145,7 +6231,7 @@
               <a:pPr>
                 <a:defRPr/>
               </a:pPr>
-              <a:t>7</a:t>
+              <a:t>10</a:t>
             </a:fld>
             <a:endParaRPr lang="sv-SE" dirty="0"/>
           </a:p>
@@ -6240,7 +6326,7 @@
           <p:cNvPr id="7" name="Rubrik 1">
             <a:extLst>
               <a:ext uri="{FF2B5EF4-FFF2-40B4-BE49-F238E27FC236}">
-                <a16:creationId xmlns:a16="http://schemas.microsoft.com/office/drawing/2014/main" xmlns="" id="{C2E0D84A-3EC1-DD40-8DA6-147FB563C32E}"/>
+                <a16:creationId xmlns:a16="http://schemas.microsoft.com/office/drawing/2014/main" id="{C2E0D84A-3EC1-DD40-8DA6-147FB563C32E}"/>
               </a:ext>
             </a:extLst>
           </p:cNvPr>
@@ -6272,11 +6358,7 @@
           <a:p>
             <a:r>
               <a:rPr lang="sv-SE" dirty="0"/>
-              <a:t>Klicka för att ändra </a:t>
-            </a:r>
-            <a:r>
-              <a:rPr lang="sv-SE" dirty="0" smtClean="0"/>
-              <a:t>rubrik</a:t>
+              <a:t>Klicka för att ändra rubrik</a:t>
             </a:r>
             <a:endParaRPr lang="en-GB" dirty="0"/>
           </a:p>
@@ -6287,7 +6369,7 @@
           <p:cNvPr id="8" name="Underrubrik 2">
             <a:extLst>
               <a:ext uri="{FF2B5EF4-FFF2-40B4-BE49-F238E27FC236}">
-                <a16:creationId xmlns:a16="http://schemas.microsoft.com/office/drawing/2014/main" xmlns="" id="{D9708450-9178-2141-98CC-ED5077AF0A7F}"/>
+                <a16:creationId xmlns:a16="http://schemas.microsoft.com/office/drawing/2014/main" id="{D9708450-9178-2141-98CC-ED5077AF0A7F}"/>
               </a:ext>
             </a:extLst>
           </p:cNvPr>
@@ -6355,39 +6437,39 @@
           </a:lstStyle>
           <a:p>
             <a:r>
-              <a:rPr lang="en-US" dirty="0" err="1" smtClean="0"/>
+              <a:rPr lang="en-US" dirty="0" err="1"/>
               <a:t>Klicka</a:t>
             </a:r>
             <a:r>
-              <a:rPr lang="en-US" dirty="0" smtClean="0"/>
+              <a:rPr lang="en-US" dirty="0"/>
               <a:t> </a:t>
             </a:r>
             <a:r>
-              <a:rPr lang="en-US" dirty="0" err="1" smtClean="0"/>
+              <a:rPr lang="en-US" dirty="0" err="1"/>
               <a:t>för</a:t>
             </a:r>
             <a:r>
-              <a:rPr lang="en-US" dirty="0" smtClean="0"/>
+              <a:rPr lang="en-US" dirty="0"/>
               <a:t> </a:t>
             </a:r>
             <a:r>
-              <a:rPr lang="en-US" dirty="0" err="1" smtClean="0"/>
+              <a:rPr lang="en-US" dirty="0" err="1"/>
               <a:t>att</a:t>
             </a:r>
             <a:r>
-              <a:rPr lang="en-US" dirty="0" smtClean="0"/>
+              <a:rPr lang="en-US" dirty="0"/>
               <a:t> </a:t>
             </a:r>
             <a:r>
-              <a:rPr lang="en-US" dirty="0" err="1" smtClean="0"/>
+              <a:rPr lang="en-US" dirty="0" err="1"/>
               <a:t>ändra</a:t>
             </a:r>
             <a:r>
-              <a:rPr lang="en-US" dirty="0" smtClean="0"/>
+              <a:rPr lang="en-US" dirty="0"/>
               <a:t> </a:t>
             </a:r>
             <a:r>
-              <a:rPr lang="en-US" dirty="0" err="1" smtClean="0"/>
+              <a:rPr lang="en-US" dirty="0" err="1"/>
               <a:t>underrubrik</a:t>
             </a:r>
             <a:endParaRPr lang="en-GB" dirty="0"/>
@@ -6399,7 +6481,7 @@
           <p:cNvPr id="12" name="Grupp 11">
             <a:extLst>
               <a:ext uri="{FF2B5EF4-FFF2-40B4-BE49-F238E27FC236}">
-                <a16:creationId xmlns:a16="http://schemas.microsoft.com/office/drawing/2014/main" xmlns="" id="{E9331F4D-CFBF-B743-B11A-1C8047D3CFBE}"/>
+                <a16:creationId xmlns:a16="http://schemas.microsoft.com/office/drawing/2014/main" id="{E9331F4D-CFBF-B743-B11A-1C8047D3CFBE}"/>
               </a:ext>
             </a:extLst>
           </p:cNvPr>
@@ -6420,7 +6502,7 @@
             <p:cNvPr id="13" name="Picture 2">
               <a:extLst>
                 <a:ext uri="{FF2B5EF4-FFF2-40B4-BE49-F238E27FC236}">
-                  <a16:creationId xmlns:a16="http://schemas.microsoft.com/office/drawing/2014/main" xmlns="" id="{A58F791A-AC82-4241-9571-C01F81F86836}"/>
+                  <a16:creationId xmlns:a16="http://schemas.microsoft.com/office/drawing/2014/main" id="{A58F791A-AC82-4241-9571-C01F81F86836}"/>
                 </a:ext>
               </a:extLst>
             </p:cNvPr>
@@ -6473,7 +6555,7 @@
             <p:cNvPr id="14" name="Grupp 13">
               <a:extLst>
                 <a:ext uri="{FF2B5EF4-FFF2-40B4-BE49-F238E27FC236}">
-                  <a16:creationId xmlns:a16="http://schemas.microsoft.com/office/drawing/2014/main" xmlns="" id="{8947ABFC-334D-4740-BE63-0A994ACCB788}"/>
+                  <a16:creationId xmlns:a16="http://schemas.microsoft.com/office/drawing/2014/main" id="{8947ABFC-334D-4740-BE63-0A994ACCB788}"/>
                 </a:ext>
               </a:extLst>
             </p:cNvPr>
@@ -6496,7 +6578,7 @@
               <p:cNvPr id="52" name="Rektangel 51">
                 <a:extLst>
                   <a:ext uri="{FF2B5EF4-FFF2-40B4-BE49-F238E27FC236}">
-                    <a16:creationId xmlns:a16="http://schemas.microsoft.com/office/drawing/2014/main" xmlns="" id="{9C1F2ABF-FD0A-7047-8941-99E4FF67871B}"/>
+                    <a16:creationId xmlns:a16="http://schemas.microsoft.com/office/drawing/2014/main" id="{9C1F2ABF-FD0A-7047-8941-99E4FF67871B}"/>
                   </a:ext>
                 </a:extLst>
               </p:cNvPr>
@@ -6546,7 +6628,7 @@
               <p:cNvPr id="53" name="Rektangel 52">
                 <a:extLst>
                   <a:ext uri="{FF2B5EF4-FFF2-40B4-BE49-F238E27FC236}">
-                    <a16:creationId xmlns:a16="http://schemas.microsoft.com/office/drawing/2014/main" xmlns="" id="{9F776FDA-E8EC-9045-BD9F-45209E3A805F}"/>
+                    <a16:creationId xmlns:a16="http://schemas.microsoft.com/office/drawing/2014/main" id="{9F776FDA-E8EC-9045-BD9F-45209E3A805F}"/>
                   </a:ext>
                 </a:extLst>
               </p:cNvPr>
@@ -6596,7 +6678,7 @@
               <p:cNvPr id="54" name="Rektangel 53">
                 <a:extLst>
                   <a:ext uri="{FF2B5EF4-FFF2-40B4-BE49-F238E27FC236}">
-                    <a16:creationId xmlns:a16="http://schemas.microsoft.com/office/drawing/2014/main" xmlns="" id="{7024E031-C178-924F-A947-E6AB347889C7}"/>
+                    <a16:creationId xmlns:a16="http://schemas.microsoft.com/office/drawing/2014/main" id="{7024E031-C178-924F-A947-E6AB347889C7}"/>
                   </a:ext>
                 </a:extLst>
               </p:cNvPr>
@@ -6646,7 +6728,7 @@
               <p:cNvPr id="55" name="Rektangel 54">
                 <a:extLst>
                   <a:ext uri="{FF2B5EF4-FFF2-40B4-BE49-F238E27FC236}">
-                    <a16:creationId xmlns:a16="http://schemas.microsoft.com/office/drawing/2014/main" xmlns="" id="{9C9F9DC5-A524-D145-9011-37CC11C6EC20}"/>
+                    <a16:creationId xmlns:a16="http://schemas.microsoft.com/office/drawing/2014/main" id="{9C9F9DC5-A524-D145-9011-37CC11C6EC20}"/>
                   </a:ext>
                 </a:extLst>
               </p:cNvPr>
@@ -6696,7 +6778,7 @@
               <p:cNvPr id="56" name="Rektangel 55">
                 <a:extLst>
                   <a:ext uri="{FF2B5EF4-FFF2-40B4-BE49-F238E27FC236}">
-                    <a16:creationId xmlns:a16="http://schemas.microsoft.com/office/drawing/2014/main" xmlns="" id="{64829C5F-978F-D747-8E8C-862213367EDC}"/>
+                    <a16:creationId xmlns:a16="http://schemas.microsoft.com/office/drawing/2014/main" id="{64829C5F-978F-D747-8E8C-862213367EDC}"/>
                   </a:ext>
                 </a:extLst>
               </p:cNvPr>
@@ -6746,7 +6828,7 @@
               <p:cNvPr id="57" name="Rektangel 56">
                 <a:extLst>
                   <a:ext uri="{FF2B5EF4-FFF2-40B4-BE49-F238E27FC236}">
-                    <a16:creationId xmlns:a16="http://schemas.microsoft.com/office/drawing/2014/main" xmlns="" id="{2B47CF5B-7594-274E-B9E9-81D1789F4950}"/>
+                    <a16:creationId xmlns:a16="http://schemas.microsoft.com/office/drawing/2014/main" id="{2B47CF5B-7594-274E-B9E9-81D1789F4950}"/>
                   </a:ext>
                 </a:extLst>
               </p:cNvPr>
@@ -6796,7 +6878,7 @@
               <p:cNvPr id="58" name="Rektangel 57">
                 <a:extLst>
                   <a:ext uri="{FF2B5EF4-FFF2-40B4-BE49-F238E27FC236}">
-                    <a16:creationId xmlns:a16="http://schemas.microsoft.com/office/drawing/2014/main" xmlns="" id="{D1A397B8-832C-BE46-B490-8871281D0DD6}"/>
+                    <a16:creationId xmlns:a16="http://schemas.microsoft.com/office/drawing/2014/main" id="{D1A397B8-832C-BE46-B490-8871281D0DD6}"/>
                   </a:ext>
                 </a:extLst>
               </p:cNvPr>
@@ -6846,7 +6928,7 @@
               <p:cNvPr id="59" name="Rektangel 58">
                 <a:extLst>
                   <a:ext uri="{FF2B5EF4-FFF2-40B4-BE49-F238E27FC236}">
-                    <a16:creationId xmlns:a16="http://schemas.microsoft.com/office/drawing/2014/main" xmlns="" id="{DE1FD1AF-8E22-CE4C-B838-C310A32D3678}"/>
+                    <a16:creationId xmlns:a16="http://schemas.microsoft.com/office/drawing/2014/main" id="{DE1FD1AF-8E22-CE4C-B838-C310A32D3678}"/>
                   </a:ext>
                 </a:extLst>
               </p:cNvPr>
@@ -6896,7 +6978,7 @@
               <p:cNvPr id="60" name="Rektangel 59">
                 <a:extLst>
                   <a:ext uri="{FF2B5EF4-FFF2-40B4-BE49-F238E27FC236}">
-                    <a16:creationId xmlns:a16="http://schemas.microsoft.com/office/drawing/2014/main" xmlns="" id="{1DC6E4F4-0565-C244-8DCD-B715E7E69CD9}"/>
+                    <a16:creationId xmlns:a16="http://schemas.microsoft.com/office/drawing/2014/main" id="{1DC6E4F4-0565-C244-8DCD-B715E7E69CD9}"/>
                   </a:ext>
                 </a:extLst>
               </p:cNvPr>
@@ -6947,7 +7029,7 @@
             <p:cNvPr id="15" name="Grupp 14">
               <a:extLst>
                 <a:ext uri="{FF2B5EF4-FFF2-40B4-BE49-F238E27FC236}">
-                  <a16:creationId xmlns:a16="http://schemas.microsoft.com/office/drawing/2014/main" xmlns="" id="{40184570-8C9F-D547-BFCF-47EDE34BEABF}"/>
+                  <a16:creationId xmlns:a16="http://schemas.microsoft.com/office/drawing/2014/main" id="{40184570-8C9F-D547-BFCF-47EDE34BEABF}"/>
                 </a:ext>
               </a:extLst>
             </p:cNvPr>
@@ -6970,7 +7052,7 @@
               <p:cNvPr id="43" name="Rektangel 42">
                 <a:extLst>
                   <a:ext uri="{FF2B5EF4-FFF2-40B4-BE49-F238E27FC236}">
-                    <a16:creationId xmlns:a16="http://schemas.microsoft.com/office/drawing/2014/main" xmlns="" id="{A61EED33-3876-6C46-A702-773D24B265C3}"/>
+                    <a16:creationId xmlns:a16="http://schemas.microsoft.com/office/drawing/2014/main" id="{A61EED33-3876-6C46-A702-773D24B265C3}"/>
                   </a:ext>
                 </a:extLst>
               </p:cNvPr>
@@ -7020,7 +7102,7 @@
               <p:cNvPr id="44" name="Rektangel 43">
                 <a:extLst>
                   <a:ext uri="{FF2B5EF4-FFF2-40B4-BE49-F238E27FC236}">
-                    <a16:creationId xmlns:a16="http://schemas.microsoft.com/office/drawing/2014/main" xmlns="" id="{4D8A9A53-2174-6D4A-BBB7-03CDEA7B382A}"/>
+                    <a16:creationId xmlns:a16="http://schemas.microsoft.com/office/drawing/2014/main" id="{4D8A9A53-2174-6D4A-BBB7-03CDEA7B382A}"/>
                   </a:ext>
                 </a:extLst>
               </p:cNvPr>
@@ -7070,7 +7152,7 @@
               <p:cNvPr id="45" name="Rektangel 44">
                 <a:extLst>
                   <a:ext uri="{FF2B5EF4-FFF2-40B4-BE49-F238E27FC236}">
-                    <a16:creationId xmlns:a16="http://schemas.microsoft.com/office/drawing/2014/main" xmlns="" id="{3EF5D968-9105-C94D-BE78-C3D31395CC25}"/>
+                    <a16:creationId xmlns:a16="http://schemas.microsoft.com/office/drawing/2014/main" id="{3EF5D968-9105-C94D-BE78-C3D31395CC25}"/>
                   </a:ext>
                 </a:extLst>
               </p:cNvPr>
@@ -7120,7 +7202,7 @@
               <p:cNvPr id="46" name="Rektangel 45">
                 <a:extLst>
                   <a:ext uri="{FF2B5EF4-FFF2-40B4-BE49-F238E27FC236}">
-                    <a16:creationId xmlns:a16="http://schemas.microsoft.com/office/drawing/2014/main" xmlns="" id="{EC212671-72CA-9245-919A-6FA7C159FA15}"/>
+                    <a16:creationId xmlns:a16="http://schemas.microsoft.com/office/drawing/2014/main" id="{EC212671-72CA-9245-919A-6FA7C159FA15}"/>
                   </a:ext>
                 </a:extLst>
               </p:cNvPr>
@@ -7170,7 +7252,7 @@
               <p:cNvPr id="47" name="Rektangel 46">
                 <a:extLst>
                   <a:ext uri="{FF2B5EF4-FFF2-40B4-BE49-F238E27FC236}">
-                    <a16:creationId xmlns:a16="http://schemas.microsoft.com/office/drawing/2014/main" xmlns="" id="{3A60D9C3-D2EA-4D42-87B8-128A9096F2C9}"/>
+                    <a16:creationId xmlns:a16="http://schemas.microsoft.com/office/drawing/2014/main" id="{3A60D9C3-D2EA-4D42-87B8-128A9096F2C9}"/>
                   </a:ext>
                 </a:extLst>
               </p:cNvPr>
@@ -7220,7 +7302,7 @@
               <p:cNvPr id="48" name="Rektangel 47">
                 <a:extLst>
                   <a:ext uri="{FF2B5EF4-FFF2-40B4-BE49-F238E27FC236}">
-                    <a16:creationId xmlns:a16="http://schemas.microsoft.com/office/drawing/2014/main" xmlns="" id="{DE94F348-690F-E540-9093-1C49199F26C1}"/>
+                    <a16:creationId xmlns:a16="http://schemas.microsoft.com/office/drawing/2014/main" id="{DE94F348-690F-E540-9093-1C49199F26C1}"/>
                   </a:ext>
                 </a:extLst>
               </p:cNvPr>
@@ -7270,7 +7352,7 @@
               <p:cNvPr id="49" name="Rektangel 48">
                 <a:extLst>
                   <a:ext uri="{FF2B5EF4-FFF2-40B4-BE49-F238E27FC236}">
-                    <a16:creationId xmlns:a16="http://schemas.microsoft.com/office/drawing/2014/main" xmlns="" id="{0F47886B-9D67-8945-B978-E3C389995422}"/>
+                    <a16:creationId xmlns:a16="http://schemas.microsoft.com/office/drawing/2014/main" id="{0F47886B-9D67-8945-B978-E3C389995422}"/>
                   </a:ext>
                 </a:extLst>
               </p:cNvPr>
@@ -7320,7 +7402,7 @@
               <p:cNvPr id="50" name="Rektangel 49">
                 <a:extLst>
                   <a:ext uri="{FF2B5EF4-FFF2-40B4-BE49-F238E27FC236}">
-                    <a16:creationId xmlns:a16="http://schemas.microsoft.com/office/drawing/2014/main" xmlns="" id="{B6E087E5-ED56-1F44-AB4D-4E5DC58625B2}"/>
+                    <a16:creationId xmlns:a16="http://schemas.microsoft.com/office/drawing/2014/main" id="{B6E087E5-ED56-1F44-AB4D-4E5DC58625B2}"/>
                   </a:ext>
                 </a:extLst>
               </p:cNvPr>
@@ -7370,7 +7452,7 @@
               <p:cNvPr id="51" name="Rektangel 50">
                 <a:extLst>
                   <a:ext uri="{FF2B5EF4-FFF2-40B4-BE49-F238E27FC236}">
-                    <a16:creationId xmlns:a16="http://schemas.microsoft.com/office/drawing/2014/main" xmlns="" id="{FEAE9DDC-8E15-554D-A9F9-32C9FD821303}"/>
+                    <a16:creationId xmlns:a16="http://schemas.microsoft.com/office/drawing/2014/main" id="{FEAE9DDC-8E15-554D-A9F9-32C9FD821303}"/>
                   </a:ext>
                 </a:extLst>
               </p:cNvPr>
@@ -7421,7 +7503,7 @@
             <p:cNvPr id="16" name="Grupp 15">
               <a:extLst>
                 <a:ext uri="{FF2B5EF4-FFF2-40B4-BE49-F238E27FC236}">
-                  <a16:creationId xmlns:a16="http://schemas.microsoft.com/office/drawing/2014/main" xmlns="" id="{BBD191D5-8184-A045-B6FE-5411D0DCF582}"/>
+                  <a16:creationId xmlns:a16="http://schemas.microsoft.com/office/drawing/2014/main" id="{BBD191D5-8184-A045-B6FE-5411D0DCF582}"/>
                 </a:ext>
               </a:extLst>
             </p:cNvPr>
@@ -7444,7 +7526,7 @@
               <p:cNvPr id="27" name="Rektangel 26">
                 <a:extLst>
                   <a:ext uri="{FF2B5EF4-FFF2-40B4-BE49-F238E27FC236}">
-                    <a16:creationId xmlns:a16="http://schemas.microsoft.com/office/drawing/2014/main" xmlns="" id="{8DFBCE1C-D3B2-5F49-A340-D59567749FAF}"/>
+                    <a16:creationId xmlns:a16="http://schemas.microsoft.com/office/drawing/2014/main" id="{8DFBCE1C-D3B2-5F49-A340-D59567749FAF}"/>
                   </a:ext>
                 </a:extLst>
               </p:cNvPr>
@@ -7494,7 +7576,7 @@
               <p:cNvPr id="28" name="Rektangel 27">
                 <a:extLst>
                   <a:ext uri="{FF2B5EF4-FFF2-40B4-BE49-F238E27FC236}">
-                    <a16:creationId xmlns:a16="http://schemas.microsoft.com/office/drawing/2014/main" xmlns="" id="{1A697A31-3F22-3D42-AAC2-3D75D7AB3974}"/>
+                    <a16:creationId xmlns:a16="http://schemas.microsoft.com/office/drawing/2014/main" id="{1A697A31-3F22-3D42-AAC2-3D75D7AB3974}"/>
                   </a:ext>
                 </a:extLst>
               </p:cNvPr>
@@ -7544,7 +7626,7 @@
               <p:cNvPr id="29" name="Rektangel 28">
                 <a:extLst>
                   <a:ext uri="{FF2B5EF4-FFF2-40B4-BE49-F238E27FC236}">
-                    <a16:creationId xmlns:a16="http://schemas.microsoft.com/office/drawing/2014/main" xmlns="" id="{1533B9DF-99E0-F148-98DF-1AE4E0DCB229}"/>
+                    <a16:creationId xmlns:a16="http://schemas.microsoft.com/office/drawing/2014/main" id="{1533B9DF-99E0-F148-98DF-1AE4E0DCB229}"/>
                   </a:ext>
                 </a:extLst>
               </p:cNvPr>
@@ -7594,7 +7676,7 @@
               <p:cNvPr id="30" name="Rektangel 29">
                 <a:extLst>
                   <a:ext uri="{FF2B5EF4-FFF2-40B4-BE49-F238E27FC236}">
-                    <a16:creationId xmlns:a16="http://schemas.microsoft.com/office/drawing/2014/main" xmlns="" id="{AC0994CB-1562-C84A-BC07-C3E433681627}"/>
+                    <a16:creationId xmlns:a16="http://schemas.microsoft.com/office/drawing/2014/main" id="{AC0994CB-1562-C84A-BC07-C3E433681627}"/>
                   </a:ext>
                 </a:extLst>
               </p:cNvPr>
@@ -7644,7 +7726,7 @@
               <p:cNvPr id="38" name="Rektangel 37">
                 <a:extLst>
                   <a:ext uri="{FF2B5EF4-FFF2-40B4-BE49-F238E27FC236}">
-                    <a16:creationId xmlns:a16="http://schemas.microsoft.com/office/drawing/2014/main" xmlns="" id="{1C45B92F-660A-FE46-AB66-EC8D8127EEE6}"/>
+                    <a16:creationId xmlns:a16="http://schemas.microsoft.com/office/drawing/2014/main" id="{1C45B92F-660A-FE46-AB66-EC8D8127EEE6}"/>
                   </a:ext>
                 </a:extLst>
               </p:cNvPr>
@@ -7694,7 +7776,7 @@
               <p:cNvPr id="39" name="Rektangel 38">
                 <a:extLst>
                   <a:ext uri="{FF2B5EF4-FFF2-40B4-BE49-F238E27FC236}">
-                    <a16:creationId xmlns:a16="http://schemas.microsoft.com/office/drawing/2014/main" xmlns="" id="{6BFB85B6-8991-7A40-9E36-70642CC39972}"/>
+                    <a16:creationId xmlns:a16="http://schemas.microsoft.com/office/drawing/2014/main" id="{6BFB85B6-8991-7A40-9E36-70642CC39972}"/>
                   </a:ext>
                 </a:extLst>
               </p:cNvPr>
@@ -7744,7 +7826,7 @@
               <p:cNvPr id="40" name="Rektangel 39">
                 <a:extLst>
                   <a:ext uri="{FF2B5EF4-FFF2-40B4-BE49-F238E27FC236}">
-                    <a16:creationId xmlns:a16="http://schemas.microsoft.com/office/drawing/2014/main" xmlns="" id="{DA01DD59-2BF2-D44E-92BC-D4F5118FF537}"/>
+                    <a16:creationId xmlns:a16="http://schemas.microsoft.com/office/drawing/2014/main" id="{DA01DD59-2BF2-D44E-92BC-D4F5118FF537}"/>
                   </a:ext>
                 </a:extLst>
               </p:cNvPr>
@@ -7794,7 +7876,7 @@
               <p:cNvPr id="41" name="Rektangel 40">
                 <a:extLst>
                   <a:ext uri="{FF2B5EF4-FFF2-40B4-BE49-F238E27FC236}">
-                    <a16:creationId xmlns:a16="http://schemas.microsoft.com/office/drawing/2014/main" xmlns="" id="{A044860E-CE54-C645-8C96-DCC0027B3850}"/>
+                    <a16:creationId xmlns:a16="http://schemas.microsoft.com/office/drawing/2014/main" id="{A044860E-CE54-C645-8C96-DCC0027B3850}"/>
                   </a:ext>
                 </a:extLst>
               </p:cNvPr>
@@ -7844,7 +7926,7 @@
               <p:cNvPr id="42" name="Rektangel 41">
                 <a:extLst>
                   <a:ext uri="{FF2B5EF4-FFF2-40B4-BE49-F238E27FC236}">
-                    <a16:creationId xmlns:a16="http://schemas.microsoft.com/office/drawing/2014/main" xmlns="" id="{040B73E1-2341-A342-9BFA-9F9DC4E47D90}"/>
+                    <a16:creationId xmlns:a16="http://schemas.microsoft.com/office/drawing/2014/main" id="{040B73E1-2341-A342-9BFA-9F9DC4E47D90}"/>
                   </a:ext>
                 </a:extLst>
               </p:cNvPr>
@@ -7895,7 +7977,7 @@
             <p:cNvPr id="17" name="Grupp 16">
               <a:extLst>
                 <a:ext uri="{FF2B5EF4-FFF2-40B4-BE49-F238E27FC236}">
-                  <a16:creationId xmlns:a16="http://schemas.microsoft.com/office/drawing/2014/main" xmlns="" id="{C01C7D92-822D-F247-888A-51CDBE3208C8}"/>
+                  <a16:creationId xmlns:a16="http://schemas.microsoft.com/office/drawing/2014/main" id="{C01C7D92-822D-F247-888A-51CDBE3208C8}"/>
                 </a:ext>
               </a:extLst>
             </p:cNvPr>
@@ -7918,7 +8000,7 @@
               <p:cNvPr id="18" name="Rektangel 17">
                 <a:extLst>
                   <a:ext uri="{FF2B5EF4-FFF2-40B4-BE49-F238E27FC236}">
-                    <a16:creationId xmlns:a16="http://schemas.microsoft.com/office/drawing/2014/main" xmlns="" id="{65FEDA4E-E961-0D49-94DF-571AD02244A0}"/>
+                    <a16:creationId xmlns:a16="http://schemas.microsoft.com/office/drawing/2014/main" id="{65FEDA4E-E961-0D49-94DF-571AD02244A0}"/>
                   </a:ext>
                 </a:extLst>
               </p:cNvPr>
@@ -7968,7 +8050,7 @@
               <p:cNvPr id="19" name="Rektangel 18">
                 <a:extLst>
                   <a:ext uri="{FF2B5EF4-FFF2-40B4-BE49-F238E27FC236}">
-                    <a16:creationId xmlns:a16="http://schemas.microsoft.com/office/drawing/2014/main" xmlns="" id="{9E90C081-1629-9147-9B51-6494A7B4DB18}"/>
+                    <a16:creationId xmlns:a16="http://schemas.microsoft.com/office/drawing/2014/main" id="{9E90C081-1629-9147-9B51-6494A7B4DB18}"/>
                   </a:ext>
                 </a:extLst>
               </p:cNvPr>
@@ -8018,7 +8100,7 @@
               <p:cNvPr id="20" name="Rektangel 19">
                 <a:extLst>
                   <a:ext uri="{FF2B5EF4-FFF2-40B4-BE49-F238E27FC236}">
-                    <a16:creationId xmlns:a16="http://schemas.microsoft.com/office/drawing/2014/main" xmlns="" id="{EEB32951-A8BB-ED4E-BAAB-C0E1FE85F8EB}"/>
+                    <a16:creationId xmlns:a16="http://schemas.microsoft.com/office/drawing/2014/main" id="{EEB32951-A8BB-ED4E-BAAB-C0E1FE85F8EB}"/>
                   </a:ext>
                 </a:extLst>
               </p:cNvPr>
@@ -8068,7 +8150,7 @@
               <p:cNvPr id="21" name="Rektangel 20">
                 <a:extLst>
                   <a:ext uri="{FF2B5EF4-FFF2-40B4-BE49-F238E27FC236}">
-                    <a16:creationId xmlns:a16="http://schemas.microsoft.com/office/drawing/2014/main" xmlns="" id="{0A8A807A-65D9-C54E-98D6-5949FCEA8DFA}"/>
+                    <a16:creationId xmlns:a16="http://schemas.microsoft.com/office/drawing/2014/main" id="{0A8A807A-65D9-C54E-98D6-5949FCEA8DFA}"/>
                   </a:ext>
                 </a:extLst>
               </p:cNvPr>
@@ -8118,7 +8200,7 @@
               <p:cNvPr id="22" name="Rektangel 21">
                 <a:extLst>
                   <a:ext uri="{FF2B5EF4-FFF2-40B4-BE49-F238E27FC236}">
-                    <a16:creationId xmlns:a16="http://schemas.microsoft.com/office/drawing/2014/main" xmlns="" id="{C94C2C1C-9987-A64A-A424-C3C8AAF83EAE}"/>
+                    <a16:creationId xmlns:a16="http://schemas.microsoft.com/office/drawing/2014/main" id="{C94C2C1C-9987-A64A-A424-C3C8AAF83EAE}"/>
                   </a:ext>
                 </a:extLst>
               </p:cNvPr>
@@ -8168,7 +8250,7 @@
               <p:cNvPr id="23" name="Rektangel 22">
                 <a:extLst>
                   <a:ext uri="{FF2B5EF4-FFF2-40B4-BE49-F238E27FC236}">
-                    <a16:creationId xmlns:a16="http://schemas.microsoft.com/office/drawing/2014/main" xmlns="" id="{BA62EF01-C788-684D-AEAC-5899616A01B7}"/>
+                    <a16:creationId xmlns:a16="http://schemas.microsoft.com/office/drawing/2014/main" id="{BA62EF01-C788-684D-AEAC-5899616A01B7}"/>
                   </a:ext>
                 </a:extLst>
               </p:cNvPr>
@@ -8218,7 +8300,7 @@
               <p:cNvPr id="24" name="Rektangel 23">
                 <a:extLst>
                   <a:ext uri="{FF2B5EF4-FFF2-40B4-BE49-F238E27FC236}">
-                    <a16:creationId xmlns:a16="http://schemas.microsoft.com/office/drawing/2014/main" xmlns="" id="{F52962C9-79CF-D24A-AFEF-4F2634BF4BF0}"/>
+                    <a16:creationId xmlns:a16="http://schemas.microsoft.com/office/drawing/2014/main" id="{F52962C9-79CF-D24A-AFEF-4F2634BF4BF0}"/>
                   </a:ext>
                 </a:extLst>
               </p:cNvPr>
@@ -8268,7 +8350,7 @@
               <p:cNvPr id="25" name="Rektangel 24">
                 <a:extLst>
                   <a:ext uri="{FF2B5EF4-FFF2-40B4-BE49-F238E27FC236}">
-                    <a16:creationId xmlns:a16="http://schemas.microsoft.com/office/drawing/2014/main" xmlns="" id="{CF48E26C-2B9A-4442-BC4B-E4588287A02E}"/>
+                    <a16:creationId xmlns:a16="http://schemas.microsoft.com/office/drawing/2014/main" id="{CF48E26C-2B9A-4442-BC4B-E4588287A02E}"/>
                   </a:ext>
                 </a:extLst>
               </p:cNvPr>
@@ -8318,7 +8400,7 @@
               <p:cNvPr id="26" name="Rektangel 25">
                 <a:extLst>
                   <a:ext uri="{FF2B5EF4-FFF2-40B4-BE49-F238E27FC236}">
-                    <a16:creationId xmlns:a16="http://schemas.microsoft.com/office/drawing/2014/main" xmlns="" id="{C0DCEE72-5D28-C148-828F-B74EE134472D}"/>
+                    <a16:creationId xmlns:a16="http://schemas.microsoft.com/office/drawing/2014/main" id="{C0DCEE72-5D28-C148-828F-B74EE134472D}"/>
                   </a:ext>
                 </a:extLst>
               </p:cNvPr>
@@ -8370,7 +8452,7 @@
           <p:cNvPr id="123" name="Rak 122">
             <a:extLst>
               <a:ext uri="{FF2B5EF4-FFF2-40B4-BE49-F238E27FC236}">
-                <a16:creationId xmlns:a16="http://schemas.microsoft.com/office/drawing/2014/main" xmlns="" id="{5097A8E5-A6B9-EE40-A302-C6CF112729E0}"/>
+                <a16:creationId xmlns:a16="http://schemas.microsoft.com/office/drawing/2014/main" id="{5097A8E5-A6B9-EE40-A302-C6CF112729E0}"/>
               </a:ext>
             </a:extLst>
           </p:cNvPr>
@@ -8598,7 +8680,7 @@
           <p:cNvPr id="24" name="Bildobjekt 18">
             <a:extLst>
               <a:ext uri="{FF2B5EF4-FFF2-40B4-BE49-F238E27FC236}">
-                <a16:creationId xmlns:a16="http://schemas.microsoft.com/office/drawing/2014/main" xmlns="" id="{9818D67E-72BB-EF4D-8650-DA1146FF8B79}"/>
+                <a16:creationId xmlns:a16="http://schemas.microsoft.com/office/drawing/2014/main" id="{9818D67E-72BB-EF4D-8650-DA1146FF8B79}"/>
               </a:ext>
             </a:extLst>
           </p:cNvPr>
@@ -8658,7 +8740,7 @@
           <p:cNvPr id="15" name="Grupp 14">
             <a:extLst>
               <a:ext uri="{FF2B5EF4-FFF2-40B4-BE49-F238E27FC236}">
-                <a16:creationId xmlns:a16="http://schemas.microsoft.com/office/drawing/2014/main" xmlns="" id="{0863DBC1-93FB-FC4F-8A6E-D08EB15A346A}"/>
+                <a16:creationId xmlns:a16="http://schemas.microsoft.com/office/drawing/2014/main" id="{0863DBC1-93FB-FC4F-8A6E-D08EB15A346A}"/>
               </a:ext>
             </a:extLst>
           </p:cNvPr>
@@ -8679,7 +8761,7 @@
             <p:cNvPr id="16" name="Picture 2">
               <a:extLst>
                 <a:ext uri="{FF2B5EF4-FFF2-40B4-BE49-F238E27FC236}">
-                  <a16:creationId xmlns:a16="http://schemas.microsoft.com/office/drawing/2014/main" xmlns="" id="{5016C568-ADC6-B448-9875-EC43010139E3}"/>
+                  <a16:creationId xmlns:a16="http://schemas.microsoft.com/office/drawing/2014/main" id="{5016C568-ADC6-B448-9875-EC43010139E3}"/>
                 </a:ext>
               </a:extLst>
             </p:cNvPr>
@@ -8732,7 +8814,7 @@
             <p:cNvPr id="17" name="Grupp 16">
               <a:extLst>
                 <a:ext uri="{FF2B5EF4-FFF2-40B4-BE49-F238E27FC236}">
-                  <a16:creationId xmlns:a16="http://schemas.microsoft.com/office/drawing/2014/main" xmlns="" id="{15EAD1A5-2C50-F14C-A922-42AECE9F76AB}"/>
+                  <a16:creationId xmlns:a16="http://schemas.microsoft.com/office/drawing/2014/main" id="{15EAD1A5-2C50-F14C-A922-42AECE9F76AB}"/>
                 </a:ext>
               </a:extLst>
             </p:cNvPr>
@@ -8755,7 +8837,7 @@
               <p:cNvPr id="56" name="Rektangel 55">
                 <a:extLst>
                   <a:ext uri="{FF2B5EF4-FFF2-40B4-BE49-F238E27FC236}">
-                    <a16:creationId xmlns:a16="http://schemas.microsoft.com/office/drawing/2014/main" xmlns="" id="{625FD33E-FA80-8E47-89FC-DCCC2A3C2D16}"/>
+                    <a16:creationId xmlns:a16="http://schemas.microsoft.com/office/drawing/2014/main" id="{625FD33E-FA80-8E47-89FC-DCCC2A3C2D16}"/>
                   </a:ext>
                 </a:extLst>
               </p:cNvPr>
@@ -8805,7 +8887,7 @@
               <p:cNvPr id="57" name="Rektangel 56">
                 <a:extLst>
                   <a:ext uri="{FF2B5EF4-FFF2-40B4-BE49-F238E27FC236}">
-                    <a16:creationId xmlns:a16="http://schemas.microsoft.com/office/drawing/2014/main" xmlns="" id="{8F10E0A5-B8EE-BE47-BC4E-24E1DDB174BC}"/>
+                    <a16:creationId xmlns:a16="http://schemas.microsoft.com/office/drawing/2014/main" id="{8F10E0A5-B8EE-BE47-BC4E-24E1DDB174BC}"/>
                   </a:ext>
                 </a:extLst>
               </p:cNvPr>
@@ -8855,7 +8937,7 @@
               <p:cNvPr id="58" name="Rektangel 57">
                 <a:extLst>
                   <a:ext uri="{FF2B5EF4-FFF2-40B4-BE49-F238E27FC236}">
-                    <a16:creationId xmlns:a16="http://schemas.microsoft.com/office/drawing/2014/main" xmlns="" id="{28EFCF7D-6529-C142-93C9-90598C42E621}"/>
+                    <a16:creationId xmlns:a16="http://schemas.microsoft.com/office/drawing/2014/main" id="{28EFCF7D-6529-C142-93C9-90598C42E621}"/>
                   </a:ext>
                 </a:extLst>
               </p:cNvPr>
@@ -8905,7 +8987,7 @@
               <p:cNvPr id="59" name="Rektangel 58">
                 <a:extLst>
                   <a:ext uri="{FF2B5EF4-FFF2-40B4-BE49-F238E27FC236}">
-                    <a16:creationId xmlns:a16="http://schemas.microsoft.com/office/drawing/2014/main" xmlns="" id="{9AF22970-B936-314A-824B-D4DF2AC4B854}"/>
+                    <a16:creationId xmlns:a16="http://schemas.microsoft.com/office/drawing/2014/main" id="{9AF22970-B936-314A-824B-D4DF2AC4B854}"/>
                   </a:ext>
                 </a:extLst>
               </p:cNvPr>
@@ -8955,7 +9037,7 @@
               <p:cNvPr id="60" name="Rektangel 59">
                 <a:extLst>
                   <a:ext uri="{FF2B5EF4-FFF2-40B4-BE49-F238E27FC236}">
-                    <a16:creationId xmlns:a16="http://schemas.microsoft.com/office/drawing/2014/main" xmlns="" id="{60A421F4-0D3B-8043-8234-162B9DF4AEA4}"/>
+                    <a16:creationId xmlns:a16="http://schemas.microsoft.com/office/drawing/2014/main" id="{60A421F4-0D3B-8043-8234-162B9DF4AEA4}"/>
                   </a:ext>
                 </a:extLst>
               </p:cNvPr>
@@ -9005,7 +9087,7 @@
               <p:cNvPr id="61" name="Rektangel 60">
                 <a:extLst>
                   <a:ext uri="{FF2B5EF4-FFF2-40B4-BE49-F238E27FC236}">
-                    <a16:creationId xmlns:a16="http://schemas.microsoft.com/office/drawing/2014/main" xmlns="" id="{2DB35B1D-2369-204C-9135-78149F469654}"/>
+                    <a16:creationId xmlns:a16="http://schemas.microsoft.com/office/drawing/2014/main" id="{2DB35B1D-2369-204C-9135-78149F469654}"/>
                   </a:ext>
                 </a:extLst>
               </p:cNvPr>
@@ -9055,7 +9137,7 @@
               <p:cNvPr id="62" name="Rektangel 61">
                 <a:extLst>
                   <a:ext uri="{FF2B5EF4-FFF2-40B4-BE49-F238E27FC236}">
-                    <a16:creationId xmlns:a16="http://schemas.microsoft.com/office/drawing/2014/main" xmlns="" id="{F51D08D7-925E-C84D-8090-F610717A86D9}"/>
+                    <a16:creationId xmlns:a16="http://schemas.microsoft.com/office/drawing/2014/main" id="{F51D08D7-925E-C84D-8090-F610717A86D9}"/>
                   </a:ext>
                 </a:extLst>
               </p:cNvPr>
@@ -9105,7 +9187,7 @@
               <p:cNvPr id="63" name="Rektangel 62">
                 <a:extLst>
                   <a:ext uri="{FF2B5EF4-FFF2-40B4-BE49-F238E27FC236}">
-                    <a16:creationId xmlns:a16="http://schemas.microsoft.com/office/drawing/2014/main" xmlns="" id="{E8F003AD-FABE-EE4D-BA89-B2742335EC11}"/>
+                    <a16:creationId xmlns:a16="http://schemas.microsoft.com/office/drawing/2014/main" id="{E8F003AD-FABE-EE4D-BA89-B2742335EC11}"/>
                   </a:ext>
                 </a:extLst>
               </p:cNvPr>
@@ -9155,7 +9237,7 @@
               <p:cNvPr id="64" name="Rektangel 63">
                 <a:extLst>
                   <a:ext uri="{FF2B5EF4-FFF2-40B4-BE49-F238E27FC236}">
-                    <a16:creationId xmlns:a16="http://schemas.microsoft.com/office/drawing/2014/main" xmlns="" id="{ABB6F5C6-C885-7942-A935-9C0B32B8A983}"/>
+                    <a16:creationId xmlns:a16="http://schemas.microsoft.com/office/drawing/2014/main" id="{ABB6F5C6-C885-7942-A935-9C0B32B8A983}"/>
                   </a:ext>
                 </a:extLst>
               </p:cNvPr>
@@ -9206,7 +9288,7 @@
             <p:cNvPr id="26" name="Grupp 25">
               <a:extLst>
                 <a:ext uri="{FF2B5EF4-FFF2-40B4-BE49-F238E27FC236}">
-                  <a16:creationId xmlns:a16="http://schemas.microsoft.com/office/drawing/2014/main" xmlns="" id="{E37A3EC7-B403-FB41-9F91-C41E66E1C3F2}"/>
+                  <a16:creationId xmlns:a16="http://schemas.microsoft.com/office/drawing/2014/main" id="{E37A3EC7-B403-FB41-9F91-C41E66E1C3F2}"/>
                 </a:ext>
               </a:extLst>
             </p:cNvPr>
@@ -9229,7 +9311,7 @@
               <p:cNvPr id="47" name="Rektangel 46">
                 <a:extLst>
                   <a:ext uri="{FF2B5EF4-FFF2-40B4-BE49-F238E27FC236}">
-                    <a16:creationId xmlns:a16="http://schemas.microsoft.com/office/drawing/2014/main" xmlns="" id="{35D35AD7-6B39-F943-A943-C994051A3591}"/>
+                    <a16:creationId xmlns:a16="http://schemas.microsoft.com/office/drawing/2014/main" id="{35D35AD7-6B39-F943-A943-C994051A3591}"/>
                   </a:ext>
                 </a:extLst>
               </p:cNvPr>
@@ -9279,7 +9361,7 @@
               <p:cNvPr id="48" name="Rektangel 47">
                 <a:extLst>
                   <a:ext uri="{FF2B5EF4-FFF2-40B4-BE49-F238E27FC236}">
-                    <a16:creationId xmlns:a16="http://schemas.microsoft.com/office/drawing/2014/main" xmlns="" id="{F607BB48-BBCD-3647-80C2-C6260F62508D}"/>
+                    <a16:creationId xmlns:a16="http://schemas.microsoft.com/office/drawing/2014/main" id="{F607BB48-BBCD-3647-80C2-C6260F62508D}"/>
                   </a:ext>
                 </a:extLst>
               </p:cNvPr>
@@ -9329,7 +9411,7 @@
               <p:cNvPr id="49" name="Rektangel 48">
                 <a:extLst>
                   <a:ext uri="{FF2B5EF4-FFF2-40B4-BE49-F238E27FC236}">
-                    <a16:creationId xmlns:a16="http://schemas.microsoft.com/office/drawing/2014/main" xmlns="" id="{3A00F74D-012D-744D-8CD4-86F3025176A9}"/>
+                    <a16:creationId xmlns:a16="http://schemas.microsoft.com/office/drawing/2014/main" id="{3A00F74D-012D-744D-8CD4-86F3025176A9}"/>
                   </a:ext>
                 </a:extLst>
               </p:cNvPr>
@@ -9379,7 +9461,7 @@
               <p:cNvPr id="50" name="Rektangel 49">
                 <a:extLst>
                   <a:ext uri="{FF2B5EF4-FFF2-40B4-BE49-F238E27FC236}">
-                    <a16:creationId xmlns:a16="http://schemas.microsoft.com/office/drawing/2014/main" xmlns="" id="{25EFBEB2-E669-4441-A2A7-8EA23B468366}"/>
+                    <a16:creationId xmlns:a16="http://schemas.microsoft.com/office/drawing/2014/main" id="{25EFBEB2-E669-4441-A2A7-8EA23B468366}"/>
                   </a:ext>
                 </a:extLst>
               </p:cNvPr>
@@ -9429,7 +9511,7 @@
               <p:cNvPr id="51" name="Rektangel 50">
                 <a:extLst>
                   <a:ext uri="{FF2B5EF4-FFF2-40B4-BE49-F238E27FC236}">
-                    <a16:creationId xmlns:a16="http://schemas.microsoft.com/office/drawing/2014/main" xmlns="" id="{478148B7-7D92-B443-9A7B-461278601ADC}"/>
+                    <a16:creationId xmlns:a16="http://schemas.microsoft.com/office/drawing/2014/main" id="{478148B7-7D92-B443-9A7B-461278601ADC}"/>
                   </a:ext>
                 </a:extLst>
               </p:cNvPr>
@@ -9479,7 +9561,7 @@
               <p:cNvPr id="52" name="Rektangel 51">
                 <a:extLst>
                   <a:ext uri="{FF2B5EF4-FFF2-40B4-BE49-F238E27FC236}">
-                    <a16:creationId xmlns:a16="http://schemas.microsoft.com/office/drawing/2014/main" xmlns="" id="{33F102BC-AE06-C04F-ABBD-6954A9357DA6}"/>
+                    <a16:creationId xmlns:a16="http://schemas.microsoft.com/office/drawing/2014/main" id="{33F102BC-AE06-C04F-ABBD-6954A9357DA6}"/>
                   </a:ext>
                 </a:extLst>
               </p:cNvPr>
@@ -9529,7 +9611,7 @@
               <p:cNvPr id="53" name="Rektangel 52">
                 <a:extLst>
                   <a:ext uri="{FF2B5EF4-FFF2-40B4-BE49-F238E27FC236}">
-                    <a16:creationId xmlns:a16="http://schemas.microsoft.com/office/drawing/2014/main" xmlns="" id="{F1168AA4-3F32-6345-AEAD-E2EF2358B8F2}"/>
+                    <a16:creationId xmlns:a16="http://schemas.microsoft.com/office/drawing/2014/main" id="{F1168AA4-3F32-6345-AEAD-E2EF2358B8F2}"/>
                   </a:ext>
                 </a:extLst>
               </p:cNvPr>
@@ -9579,7 +9661,7 @@
               <p:cNvPr id="54" name="Rektangel 53">
                 <a:extLst>
                   <a:ext uri="{FF2B5EF4-FFF2-40B4-BE49-F238E27FC236}">
-                    <a16:creationId xmlns:a16="http://schemas.microsoft.com/office/drawing/2014/main" xmlns="" id="{EF2E7D3E-0E67-9A48-85F5-C51E73D42874}"/>
+                    <a16:creationId xmlns:a16="http://schemas.microsoft.com/office/drawing/2014/main" id="{EF2E7D3E-0E67-9A48-85F5-C51E73D42874}"/>
                   </a:ext>
                 </a:extLst>
               </p:cNvPr>
@@ -9629,7 +9711,7 @@
               <p:cNvPr id="55" name="Rektangel 54">
                 <a:extLst>
                   <a:ext uri="{FF2B5EF4-FFF2-40B4-BE49-F238E27FC236}">
-                    <a16:creationId xmlns:a16="http://schemas.microsoft.com/office/drawing/2014/main" xmlns="" id="{34ECFF50-188A-EF4D-ABC2-ECFAF9D440AE}"/>
+                    <a16:creationId xmlns:a16="http://schemas.microsoft.com/office/drawing/2014/main" id="{34ECFF50-188A-EF4D-ABC2-ECFAF9D440AE}"/>
                   </a:ext>
                 </a:extLst>
               </p:cNvPr>
@@ -9680,7 +9762,7 @@
             <p:cNvPr id="27" name="Grupp 26">
               <a:extLst>
                 <a:ext uri="{FF2B5EF4-FFF2-40B4-BE49-F238E27FC236}">
-                  <a16:creationId xmlns:a16="http://schemas.microsoft.com/office/drawing/2014/main" xmlns="" id="{F68676DE-7159-B449-A14D-06BBB64ECB8D}"/>
+                  <a16:creationId xmlns:a16="http://schemas.microsoft.com/office/drawing/2014/main" id="{F68676DE-7159-B449-A14D-06BBB64ECB8D}"/>
                 </a:ext>
               </a:extLst>
             </p:cNvPr>
@@ -9703,7 +9785,7 @@
               <p:cNvPr id="38" name="Rektangel 37">
                 <a:extLst>
                   <a:ext uri="{FF2B5EF4-FFF2-40B4-BE49-F238E27FC236}">
-                    <a16:creationId xmlns:a16="http://schemas.microsoft.com/office/drawing/2014/main" xmlns="" id="{A435E150-EB57-B44A-8293-2C19C271A956}"/>
+                    <a16:creationId xmlns:a16="http://schemas.microsoft.com/office/drawing/2014/main" id="{A435E150-EB57-B44A-8293-2C19C271A956}"/>
                   </a:ext>
                 </a:extLst>
               </p:cNvPr>
@@ -9753,7 +9835,7 @@
               <p:cNvPr id="39" name="Rektangel 38">
                 <a:extLst>
                   <a:ext uri="{FF2B5EF4-FFF2-40B4-BE49-F238E27FC236}">
-                    <a16:creationId xmlns:a16="http://schemas.microsoft.com/office/drawing/2014/main" xmlns="" id="{53C0B4FF-3765-4840-8E0A-9AA936D37216}"/>
+                    <a16:creationId xmlns:a16="http://schemas.microsoft.com/office/drawing/2014/main" id="{53C0B4FF-3765-4840-8E0A-9AA936D37216}"/>
                   </a:ext>
                 </a:extLst>
               </p:cNvPr>
@@ -9803,7 +9885,7 @@
               <p:cNvPr id="40" name="Rektangel 39">
                 <a:extLst>
                   <a:ext uri="{FF2B5EF4-FFF2-40B4-BE49-F238E27FC236}">
-                    <a16:creationId xmlns:a16="http://schemas.microsoft.com/office/drawing/2014/main" xmlns="" id="{A60EFB5C-D38B-D849-AB68-371460E2B1DC}"/>
+                    <a16:creationId xmlns:a16="http://schemas.microsoft.com/office/drawing/2014/main" id="{A60EFB5C-D38B-D849-AB68-371460E2B1DC}"/>
                   </a:ext>
                 </a:extLst>
               </p:cNvPr>
@@ -9853,7 +9935,7 @@
               <p:cNvPr id="41" name="Rektangel 40">
                 <a:extLst>
                   <a:ext uri="{FF2B5EF4-FFF2-40B4-BE49-F238E27FC236}">
-                    <a16:creationId xmlns:a16="http://schemas.microsoft.com/office/drawing/2014/main" xmlns="" id="{A71C6519-4CCC-D74C-A050-B08BE3BFE6AE}"/>
+                    <a16:creationId xmlns:a16="http://schemas.microsoft.com/office/drawing/2014/main" id="{A71C6519-4CCC-D74C-A050-B08BE3BFE6AE}"/>
                   </a:ext>
                 </a:extLst>
               </p:cNvPr>
@@ -9903,7 +9985,7 @@
               <p:cNvPr id="42" name="Rektangel 41">
                 <a:extLst>
                   <a:ext uri="{FF2B5EF4-FFF2-40B4-BE49-F238E27FC236}">
-                    <a16:creationId xmlns:a16="http://schemas.microsoft.com/office/drawing/2014/main" xmlns="" id="{8625C522-5195-CA45-9C5A-7279ED5AF410}"/>
+                    <a16:creationId xmlns:a16="http://schemas.microsoft.com/office/drawing/2014/main" id="{8625C522-5195-CA45-9C5A-7279ED5AF410}"/>
                   </a:ext>
                 </a:extLst>
               </p:cNvPr>
@@ -9953,7 +10035,7 @@
               <p:cNvPr id="43" name="Rektangel 42">
                 <a:extLst>
                   <a:ext uri="{FF2B5EF4-FFF2-40B4-BE49-F238E27FC236}">
-                    <a16:creationId xmlns:a16="http://schemas.microsoft.com/office/drawing/2014/main" xmlns="" id="{B21F9AF9-65C3-BA4E-9064-122DC8A4A494}"/>
+                    <a16:creationId xmlns:a16="http://schemas.microsoft.com/office/drawing/2014/main" id="{B21F9AF9-65C3-BA4E-9064-122DC8A4A494}"/>
                   </a:ext>
                 </a:extLst>
               </p:cNvPr>
@@ -10003,7 +10085,7 @@
               <p:cNvPr id="44" name="Rektangel 43">
                 <a:extLst>
                   <a:ext uri="{FF2B5EF4-FFF2-40B4-BE49-F238E27FC236}">
-                    <a16:creationId xmlns:a16="http://schemas.microsoft.com/office/drawing/2014/main" xmlns="" id="{7D8AAB2F-C807-4C4C-871F-F2E3846FF9FC}"/>
+                    <a16:creationId xmlns:a16="http://schemas.microsoft.com/office/drawing/2014/main" id="{7D8AAB2F-C807-4C4C-871F-F2E3846FF9FC}"/>
                   </a:ext>
                 </a:extLst>
               </p:cNvPr>
@@ -10053,7 +10135,7 @@
               <p:cNvPr id="45" name="Rektangel 44">
                 <a:extLst>
                   <a:ext uri="{FF2B5EF4-FFF2-40B4-BE49-F238E27FC236}">
-                    <a16:creationId xmlns:a16="http://schemas.microsoft.com/office/drawing/2014/main" xmlns="" id="{0CCC44B3-D0FF-D14E-A1C6-B6CFB2D23374}"/>
+                    <a16:creationId xmlns:a16="http://schemas.microsoft.com/office/drawing/2014/main" id="{0CCC44B3-D0FF-D14E-A1C6-B6CFB2D23374}"/>
                   </a:ext>
                 </a:extLst>
               </p:cNvPr>
@@ -10103,7 +10185,7 @@
               <p:cNvPr id="46" name="Rektangel 45">
                 <a:extLst>
                   <a:ext uri="{FF2B5EF4-FFF2-40B4-BE49-F238E27FC236}">
-                    <a16:creationId xmlns:a16="http://schemas.microsoft.com/office/drawing/2014/main" xmlns="" id="{3E7AF6E4-A19E-CB48-A8B3-F17A97DA27ED}"/>
+                    <a16:creationId xmlns:a16="http://schemas.microsoft.com/office/drawing/2014/main" id="{3E7AF6E4-A19E-CB48-A8B3-F17A97DA27ED}"/>
                   </a:ext>
                 </a:extLst>
               </p:cNvPr>
@@ -10154,7 +10236,7 @@
             <p:cNvPr id="28" name="Grupp 27">
               <a:extLst>
                 <a:ext uri="{FF2B5EF4-FFF2-40B4-BE49-F238E27FC236}">
-                  <a16:creationId xmlns:a16="http://schemas.microsoft.com/office/drawing/2014/main" xmlns="" id="{4D7939D2-013B-8D43-AF56-65E8308D448B}"/>
+                  <a16:creationId xmlns:a16="http://schemas.microsoft.com/office/drawing/2014/main" id="{4D7939D2-013B-8D43-AF56-65E8308D448B}"/>
                 </a:ext>
               </a:extLst>
             </p:cNvPr>
@@ -10177,7 +10259,7 @@
               <p:cNvPr id="29" name="Rektangel 28">
                 <a:extLst>
                   <a:ext uri="{FF2B5EF4-FFF2-40B4-BE49-F238E27FC236}">
-                    <a16:creationId xmlns:a16="http://schemas.microsoft.com/office/drawing/2014/main" xmlns="" id="{2B38132A-7F88-3148-A4FC-2DA07E2A634F}"/>
+                    <a16:creationId xmlns:a16="http://schemas.microsoft.com/office/drawing/2014/main" id="{2B38132A-7F88-3148-A4FC-2DA07E2A634F}"/>
                   </a:ext>
                 </a:extLst>
               </p:cNvPr>
@@ -10227,7 +10309,7 @@
               <p:cNvPr id="30" name="Rektangel 29">
                 <a:extLst>
                   <a:ext uri="{FF2B5EF4-FFF2-40B4-BE49-F238E27FC236}">
-                    <a16:creationId xmlns:a16="http://schemas.microsoft.com/office/drawing/2014/main" xmlns="" id="{5209F07D-76ED-C14B-B4D2-A7765896DEBC}"/>
+                    <a16:creationId xmlns:a16="http://schemas.microsoft.com/office/drawing/2014/main" id="{5209F07D-76ED-C14B-B4D2-A7765896DEBC}"/>
                   </a:ext>
                 </a:extLst>
               </p:cNvPr>
@@ -10277,7 +10359,7 @@
               <p:cNvPr id="31" name="Rektangel 30">
                 <a:extLst>
                   <a:ext uri="{FF2B5EF4-FFF2-40B4-BE49-F238E27FC236}">
-                    <a16:creationId xmlns:a16="http://schemas.microsoft.com/office/drawing/2014/main" xmlns="" id="{A32CA292-5FF0-A747-8736-F788E8B5030A}"/>
+                    <a16:creationId xmlns:a16="http://schemas.microsoft.com/office/drawing/2014/main" id="{A32CA292-5FF0-A747-8736-F788E8B5030A}"/>
                   </a:ext>
                 </a:extLst>
               </p:cNvPr>
@@ -10327,7 +10409,7 @@
               <p:cNvPr id="32" name="Rektangel 31">
                 <a:extLst>
                   <a:ext uri="{FF2B5EF4-FFF2-40B4-BE49-F238E27FC236}">
-                    <a16:creationId xmlns:a16="http://schemas.microsoft.com/office/drawing/2014/main" xmlns="" id="{AF774941-1457-FE4F-99C0-D11026CE8C84}"/>
+                    <a16:creationId xmlns:a16="http://schemas.microsoft.com/office/drawing/2014/main" id="{AF774941-1457-FE4F-99C0-D11026CE8C84}"/>
                   </a:ext>
                 </a:extLst>
               </p:cNvPr>
@@ -10377,7 +10459,7 @@
               <p:cNvPr id="33" name="Rektangel 32">
                 <a:extLst>
                   <a:ext uri="{FF2B5EF4-FFF2-40B4-BE49-F238E27FC236}">
-                    <a16:creationId xmlns:a16="http://schemas.microsoft.com/office/drawing/2014/main" xmlns="" id="{A552B882-FA01-D642-91BA-E072AF506A10}"/>
+                    <a16:creationId xmlns:a16="http://schemas.microsoft.com/office/drawing/2014/main" id="{A552B882-FA01-D642-91BA-E072AF506A10}"/>
                   </a:ext>
                 </a:extLst>
               </p:cNvPr>
@@ -10427,7 +10509,7 @@
               <p:cNvPr id="34" name="Rektangel 33">
                 <a:extLst>
                   <a:ext uri="{FF2B5EF4-FFF2-40B4-BE49-F238E27FC236}">
-                    <a16:creationId xmlns:a16="http://schemas.microsoft.com/office/drawing/2014/main" xmlns="" id="{10860FD5-FD3F-A44E-A3A2-6ACBE91E3C41}"/>
+                    <a16:creationId xmlns:a16="http://schemas.microsoft.com/office/drawing/2014/main" id="{10860FD5-FD3F-A44E-A3A2-6ACBE91E3C41}"/>
                   </a:ext>
                 </a:extLst>
               </p:cNvPr>
@@ -10477,7 +10559,7 @@
               <p:cNvPr id="35" name="Rektangel 34">
                 <a:extLst>
                   <a:ext uri="{FF2B5EF4-FFF2-40B4-BE49-F238E27FC236}">
-                    <a16:creationId xmlns:a16="http://schemas.microsoft.com/office/drawing/2014/main" xmlns="" id="{7864E4F5-5000-7D43-8D12-8117255CB092}"/>
+                    <a16:creationId xmlns:a16="http://schemas.microsoft.com/office/drawing/2014/main" id="{7864E4F5-5000-7D43-8D12-8117255CB092}"/>
                   </a:ext>
                 </a:extLst>
               </p:cNvPr>
@@ -10527,7 +10609,7 @@
               <p:cNvPr id="36" name="Rektangel 35">
                 <a:extLst>
                   <a:ext uri="{FF2B5EF4-FFF2-40B4-BE49-F238E27FC236}">
-                    <a16:creationId xmlns:a16="http://schemas.microsoft.com/office/drawing/2014/main" xmlns="" id="{63FCD91C-D163-694C-A6A2-A8777BB9D7EF}"/>
+                    <a16:creationId xmlns:a16="http://schemas.microsoft.com/office/drawing/2014/main" id="{63FCD91C-D163-694C-A6A2-A8777BB9D7EF}"/>
                   </a:ext>
                 </a:extLst>
               </p:cNvPr>
@@ -10577,7 +10659,7 @@
               <p:cNvPr id="37" name="Rektangel 36">
                 <a:extLst>
                   <a:ext uri="{FF2B5EF4-FFF2-40B4-BE49-F238E27FC236}">
-                    <a16:creationId xmlns:a16="http://schemas.microsoft.com/office/drawing/2014/main" xmlns="" id="{C530E33C-0CCE-EA45-BFBA-21B929A17D1A}"/>
+                    <a16:creationId xmlns:a16="http://schemas.microsoft.com/office/drawing/2014/main" id="{C530E33C-0CCE-EA45-BFBA-21B929A17D1A}"/>
                   </a:ext>
                 </a:extLst>
               </p:cNvPr>
@@ -10629,7 +10711,7 @@
           <p:cNvPr id="65" name="Rak 64">
             <a:extLst>
               <a:ext uri="{FF2B5EF4-FFF2-40B4-BE49-F238E27FC236}">
-                <a16:creationId xmlns:a16="http://schemas.microsoft.com/office/drawing/2014/main" xmlns="" id="{FFF58A14-E24D-2646-87F0-D570B46FC445}"/>
+                <a16:creationId xmlns:a16="http://schemas.microsoft.com/office/drawing/2014/main" id="{FFF58A14-E24D-2646-87F0-D570B46FC445}"/>
               </a:ext>
             </a:extLst>
           </p:cNvPr>
@@ -10672,7 +10754,7 @@
           <p:cNvPr id="66" name="Rubrik 1">
             <a:extLst>
               <a:ext uri="{FF2B5EF4-FFF2-40B4-BE49-F238E27FC236}">
-                <a16:creationId xmlns:a16="http://schemas.microsoft.com/office/drawing/2014/main" xmlns="" id="{3997965E-37C7-4D41-8C47-88DEC7D855AD}"/>
+                <a16:creationId xmlns:a16="http://schemas.microsoft.com/office/drawing/2014/main" id="{3997965E-37C7-4D41-8C47-88DEC7D855AD}"/>
               </a:ext>
             </a:extLst>
           </p:cNvPr>
@@ -10703,23 +10785,23 @@
           </a:lstStyle>
           <a:p>
             <a:r>
-              <a:rPr lang="sv-SE" dirty="0" err="1" smtClean="0"/>
+              <a:rPr lang="sv-SE" dirty="0" err="1"/>
               <a:t>Click</a:t>
             </a:r>
             <a:r>
-              <a:rPr lang="sv-SE" dirty="0" smtClean="0"/>
+              <a:rPr lang="sv-SE" dirty="0"/>
               <a:t> to </a:t>
             </a:r>
             <a:r>
-              <a:rPr lang="sv-SE" dirty="0" err="1" smtClean="0"/>
+              <a:rPr lang="sv-SE" dirty="0" err="1"/>
               <a:t>add</a:t>
             </a:r>
             <a:r>
-              <a:rPr lang="sv-SE" dirty="0" smtClean="0"/>
+              <a:rPr lang="sv-SE" dirty="0"/>
               <a:t> </a:t>
             </a:r>
             <a:r>
-              <a:rPr lang="sv-SE" dirty="0" err="1" smtClean="0"/>
+              <a:rPr lang="sv-SE" dirty="0" err="1"/>
               <a:t>title</a:t>
             </a:r>
             <a:endParaRPr lang="en-GB" dirty="0"/>
@@ -10731,7 +10813,7 @@
           <p:cNvPr id="67" name="Underrubrik 2">
             <a:extLst>
               <a:ext uri="{FF2B5EF4-FFF2-40B4-BE49-F238E27FC236}">
-                <a16:creationId xmlns:a16="http://schemas.microsoft.com/office/drawing/2014/main" xmlns="" id="{BE9565E6-B7A1-5E48-B793-BFB8048C99A9}"/>
+                <a16:creationId xmlns:a16="http://schemas.microsoft.com/office/drawing/2014/main" id="{BE9565E6-B7A1-5E48-B793-BFB8048C99A9}"/>
               </a:ext>
             </a:extLst>
           </p:cNvPr>
@@ -10799,7 +10881,7 @@
           </a:lstStyle>
           <a:p>
             <a:r>
-              <a:rPr lang="en-US" dirty="0" smtClean="0"/>
+              <a:rPr lang="en-US" dirty="0"/>
               <a:t>Click to add subtitle</a:t>
             </a:r>
             <a:endParaRPr lang="en-GB" dirty="0"/>
@@ -10853,7 +10935,7 @@
           <p:cNvPr id="2" name="Rubrik 1">
             <a:extLst>
               <a:ext uri="{FF2B5EF4-FFF2-40B4-BE49-F238E27FC236}">
-                <a16:creationId xmlns:a16="http://schemas.microsoft.com/office/drawing/2014/main" xmlns="" id="{D32C2D5F-EA7C-6946-8E8C-7B84A7CCE148}"/>
+                <a16:creationId xmlns:a16="http://schemas.microsoft.com/office/drawing/2014/main" id="{D32C2D5F-EA7C-6946-8E8C-7B84A7CCE148}"/>
               </a:ext>
             </a:extLst>
           </p:cNvPr>
@@ -10870,7 +10952,7 @@
           <a:lstStyle/>
           <a:p>
             <a:r>
-              <a:rPr lang="en-US" smtClean="0"/>
+              <a:rPr lang="en-US"/>
               <a:t>Click to edit Master title style</a:t>
             </a:r>
             <a:endParaRPr lang="en-GB" dirty="0"/>
@@ -10882,7 +10964,7 @@
           <p:cNvPr id="4" name="Platshållare för datum 3">
             <a:extLst>
               <a:ext uri="{FF2B5EF4-FFF2-40B4-BE49-F238E27FC236}">
-                <a16:creationId xmlns:a16="http://schemas.microsoft.com/office/drawing/2014/main" xmlns="" id="{142A2319-CD13-BE4D-9C63-5A9EBFDCEC17}"/>
+                <a16:creationId xmlns:a16="http://schemas.microsoft.com/office/drawing/2014/main" id="{142A2319-CD13-BE4D-9C63-5A9EBFDCEC17}"/>
               </a:ext>
             </a:extLst>
           </p:cNvPr>
@@ -10900,7 +10982,7 @@
           <a:p>
             <a:fld id="{FB2CF90B-63BC-6544-9FB4-A72410329261}" type="datetime1">
               <a:rPr lang="sv-SE" smtClean="0"/>
-              <a:t>2020-05-27</a:t>
+              <a:t>2020-05-28</a:t>
             </a:fld>
             <a:endParaRPr lang="en-GB" dirty="0"/>
           </a:p>
@@ -10911,7 +10993,7 @@
           <p:cNvPr id="5" name="Platshållare för bildnummer 4">
             <a:extLst>
               <a:ext uri="{FF2B5EF4-FFF2-40B4-BE49-F238E27FC236}">
-                <a16:creationId xmlns:a16="http://schemas.microsoft.com/office/drawing/2014/main" xmlns="" id="{47540BA4-CF98-2846-8D40-8EA647BCD6B5}"/>
+                <a16:creationId xmlns:a16="http://schemas.microsoft.com/office/drawing/2014/main" id="{47540BA4-CF98-2846-8D40-8EA647BCD6B5}"/>
               </a:ext>
             </a:extLst>
           </p:cNvPr>
@@ -10941,7 +11023,7 @@
           <p:cNvPr id="11" name="Platshållare för innehåll 10">
             <a:extLst>
               <a:ext uri="{FF2B5EF4-FFF2-40B4-BE49-F238E27FC236}">
-                <a16:creationId xmlns:a16="http://schemas.microsoft.com/office/drawing/2014/main" xmlns="" id="{C55E1E5B-E1F9-C645-91AF-7753BF8D8EB5}"/>
+                <a16:creationId xmlns:a16="http://schemas.microsoft.com/office/drawing/2014/main" id="{C55E1E5B-E1F9-C645-91AF-7753BF8D8EB5}"/>
               </a:ext>
             </a:extLst>
           </p:cNvPr>
@@ -10980,35 +11062,35 @@
           <a:p>
             <a:pPr lvl="0"/>
             <a:r>
-              <a:rPr lang="en-US" smtClean="0"/>
+              <a:rPr lang="en-US"/>
               <a:t>Edit Master text styles</a:t>
             </a:r>
           </a:p>
           <a:p>
             <a:pPr lvl="1"/>
             <a:r>
-              <a:rPr lang="en-US" smtClean="0"/>
+              <a:rPr lang="en-US"/>
               <a:t>Second level</a:t>
             </a:r>
           </a:p>
           <a:p>
             <a:pPr lvl="2"/>
             <a:r>
-              <a:rPr lang="en-US" smtClean="0"/>
+              <a:rPr lang="en-US"/>
               <a:t>Third level</a:t>
             </a:r>
           </a:p>
           <a:p>
             <a:pPr lvl="3"/>
             <a:r>
-              <a:rPr lang="en-US" smtClean="0"/>
+              <a:rPr lang="en-US"/>
               <a:t>Fourth level</a:t>
             </a:r>
           </a:p>
           <a:p>
             <a:pPr lvl="4"/>
             <a:r>
-              <a:rPr lang="en-US" smtClean="0"/>
+              <a:rPr lang="en-US"/>
               <a:t>Fifth level</a:t>
             </a:r>
             <a:endParaRPr lang="en-GB" dirty="0"/>
@@ -11062,7 +11144,7 @@
           <p:cNvPr id="2" name="Rubrik 1">
             <a:extLst>
               <a:ext uri="{FF2B5EF4-FFF2-40B4-BE49-F238E27FC236}">
-                <a16:creationId xmlns:a16="http://schemas.microsoft.com/office/drawing/2014/main" xmlns="" id="{0AEF5597-77F0-434A-A2AB-0ACCE1CD79EB}"/>
+                <a16:creationId xmlns:a16="http://schemas.microsoft.com/office/drawing/2014/main" id="{0AEF5597-77F0-434A-A2AB-0ACCE1CD79EB}"/>
               </a:ext>
             </a:extLst>
           </p:cNvPr>
@@ -11079,7 +11161,7 @@
           <a:lstStyle/>
           <a:p>
             <a:r>
-              <a:rPr lang="en-US" smtClean="0"/>
+              <a:rPr lang="en-US"/>
               <a:t>Click to edit Master title style</a:t>
             </a:r>
             <a:endParaRPr lang="en-GB" dirty="0"/>
@@ -11091,7 +11173,7 @@
           <p:cNvPr id="4" name="Platshållare för datum 3">
             <a:extLst>
               <a:ext uri="{FF2B5EF4-FFF2-40B4-BE49-F238E27FC236}">
-                <a16:creationId xmlns:a16="http://schemas.microsoft.com/office/drawing/2014/main" xmlns="" id="{D89E2E86-DCB5-5D40-AAC1-7A916712E6F4}"/>
+                <a16:creationId xmlns:a16="http://schemas.microsoft.com/office/drawing/2014/main" id="{D89E2E86-DCB5-5D40-AAC1-7A916712E6F4}"/>
               </a:ext>
             </a:extLst>
           </p:cNvPr>
@@ -11109,7 +11191,7 @@
           <a:p>
             <a:fld id="{BAD82F0C-0E2A-5546-8972-AA94798A63F5}" type="datetime1">
               <a:rPr lang="sv-SE" smtClean="0"/>
-              <a:t>2020-05-27</a:t>
+              <a:t>2020-05-28</a:t>
             </a:fld>
             <a:endParaRPr lang="en-GB" dirty="0"/>
           </a:p>
@@ -11120,7 +11202,7 @@
           <p:cNvPr id="5" name="Platshållare för bildnummer 4">
             <a:extLst>
               <a:ext uri="{FF2B5EF4-FFF2-40B4-BE49-F238E27FC236}">
-                <a16:creationId xmlns:a16="http://schemas.microsoft.com/office/drawing/2014/main" xmlns="" id="{7C89D1DA-CF8E-0D44-9D15-51F737427C71}"/>
+                <a16:creationId xmlns:a16="http://schemas.microsoft.com/office/drawing/2014/main" id="{7C89D1DA-CF8E-0D44-9D15-51F737427C71}"/>
               </a:ext>
             </a:extLst>
           </p:cNvPr>
@@ -11150,7 +11232,7 @@
           <p:cNvPr id="7" name="Platshållare för innehåll 6">
             <a:extLst>
               <a:ext uri="{FF2B5EF4-FFF2-40B4-BE49-F238E27FC236}">
-                <a16:creationId xmlns:a16="http://schemas.microsoft.com/office/drawing/2014/main" xmlns="" id="{6AD6011F-45DB-6648-8334-1B4DC6E8EA92}"/>
+                <a16:creationId xmlns:a16="http://schemas.microsoft.com/office/drawing/2014/main" id="{6AD6011F-45DB-6648-8334-1B4DC6E8EA92}"/>
               </a:ext>
             </a:extLst>
           </p:cNvPr>
@@ -11192,35 +11274,35 @@
           <a:p>
             <a:pPr lvl="0"/>
             <a:r>
-              <a:rPr lang="en-US" smtClean="0"/>
+              <a:rPr lang="en-US"/>
               <a:t>Edit Master text styles</a:t>
             </a:r>
           </a:p>
           <a:p>
             <a:pPr lvl="1"/>
             <a:r>
-              <a:rPr lang="en-US" smtClean="0"/>
+              <a:rPr lang="en-US"/>
               <a:t>Second level</a:t>
             </a:r>
           </a:p>
           <a:p>
             <a:pPr lvl="2"/>
             <a:r>
-              <a:rPr lang="en-US" smtClean="0"/>
+              <a:rPr lang="en-US"/>
               <a:t>Third level</a:t>
             </a:r>
           </a:p>
           <a:p>
             <a:pPr lvl="3"/>
             <a:r>
-              <a:rPr lang="en-US" smtClean="0"/>
+              <a:rPr lang="en-US"/>
               <a:t>Fourth level</a:t>
             </a:r>
           </a:p>
           <a:p>
             <a:pPr lvl="4"/>
             <a:r>
-              <a:rPr lang="en-US" smtClean="0"/>
+              <a:rPr lang="en-US"/>
               <a:t>Fifth level</a:t>
             </a:r>
             <a:endParaRPr lang="en-GB" dirty="0"/>
@@ -11232,7 +11314,7 @@
           <p:cNvPr id="8" name="Platshållare för innehåll 6">
             <a:extLst>
               <a:ext uri="{FF2B5EF4-FFF2-40B4-BE49-F238E27FC236}">
-                <a16:creationId xmlns:a16="http://schemas.microsoft.com/office/drawing/2014/main" xmlns="" id="{E71BD36F-2D19-AD42-B3D6-3BC155EE33A5}"/>
+                <a16:creationId xmlns:a16="http://schemas.microsoft.com/office/drawing/2014/main" id="{E71BD36F-2D19-AD42-B3D6-3BC155EE33A5}"/>
               </a:ext>
             </a:extLst>
           </p:cNvPr>
@@ -11274,35 +11356,35 @@
           <a:p>
             <a:pPr lvl="0"/>
             <a:r>
-              <a:rPr lang="en-US" smtClean="0"/>
+              <a:rPr lang="en-US"/>
               <a:t>Edit Master text styles</a:t>
             </a:r>
           </a:p>
           <a:p>
             <a:pPr lvl="1"/>
             <a:r>
-              <a:rPr lang="en-US" smtClean="0"/>
+              <a:rPr lang="en-US"/>
               <a:t>Second level</a:t>
             </a:r>
           </a:p>
           <a:p>
             <a:pPr lvl="2"/>
             <a:r>
-              <a:rPr lang="en-US" smtClean="0"/>
+              <a:rPr lang="en-US"/>
               <a:t>Third level</a:t>
             </a:r>
           </a:p>
           <a:p>
             <a:pPr lvl="3"/>
             <a:r>
-              <a:rPr lang="en-US" smtClean="0"/>
+              <a:rPr lang="en-US"/>
               <a:t>Fourth level</a:t>
             </a:r>
           </a:p>
           <a:p>
             <a:pPr lvl="4"/>
             <a:r>
-              <a:rPr lang="en-US" smtClean="0"/>
+              <a:rPr lang="en-US"/>
               <a:t>Fifth level</a:t>
             </a:r>
             <a:endParaRPr lang="en-GB" dirty="0"/>
@@ -11356,7 +11438,7 @@
           <p:cNvPr id="2" name="Rubrik 1">
             <a:extLst>
               <a:ext uri="{FF2B5EF4-FFF2-40B4-BE49-F238E27FC236}">
-                <a16:creationId xmlns:a16="http://schemas.microsoft.com/office/drawing/2014/main" xmlns="" id="{0AEF5597-77F0-434A-A2AB-0ACCE1CD79EB}"/>
+                <a16:creationId xmlns:a16="http://schemas.microsoft.com/office/drawing/2014/main" id="{0AEF5597-77F0-434A-A2AB-0ACCE1CD79EB}"/>
               </a:ext>
             </a:extLst>
           </p:cNvPr>
@@ -11373,7 +11455,7 @@
           <a:lstStyle/>
           <a:p>
             <a:r>
-              <a:rPr lang="en-US" smtClean="0"/>
+              <a:rPr lang="en-US"/>
               <a:t>Click to edit Master title style</a:t>
             </a:r>
             <a:endParaRPr lang="en-GB"/>
@@ -11385,7 +11467,7 @@
           <p:cNvPr id="4" name="Platshållare för datum 3">
             <a:extLst>
               <a:ext uri="{FF2B5EF4-FFF2-40B4-BE49-F238E27FC236}">
-                <a16:creationId xmlns:a16="http://schemas.microsoft.com/office/drawing/2014/main" xmlns="" id="{D89E2E86-DCB5-5D40-AAC1-7A916712E6F4}"/>
+                <a16:creationId xmlns:a16="http://schemas.microsoft.com/office/drawing/2014/main" id="{D89E2E86-DCB5-5D40-AAC1-7A916712E6F4}"/>
               </a:ext>
             </a:extLst>
           </p:cNvPr>
@@ -11403,7 +11485,7 @@
           <a:p>
             <a:fld id="{A7A7FA62-242B-154F-BDED-F228A40489AE}" type="datetime1">
               <a:rPr lang="sv-SE" smtClean="0"/>
-              <a:t>2020-05-27</a:t>
+              <a:t>2020-05-28</a:t>
             </a:fld>
             <a:endParaRPr lang="en-GB" dirty="0"/>
           </a:p>
@@ -11414,7 +11496,7 @@
           <p:cNvPr id="5" name="Platshållare för bildnummer 4">
             <a:extLst>
               <a:ext uri="{FF2B5EF4-FFF2-40B4-BE49-F238E27FC236}">
-                <a16:creationId xmlns:a16="http://schemas.microsoft.com/office/drawing/2014/main" xmlns="" id="{7C89D1DA-CF8E-0D44-9D15-51F737427C71}"/>
+                <a16:creationId xmlns:a16="http://schemas.microsoft.com/office/drawing/2014/main" id="{7C89D1DA-CF8E-0D44-9D15-51F737427C71}"/>
               </a:ext>
             </a:extLst>
           </p:cNvPr>
@@ -11444,7 +11526,7 @@
           <p:cNvPr id="7" name="Platshållare för innehåll 6">
             <a:extLst>
               <a:ext uri="{FF2B5EF4-FFF2-40B4-BE49-F238E27FC236}">
-                <a16:creationId xmlns:a16="http://schemas.microsoft.com/office/drawing/2014/main" xmlns="" id="{6AD6011F-45DB-6648-8334-1B4DC6E8EA92}"/>
+                <a16:creationId xmlns:a16="http://schemas.microsoft.com/office/drawing/2014/main" id="{6AD6011F-45DB-6648-8334-1B4DC6E8EA92}"/>
               </a:ext>
             </a:extLst>
           </p:cNvPr>
@@ -11486,35 +11568,35 @@
           <a:p>
             <a:pPr lvl="0"/>
             <a:r>
-              <a:rPr lang="en-US" smtClean="0"/>
+              <a:rPr lang="en-US"/>
               <a:t>Edit Master text styles</a:t>
             </a:r>
           </a:p>
           <a:p>
             <a:pPr lvl="1"/>
             <a:r>
-              <a:rPr lang="en-US" smtClean="0"/>
+              <a:rPr lang="en-US"/>
               <a:t>Second level</a:t>
             </a:r>
           </a:p>
           <a:p>
             <a:pPr lvl="2"/>
             <a:r>
-              <a:rPr lang="en-US" smtClean="0"/>
+              <a:rPr lang="en-US"/>
               <a:t>Third level</a:t>
             </a:r>
           </a:p>
           <a:p>
             <a:pPr lvl="3"/>
             <a:r>
-              <a:rPr lang="en-US" smtClean="0"/>
+              <a:rPr lang="en-US"/>
               <a:t>Fourth level</a:t>
             </a:r>
           </a:p>
           <a:p>
             <a:pPr lvl="4"/>
             <a:r>
-              <a:rPr lang="en-US" smtClean="0"/>
+              <a:rPr lang="en-US"/>
               <a:t>Fifth level</a:t>
             </a:r>
             <a:endParaRPr lang="en-GB" dirty="0"/>
@@ -11526,7 +11608,7 @@
           <p:cNvPr id="8" name="Platshållare för innehåll 6">
             <a:extLst>
               <a:ext uri="{FF2B5EF4-FFF2-40B4-BE49-F238E27FC236}">
-                <a16:creationId xmlns:a16="http://schemas.microsoft.com/office/drawing/2014/main" xmlns="" id="{E71BD36F-2D19-AD42-B3D6-3BC155EE33A5}"/>
+                <a16:creationId xmlns:a16="http://schemas.microsoft.com/office/drawing/2014/main" id="{E71BD36F-2D19-AD42-B3D6-3BC155EE33A5}"/>
               </a:ext>
             </a:extLst>
           </p:cNvPr>
@@ -11568,35 +11650,35 @@
           <a:p>
             <a:pPr lvl="0"/>
             <a:r>
-              <a:rPr lang="en-US" smtClean="0"/>
+              <a:rPr lang="en-US"/>
               <a:t>Edit Master text styles</a:t>
             </a:r>
           </a:p>
           <a:p>
             <a:pPr lvl="1"/>
             <a:r>
-              <a:rPr lang="en-US" smtClean="0"/>
+              <a:rPr lang="en-US"/>
               <a:t>Second level</a:t>
             </a:r>
           </a:p>
           <a:p>
             <a:pPr lvl="2"/>
             <a:r>
-              <a:rPr lang="en-US" smtClean="0"/>
+              <a:rPr lang="en-US"/>
               <a:t>Third level</a:t>
             </a:r>
           </a:p>
           <a:p>
             <a:pPr lvl="3"/>
             <a:r>
-              <a:rPr lang="en-US" smtClean="0"/>
+              <a:rPr lang="en-US"/>
               <a:t>Fourth level</a:t>
             </a:r>
           </a:p>
           <a:p>
             <a:pPr lvl="4"/>
             <a:r>
-              <a:rPr lang="en-US" smtClean="0"/>
+              <a:rPr lang="en-US"/>
               <a:t>Fifth level</a:t>
             </a:r>
             <a:endParaRPr lang="en-GB" dirty="0"/>
@@ -11608,7 +11690,7 @@
           <p:cNvPr id="9" name="Platshållare för text 2">
             <a:extLst>
               <a:ext uri="{FF2B5EF4-FFF2-40B4-BE49-F238E27FC236}">
-                <a16:creationId xmlns:a16="http://schemas.microsoft.com/office/drawing/2014/main" xmlns="" id="{5036AF80-4CD2-454D-A2BD-8376F1D80549}"/>
+                <a16:creationId xmlns:a16="http://schemas.microsoft.com/office/drawing/2014/main" id="{5036AF80-4CD2-454D-A2BD-8376F1D80549}"/>
               </a:ext>
             </a:extLst>
           </p:cNvPr>
@@ -11674,7 +11756,7 @@
           <a:p>
             <a:pPr lvl="0"/>
             <a:r>
-              <a:rPr lang="en-US" dirty="0" smtClean="0"/>
+              <a:rPr lang="en-US" dirty="0"/>
               <a:t>Edit Master text styles</a:t>
             </a:r>
           </a:p>
@@ -11685,7 +11767,7 @@
           <p:cNvPr id="10" name="Platshållare för text 4">
             <a:extLst>
               <a:ext uri="{FF2B5EF4-FFF2-40B4-BE49-F238E27FC236}">
-                <a16:creationId xmlns:a16="http://schemas.microsoft.com/office/drawing/2014/main" xmlns="" id="{BD1EFFC8-506E-5A4A-B12B-1ED4D1958FC5}"/>
+                <a16:creationId xmlns:a16="http://schemas.microsoft.com/office/drawing/2014/main" id="{BD1EFFC8-506E-5A4A-B12B-1ED4D1958FC5}"/>
               </a:ext>
             </a:extLst>
           </p:cNvPr>
@@ -11751,7 +11833,7 @@
           <a:p>
             <a:pPr lvl="0"/>
             <a:r>
-              <a:rPr lang="en-US" smtClean="0"/>
+              <a:rPr lang="en-US"/>
               <a:t>Edit Master text styles</a:t>
             </a:r>
           </a:p>
@@ -11804,7 +11886,7 @@
           <p:cNvPr id="2" name="Rubrik 1">
             <a:extLst>
               <a:ext uri="{FF2B5EF4-FFF2-40B4-BE49-F238E27FC236}">
-                <a16:creationId xmlns:a16="http://schemas.microsoft.com/office/drawing/2014/main" xmlns="" id="{F99213F7-29AE-3348-BA14-276452F17522}"/>
+                <a16:creationId xmlns:a16="http://schemas.microsoft.com/office/drawing/2014/main" id="{F99213F7-29AE-3348-BA14-276452F17522}"/>
               </a:ext>
             </a:extLst>
           </p:cNvPr>
@@ -11821,7 +11903,7 @@
           <a:lstStyle/>
           <a:p>
             <a:r>
-              <a:rPr lang="en-US" smtClean="0"/>
+              <a:rPr lang="en-US"/>
               <a:t>Click to edit Master title style</a:t>
             </a:r>
             <a:endParaRPr lang="en-GB"/>
@@ -11833,7 +11915,7 @@
           <p:cNvPr id="4" name="Platshållare för datum 3">
             <a:extLst>
               <a:ext uri="{FF2B5EF4-FFF2-40B4-BE49-F238E27FC236}">
-                <a16:creationId xmlns:a16="http://schemas.microsoft.com/office/drawing/2014/main" xmlns="" id="{DEE58744-88EE-9F48-B53F-195692071B89}"/>
+                <a16:creationId xmlns:a16="http://schemas.microsoft.com/office/drawing/2014/main" id="{DEE58744-88EE-9F48-B53F-195692071B89}"/>
               </a:ext>
             </a:extLst>
           </p:cNvPr>
@@ -11851,7 +11933,7 @@
           <a:p>
             <a:fld id="{0D45677C-6021-4B4B-8D00-4AA6DB0D4902}" type="datetime1">
               <a:rPr lang="sv-SE" smtClean="0"/>
-              <a:t>2020-05-27</a:t>
+              <a:t>2020-05-28</a:t>
             </a:fld>
             <a:endParaRPr lang="en-GB" dirty="0"/>
           </a:p>
@@ -11862,7 +11944,7 @@
           <p:cNvPr id="5" name="Platshållare för bildnummer 4">
             <a:extLst>
               <a:ext uri="{FF2B5EF4-FFF2-40B4-BE49-F238E27FC236}">
-                <a16:creationId xmlns:a16="http://schemas.microsoft.com/office/drawing/2014/main" xmlns="" id="{12052B00-675E-0049-A5DB-D785D6290EF5}"/>
+                <a16:creationId xmlns:a16="http://schemas.microsoft.com/office/drawing/2014/main" id="{12052B00-675E-0049-A5DB-D785D6290EF5}"/>
               </a:ext>
             </a:extLst>
           </p:cNvPr>
@@ -11892,7 +11974,7 @@
           <p:cNvPr id="7" name="Platshållare för bild 6">
             <a:extLst>
               <a:ext uri="{FF2B5EF4-FFF2-40B4-BE49-F238E27FC236}">
-                <a16:creationId xmlns:a16="http://schemas.microsoft.com/office/drawing/2014/main" xmlns="" id="{4CD2FD66-7FAA-AE47-8A10-92EF24064E28}"/>
+                <a16:creationId xmlns:a16="http://schemas.microsoft.com/office/drawing/2014/main" id="{4CD2FD66-7FAA-AE47-8A10-92EF24064E28}"/>
               </a:ext>
             </a:extLst>
           </p:cNvPr>
@@ -11919,7 +12001,7 @@
           </a:lstStyle>
           <a:p>
             <a:r>
-              <a:rPr lang="en-US" smtClean="0"/>
+              <a:rPr lang="en-US"/>
               <a:t>Click icon to add picture</a:t>
             </a:r>
             <a:endParaRPr lang="en-GB" dirty="0"/>
@@ -11973,7 +12055,7 @@
           <p:cNvPr id="2" name="Rubrik 1">
             <a:extLst>
               <a:ext uri="{FF2B5EF4-FFF2-40B4-BE49-F238E27FC236}">
-                <a16:creationId xmlns:a16="http://schemas.microsoft.com/office/drawing/2014/main" xmlns="" id="{F99213F7-29AE-3348-BA14-276452F17522}"/>
+                <a16:creationId xmlns:a16="http://schemas.microsoft.com/office/drawing/2014/main" id="{F99213F7-29AE-3348-BA14-276452F17522}"/>
               </a:ext>
             </a:extLst>
           </p:cNvPr>
@@ -11990,7 +12072,7 @@
           <a:lstStyle/>
           <a:p>
             <a:r>
-              <a:rPr lang="en-US" smtClean="0"/>
+              <a:rPr lang="en-US"/>
               <a:t>Click to edit Master title style</a:t>
             </a:r>
             <a:endParaRPr lang="en-GB"/>
@@ -12002,7 +12084,7 @@
           <p:cNvPr id="4" name="Platshållare för datum 3">
             <a:extLst>
               <a:ext uri="{FF2B5EF4-FFF2-40B4-BE49-F238E27FC236}">
-                <a16:creationId xmlns:a16="http://schemas.microsoft.com/office/drawing/2014/main" xmlns="" id="{DEE58744-88EE-9F48-B53F-195692071B89}"/>
+                <a16:creationId xmlns:a16="http://schemas.microsoft.com/office/drawing/2014/main" id="{DEE58744-88EE-9F48-B53F-195692071B89}"/>
               </a:ext>
             </a:extLst>
           </p:cNvPr>
@@ -12020,7 +12102,7 @@
           <a:p>
             <a:fld id="{141755ED-D54E-694B-A391-7B1A4BC3BA77}" type="datetime1">
               <a:rPr lang="sv-SE" smtClean="0"/>
-              <a:t>2020-05-27</a:t>
+              <a:t>2020-05-28</a:t>
             </a:fld>
             <a:endParaRPr lang="en-GB" dirty="0"/>
           </a:p>
@@ -12031,7 +12113,7 @@
           <p:cNvPr id="5" name="Platshållare för bildnummer 4">
             <a:extLst>
               <a:ext uri="{FF2B5EF4-FFF2-40B4-BE49-F238E27FC236}">
-                <a16:creationId xmlns:a16="http://schemas.microsoft.com/office/drawing/2014/main" xmlns="" id="{12052B00-675E-0049-A5DB-D785D6290EF5}"/>
+                <a16:creationId xmlns:a16="http://schemas.microsoft.com/office/drawing/2014/main" id="{12052B00-675E-0049-A5DB-D785D6290EF5}"/>
               </a:ext>
             </a:extLst>
           </p:cNvPr>
@@ -12061,7 +12143,7 @@
           <p:cNvPr id="7" name="Platshållare för bild 6">
             <a:extLst>
               <a:ext uri="{FF2B5EF4-FFF2-40B4-BE49-F238E27FC236}">
-                <a16:creationId xmlns:a16="http://schemas.microsoft.com/office/drawing/2014/main" xmlns="" id="{4CD2FD66-7FAA-AE47-8A10-92EF24064E28}"/>
+                <a16:creationId xmlns:a16="http://schemas.microsoft.com/office/drawing/2014/main" id="{4CD2FD66-7FAA-AE47-8A10-92EF24064E28}"/>
               </a:ext>
             </a:extLst>
           </p:cNvPr>
@@ -12088,7 +12170,7 @@
           </a:lstStyle>
           <a:p>
             <a:r>
-              <a:rPr lang="en-US" smtClean="0"/>
+              <a:rPr lang="en-US"/>
               <a:t>Click icon to add picture</a:t>
             </a:r>
             <a:endParaRPr lang="en-GB" dirty="0"/>
@@ -12100,7 +12182,7 @@
           <p:cNvPr id="8" name="Platshållare för bild 6">
             <a:extLst>
               <a:ext uri="{FF2B5EF4-FFF2-40B4-BE49-F238E27FC236}">
-                <a16:creationId xmlns:a16="http://schemas.microsoft.com/office/drawing/2014/main" xmlns="" id="{F471D766-023C-E042-B60C-5AA70DCA1212}"/>
+                <a16:creationId xmlns:a16="http://schemas.microsoft.com/office/drawing/2014/main" id="{F471D766-023C-E042-B60C-5AA70DCA1212}"/>
               </a:ext>
             </a:extLst>
           </p:cNvPr>
@@ -12127,7 +12209,7 @@
           </a:lstStyle>
           <a:p>
             <a:r>
-              <a:rPr lang="en-US" smtClean="0"/>
+              <a:rPr lang="en-US"/>
               <a:t>Click icon to add picture</a:t>
             </a:r>
             <a:endParaRPr lang="en-GB" dirty="0"/>
@@ -12181,7 +12263,7 @@
           <p:cNvPr id="2" name="Rubrik 1">
             <a:extLst>
               <a:ext uri="{FF2B5EF4-FFF2-40B4-BE49-F238E27FC236}">
-                <a16:creationId xmlns:a16="http://schemas.microsoft.com/office/drawing/2014/main" xmlns="" id="{106286D3-8649-524C-AC90-FF2F69102F70}"/>
+                <a16:creationId xmlns:a16="http://schemas.microsoft.com/office/drawing/2014/main" id="{106286D3-8649-524C-AC90-FF2F69102F70}"/>
               </a:ext>
             </a:extLst>
           </p:cNvPr>
@@ -12198,7 +12280,7 @@
           <a:lstStyle/>
           <a:p>
             <a:r>
-              <a:rPr lang="en-US" smtClean="0"/>
+              <a:rPr lang="en-US"/>
               <a:t>Click to edit Master title style</a:t>
             </a:r>
             <a:endParaRPr lang="en-GB" dirty="0"/>
@@ -12210,7 +12292,7 @@
           <p:cNvPr id="4" name="Platshållare för datum 3">
             <a:extLst>
               <a:ext uri="{FF2B5EF4-FFF2-40B4-BE49-F238E27FC236}">
-                <a16:creationId xmlns:a16="http://schemas.microsoft.com/office/drawing/2014/main" xmlns="" id="{EE417B25-3466-4D4E-9932-2BC6E1D868B5}"/>
+                <a16:creationId xmlns:a16="http://schemas.microsoft.com/office/drawing/2014/main" id="{EE417B25-3466-4D4E-9932-2BC6E1D868B5}"/>
               </a:ext>
             </a:extLst>
           </p:cNvPr>
@@ -12228,7 +12310,7 @@
           <a:p>
             <a:fld id="{C55EB1E9-4E18-5549-8E17-04A05D374244}" type="datetime1">
               <a:rPr lang="sv-SE" smtClean="0"/>
-              <a:t>2020-05-27</a:t>
+              <a:t>2020-05-28</a:t>
             </a:fld>
             <a:endParaRPr lang="en-GB" dirty="0"/>
           </a:p>
@@ -12239,7 +12321,7 @@
           <p:cNvPr id="5" name="Platshållare för bildnummer 4">
             <a:extLst>
               <a:ext uri="{FF2B5EF4-FFF2-40B4-BE49-F238E27FC236}">
-                <a16:creationId xmlns:a16="http://schemas.microsoft.com/office/drawing/2014/main" xmlns="" id="{31573EF2-0F29-FC4E-8D8C-6C9A6BED7D41}"/>
+                <a16:creationId xmlns:a16="http://schemas.microsoft.com/office/drawing/2014/main" id="{31573EF2-0F29-FC4E-8D8C-6C9A6BED7D41}"/>
               </a:ext>
             </a:extLst>
           </p:cNvPr>
@@ -12319,7 +12401,7 @@
           <p:cNvPr id="16" name="Grupp 15">
             <a:extLst>
               <a:ext uri="{FF2B5EF4-FFF2-40B4-BE49-F238E27FC236}">
-                <a16:creationId xmlns:a16="http://schemas.microsoft.com/office/drawing/2014/main" xmlns="" id="{8FC9BCA9-8112-B140-ADE9-6824270029CC}"/>
+                <a16:creationId xmlns:a16="http://schemas.microsoft.com/office/drawing/2014/main" id="{8FC9BCA9-8112-B140-ADE9-6824270029CC}"/>
               </a:ext>
             </a:extLst>
           </p:cNvPr>
@@ -12340,7 +12422,7 @@
             <p:cNvPr id="17" name="Picture 2">
               <a:extLst>
                 <a:ext uri="{FF2B5EF4-FFF2-40B4-BE49-F238E27FC236}">
-                  <a16:creationId xmlns:a16="http://schemas.microsoft.com/office/drawing/2014/main" xmlns="" id="{5CC0A999-4F7B-8C4E-8149-C4EAA0A4A500}"/>
+                  <a16:creationId xmlns:a16="http://schemas.microsoft.com/office/drawing/2014/main" id="{5CC0A999-4F7B-8C4E-8149-C4EAA0A4A500}"/>
                 </a:ext>
               </a:extLst>
             </p:cNvPr>
@@ -12393,7 +12475,7 @@
             <p:cNvPr id="18" name="Grupp 17">
               <a:extLst>
                 <a:ext uri="{FF2B5EF4-FFF2-40B4-BE49-F238E27FC236}">
-                  <a16:creationId xmlns:a16="http://schemas.microsoft.com/office/drawing/2014/main" xmlns="" id="{69D53D63-D667-E84D-A90C-8D11EC9E4B53}"/>
+                  <a16:creationId xmlns:a16="http://schemas.microsoft.com/office/drawing/2014/main" id="{69D53D63-D667-E84D-A90C-8D11EC9E4B53}"/>
                 </a:ext>
               </a:extLst>
             </p:cNvPr>
@@ -12416,7 +12498,7 @@
               <p:cNvPr id="55" name="Rektangel 54">
                 <a:extLst>
                   <a:ext uri="{FF2B5EF4-FFF2-40B4-BE49-F238E27FC236}">
-                    <a16:creationId xmlns:a16="http://schemas.microsoft.com/office/drawing/2014/main" xmlns="" id="{9B6D8BC4-515D-A14B-BF16-35FC559D15C0}"/>
+                    <a16:creationId xmlns:a16="http://schemas.microsoft.com/office/drawing/2014/main" id="{9B6D8BC4-515D-A14B-BF16-35FC559D15C0}"/>
                   </a:ext>
                 </a:extLst>
               </p:cNvPr>
@@ -12466,7 +12548,7 @@
               <p:cNvPr id="56" name="Rektangel 55">
                 <a:extLst>
                   <a:ext uri="{FF2B5EF4-FFF2-40B4-BE49-F238E27FC236}">
-                    <a16:creationId xmlns:a16="http://schemas.microsoft.com/office/drawing/2014/main" xmlns="" id="{6A8074B4-32D4-7D4D-99B1-C1E5BCA4C294}"/>
+                    <a16:creationId xmlns:a16="http://schemas.microsoft.com/office/drawing/2014/main" id="{6A8074B4-32D4-7D4D-99B1-C1E5BCA4C294}"/>
                   </a:ext>
                 </a:extLst>
               </p:cNvPr>
@@ -12516,7 +12598,7 @@
               <p:cNvPr id="57" name="Rektangel 56">
                 <a:extLst>
                   <a:ext uri="{FF2B5EF4-FFF2-40B4-BE49-F238E27FC236}">
-                    <a16:creationId xmlns:a16="http://schemas.microsoft.com/office/drawing/2014/main" xmlns="" id="{5DF1CC6E-E23D-7846-B935-B6D685DE5D3F}"/>
+                    <a16:creationId xmlns:a16="http://schemas.microsoft.com/office/drawing/2014/main" id="{5DF1CC6E-E23D-7846-B935-B6D685DE5D3F}"/>
                   </a:ext>
                 </a:extLst>
               </p:cNvPr>
@@ -12566,7 +12648,7 @@
               <p:cNvPr id="58" name="Rektangel 57">
                 <a:extLst>
                   <a:ext uri="{FF2B5EF4-FFF2-40B4-BE49-F238E27FC236}">
-                    <a16:creationId xmlns:a16="http://schemas.microsoft.com/office/drawing/2014/main" xmlns="" id="{E0344D03-8FC1-6B4D-BBDE-3DAE45779BC4}"/>
+                    <a16:creationId xmlns:a16="http://schemas.microsoft.com/office/drawing/2014/main" id="{E0344D03-8FC1-6B4D-BBDE-3DAE45779BC4}"/>
                   </a:ext>
                 </a:extLst>
               </p:cNvPr>
@@ -12616,7 +12698,7 @@
               <p:cNvPr id="59" name="Rektangel 58">
                 <a:extLst>
                   <a:ext uri="{FF2B5EF4-FFF2-40B4-BE49-F238E27FC236}">
-                    <a16:creationId xmlns:a16="http://schemas.microsoft.com/office/drawing/2014/main" xmlns="" id="{1ADEEFC8-FFFE-B543-9D4F-F5E7FFED0956}"/>
+                    <a16:creationId xmlns:a16="http://schemas.microsoft.com/office/drawing/2014/main" id="{1ADEEFC8-FFFE-B543-9D4F-F5E7FFED0956}"/>
                   </a:ext>
                 </a:extLst>
               </p:cNvPr>
@@ -12666,7 +12748,7 @@
               <p:cNvPr id="60" name="Rektangel 59">
                 <a:extLst>
                   <a:ext uri="{FF2B5EF4-FFF2-40B4-BE49-F238E27FC236}">
-                    <a16:creationId xmlns:a16="http://schemas.microsoft.com/office/drawing/2014/main" xmlns="" id="{F8D556CD-9A22-3549-83E4-AC3754C40CA8}"/>
+                    <a16:creationId xmlns:a16="http://schemas.microsoft.com/office/drawing/2014/main" id="{F8D556CD-9A22-3549-83E4-AC3754C40CA8}"/>
                   </a:ext>
                 </a:extLst>
               </p:cNvPr>
@@ -12716,7 +12798,7 @@
               <p:cNvPr id="61" name="Rektangel 60">
                 <a:extLst>
                   <a:ext uri="{FF2B5EF4-FFF2-40B4-BE49-F238E27FC236}">
-                    <a16:creationId xmlns:a16="http://schemas.microsoft.com/office/drawing/2014/main" xmlns="" id="{483B93B1-26EF-844F-BD73-0AB10B74D5DE}"/>
+                    <a16:creationId xmlns:a16="http://schemas.microsoft.com/office/drawing/2014/main" id="{483B93B1-26EF-844F-BD73-0AB10B74D5DE}"/>
                   </a:ext>
                 </a:extLst>
               </p:cNvPr>
@@ -12766,7 +12848,7 @@
               <p:cNvPr id="62" name="Rektangel 61">
                 <a:extLst>
                   <a:ext uri="{FF2B5EF4-FFF2-40B4-BE49-F238E27FC236}">
-                    <a16:creationId xmlns:a16="http://schemas.microsoft.com/office/drawing/2014/main" xmlns="" id="{54D47BB5-122C-2748-A219-5604D6DB5EAD}"/>
+                    <a16:creationId xmlns:a16="http://schemas.microsoft.com/office/drawing/2014/main" id="{54D47BB5-122C-2748-A219-5604D6DB5EAD}"/>
                   </a:ext>
                 </a:extLst>
               </p:cNvPr>
@@ -12816,7 +12898,7 @@
               <p:cNvPr id="63" name="Rektangel 62">
                 <a:extLst>
                   <a:ext uri="{FF2B5EF4-FFF2-40B4-BE49-F238E27FC236}">
-                    <a16:creationId xmlns:a16="http://schemas.microsoft.com/office/drawing/2014/main" xmlns="" id="{39F3589B-0BFD-5640-9CF3-FAF5F7063F1A}"/>
+                    <a16:creationId xmlns:a16="http://schemas.microsoft.com/office/drawing/2014/main" id="{39F3589B-0BFD-5640-9CF3-FAF5F7063F1A}"/>
                   </a:ext>
                 </a:extLst>
               </p:cNvPr>
@@ -12867,7 +12949,7 @@
             <p:cNvPr id="19" name="Grupp 18">
               <a:extLst>
                 <a:ext uri="{FF2B5EF4-FFF2-40B4-BE49-F238E27FC236}">
-                  <a16:creationId xmlns:a16="http://schemas.microsoft.com/office/drawing/2014/main" xmlns="" id="{BFB3C6E5-14B8-784E-8FB1-95AADD256478}"/>
+                  <a16:creationId xmlns:a16="http://schemas.microsoft.com/office/drawing/2014/main" id="{BFB3C6E5-14B8-784E-8FB1-95AADD256478}"/>
                 </a:ext>
               </a:extLst>
             </p:cNvPr>
@@ -12890,7 +12972,7 @@
               <p:cNvPr id="46" name="Rektangel 45">
                 <a:extLst>
                   <a:ext uri="{FF2B5EF4-FFF2-40B4-BE49-F238E27FC236}">
-                    <a16:creationId xmlns:a16="http://schemas.microsoft.com/office/drawing/2014/main" xmlns="" id="{8FF3B2D3-7968-8841-B69E-C92F6F383163}"/>
+                    <a16:creationId xmlns:a16="http://schemas.microsoft.com/office/drawing/2014/main" id="{8FF3B2D3-7968-8841-B69E-C92F6F383163}"/>
                   </a:ext>
                 </a:extLst>
               </p:cNvPr>
@@ -12940,7 +13022,7 @@
               <p:cNvPr id="47" name="Rektangel 46">
                 <a:extLst>
                   <a:ext uri="{FF2B5EF4-FFF2-40B4-BE49-F238E27FC236}">
-                    <a16:creationId xmlns:a16="http://schemas.microsoft.com/office/drawing/2014/main" xmlns="" id="{9C6FD4FD-051C-7D44-A009-64B5F0CF97F5}"/>
+                    <a16:creationId xmlns:a16="http://schemas.microsoft.com/office/drawing/2014/main" id="{9C6FD4FD-051C-7D44-A009-64B5F0CF97F5}"/>
                   </a:ext>
                 </a:extLst>
               </p:cNvPr>
@@ -12990,7 +13072,7 @@
               <p:cNvPr id="48" name="Rektangel 47">
                 <a:extLst>
                   <a:ext uri="{FF2B5EF4-FFF2-40B4-BE49-F238E27FC236}">
-                    <a16:creationId xmlns:a16="http://schemas.microsoft.com/office/drawing/2014/main" xmlns="" id="{D122B4FC-27BC-B84C-9081-BA4D2B8110D6}"/>
+                    <a16:creationId xmlns:a16="http://schemas.microsoft.com/office/drawing/2014/main" id="{D122B4FC-27BC-B84C-9081-BA4D2B8110D6}"/>
                   </a:ext>
                 </a:extLst>
               </p:cNvPr>
@@ -13040,7 +13122,7 @@
               <p:cNvPr id="49" name="Rektangel 48">
                 <a:extLst>
                   <a:ext uri="{FF2B5EF4-FFF2-40B4-BE49-F238E27FC236}">
-                    <a16:creationId xmlns:a16="http://schemas.microsoft.com/office/drawing/2014/main" xmlns="" id="{C2B70FAB-C9FA-2A44-9029-57E8DB422861}"/>
+                    <a16:creationId xmlns:a16="http://schemas.microsoft.com/office/drawing/2014/main" id="{C2B70FAB-C9FA-2A44-9029-57E8DB422861}"/>
                   </a:ext>
                 </a:extLst>
               </p:cNvPr>
@@ -13090,7 +13172,7 @@
               <p:cNvPr id="50" name="Rektangel 49">
                 <a:extLst>
                   <a:ext uri="{FF2B5EF4-FFF2-40B4-BE49-F238E27FC236}">
-                    <a16:creationId xmlns:a16="http://schemas.microsoft.com/office/drawing/2014/main" xmlns="" id="{A5278468-9F40-3949-88D4-236CB2B2ABC3}"/>
+                    <a16:creationId xmlns:a16="http://schemas.microsoft.com/office/drawing/2014/main" id="{A5278468-9F40-3949-88D4-236CB2B2ABC3}"/>
                   </a:ext>
                 </a:extLst>
               </p:cNvPr>
@@ -13140,7 +13222,7 @@
               <p:cNvPr id="51" name="Rektangel 50">
                 <a:extLst>
                   <a:ext uri="{FF2B5EF4-FFF2-40B4-BE49-F238E27FC236}">
-                    <a16:creationId xmlns:a16="http://schemas.microsoft.com/office/drawing/2014/main" xmlns="" id="{14A7F17F-2E72-7B46-9CD0-02CCB8739BB5}"/>
+                    <a16:creationId xmlns:a16="http://schemas.microsoft.com/office/drawing/2014/main" id="{14A7F17F-2E72-7B46-9CD0-02CCB8739BB5}"/>
                   </a:ext>
                 </a:extLst>
               </p:cNvPr>
@@ -13190,7 +13272,7 @@
               <p:cNvPr id="52" name="Rektangel 51">
                 <a:extLst>
                   <a:ext uri="{FF2B5EF4-FFF2-40B4-BE49-F238E27FC236}">
-                    <a16:creationId xmlns:a16="http://schemas.microsoft.com/office/drawing/2014/main" xmlns="" id="{93801361-770D-6F40-89DC-EB545DDB8AFF}"/>
+                    <a16:creationId xmlns:a16="http://schemas.microsoft.com/office/drawing/2014/main" id="{93801361-770D-6F40-89DC-EB545DDB8AFF}"/>
                   </a:ext>
                 </a:extLst>
               </p:cNvPr>
@@ -13240,7 +13322,7 @@
               <p:cNvPr id="53" name="Rektangel 52">
                 <a:extLst>
                   <a:ext uri="{FF2B5EF4-FFF2-40B4-BE49-F238E27FC236}">
-                    <a16:creationId xmlns:a16="http://schemas.microsoft.com/office/drawing/2014/main" xmlns="" id="{08944139-F9F3-7943-BCEB-BE4B04164A28}"/>
+                    <a16:creationId xmlns:a16="http://schemas.microsoft.com/office/drawing/2014/main" id="{08944139-F9F3-7943-BCEB-BE4B04164A28}"/>
                   </a:ext>
                 </a:extLst>
               </p:cNvPr>
@@ -13290,7 +13372,7 @@
               <p:cNvPr id="54" name="Rektangel 53">
                 <a:extLst>
                   <a:ext uri="{FF2B5EF4-FFF2-40B4-BE49-F238E27FC236}">
-                    <a16:creationId xmlns:a16="http://schemas.microsoft.com/office/drawing/2014/main" xmlns="" id="{3A4FBAF0-741B-2149-90C7-535640089BF3}"/>
+                    <a16:creationId xmlns:a16="http://schemas.microsoft.com/office/drawing/2014/main" id="{3A4FBAF0-741B-2149-90C7-535640089BF3}"/>
                   </a:ext>
                 </a:extLst>
               </p:cNvPr>
@@ -13341,7 +13423,7 @@
             <p:cNvPr id="20" name="Grupp 19">
               <a:extLst>
                 <a:ext uri="{FF2B5EF4-FFF2-40B4-BE49-F238E27FC236}">
-                  <a16:creationId xmlns:a16="http://schemas.microsoft.com/office/drawing/2014/main" xmlns="" id="{58807A2E-9697-D74B-98B0-162AE365508C}"/>
+                  <a16:creationId xmlns:a16="http://schemas.microsoft.com/office/drawing/2014/main" id="{58807A2E-9697-D74B-98B0-162AE365508C}"/>
                 </a:ext>
               </a:extLst>
             </p:cNvPr>
@@ -13364,7 +13446,7 @@
               <p:cNvPr id="37" name="Rektangel 36">
                 <a:extLst>
                   <a:ext uri="{FF2B5EF4-FFF2-40B4-BE49-F238E27FC236}">
-                    <a16:creationId xmlns:a16="http://schemas.microsoft.com/office/drawing/2014/main" xmlns="" id="{81418C15-36C2-3E44-A14C-7074CE448558}"/>
+                    <a16:creationId xmlns:a16="http://schemas.microsoft.com/office/drawing/2014/main" id="{81418C15-36C2-3E44-A14C-7074CE448558}"/>
                   </a:ext>
                 </a:extLst>
               </p:cNvPr>
@@ -13414,7 +13496,7 @@
               <p:cNvPr id="38" name="Rektangel 37">
                 <a:extLst>
                   <a:ext uri="{FF2B5EF4-FFF2-40B4-BE49-F238E27FC236}">
-                    <a16:creationId xmlns:a16="http://schemas.microsoft.com/office/drawing/2014/main" xmlns="" id="{44833AF8-4999-7D4F-AE3B-8B0F9A33DFDF}"/>
+                    <a16:creationId xmlns:a16="http://schemas.microsoft.com/office/drawing/2014/main" id="{44833AF8-4999-7D4F-AE3B-8B0F9A33DFDF}"/>
                   </a:ext>
                 </a:extLst>
               </p:cNvPr>
@@ -13464,7 +13546,7 @@
               <p:cNvPr id="39" name="Rektangel 38">
                 <a:extLst>
                   <a:ext uri="{FF2B5EF4-FFF2-40B4-BE49-F238E27FC236}">
-                    <a16:creationId xmlns:a16="http://schemas.microsoft.com/office/drawing/2014/main" xmlns="" id="{FF4139E5-A452-9845-824A-43F6502DE50C}"/>
+                    <a16:creationId xmlns:a16="http://schemas.microsoft.com/office/drawing/2014/main" id="{FF4139E5-A452-9845-824A-43F6502DE50C}"/>
                   </a:ext>
                 </a:extLst>
               </p:cNvPr>
@@ -13514,7 +13596,7 @@
               <p:cNvPr id="40" name="Rektangel 39">
                 <a:extLst>
                   <a:ext uri="{FF2B5EF4-FFF2-40B4-BE49-F238E27FC236}">
-                    <a16:creationId xmlns:a16="http://schemas.microsoft.com/office/drawing/2014/main" xmlns="" id="{183BB7F3-8509-4B45-9508-7FA6F428C163}"/>
+                    <a16:creationId xmlns:a16="http://schemas.microsoft.com/office/drawing/2014/main" id="{183BB7F3-8509-4B45-9508-7FA6F428C163}"/>
                   </a:ext>
                 </a:extLst>
               </p:cNvPr>
@@ -13564,7 +13646,7 @@
               <p:cNvPr id="41" name="Rektangel 40">
                 <a:extLst>
                   <a:ext uri="{FF2B5EF4-FFF2-40B4-BE49-F238E27FC236}">
-                    <a16:creationId xmlns:a16="http://schemas.microsoft.com/office/drawing/2014/main" xmlns="" id="{DE036BB2-A884-814F-B716-7468FF3E1938}"/>
+                    <a16:creationId xmlns:a16="http://schemas.microsoft.com/office/drawing/2014/main" id="{DE036BB2-A884-814F-B716-7468FF3E1938}"/>
                   </a:ext>
                 </a:extLst>
               </p:cNvPr>
@@ -13614,7 +13696,7 @@
               <p:cNvPr id="42" name="Rektangel 41">
                 <a:extLst>
                   <a:ext uri="{FF2B5EF4-FFF2-40B4-BE49-F238E27FC236}">
-                    <a16:creationId xmlns:a16="http://schemas.microsoft.com/office/drawing/2014/main" xmlns="" id="{8C10D231-9633-4D40-8745-05CD67ACEB58}"/>
+                    <a16:creationId xmlns:a16="http://schemas.microsoft.com/office/drawing/2014/main" id="{8C10D231-9633-4D40-8745-05CD67ACEB58}"/>
                   </a:ext>
                 </a:extLst>
               </p:cNvPr>
@@ -13664,7 +13746,7 @@
               <p:cNvPr id="43" name="Rektangel 42">
                 <a:extLst>
                   <a:ext uri="{FF2B5EF4-FFF2-40B4-BE49-F238E27FC236}">
-                    <a16:creationId xmlns:a16="http://schemas.microsoft.com/office/drawing/2014/main" xmlns="" id="{23A536BF-0D41-6E4F-985C-BE1F16D015F7}"/>
+                    <a16:creationId xmlns:a16="http://schemas.microsoft.com/office/drawing/2014/main" id="{23A536BF-0D41-6E4F-985C-BE1F16D015F7}"/>
                   </a:ext>
                 </a:extLst>
               </p:cNvPr>
@@ -13714,7 +13796,7 @@
               <p:cNvPr id="44" name="Rektangel 43">
                 <a:extLst>
                   <a:ext uri="{FF2B5EF4-FFF2-40B4-BE49-F238E27FC236}">
-                    <a16:creationId xmlns:a16="http://schemas.microsoft.com/office/drawing/2014/main" xmlns="" id="{BA63BD33-740B-0441-BEB3-D86ED464D5A4}"/>
+                    <a16:creationId xmlns:a16="http://schemas.microsoft.com/office/drawing/2014/main" id="{BA63BD33-740B-0441-BEB3-D86ED464D5A4}"/>
                   </a:ext>
                 </a:extLst>
               </p:cNvPr>
@@ -13764,7 +13846,7 @@
               <p:cNvPr id="45" name="Rektangel 44">
                 <a:extLst>
                   <a:ext uri="{FF2B5EF4-FFF2-40B4-BE49-F238E27FC236}">
-                    <a16:creationId xmlns:a16="http://schemas.microsoft.com/office/drawing/2014/main" xmlns="" id="{56D57299-ADB2-AF45-A47F-34F0365988CE}"/>
+                    <a16:creationId xmlns:a16="http://schemas.microsoft.com/office/drawing/2014/main" id="{56D57299-ADB2-AF45-A47F-34F0365988CE}"/>
                   </a:ext>
                 </a:extLst>
               </p:cNvPr>
@@ -13815,7 +13897,7 @@
             <p:cNvPr id="21" name="Grupp 20">
               <a:extLst>
                 <a:ext uri="{FF2B5EF4-FFF2-40B4-BE49-F238E27FC236}">
-                  <a16:creationId xmlns:a16="http://schemas.microsoft.com/office/drawing/2014/main" xmlns="" id="{50B193BD-04F2-AD45-A802-45224EFD42DE}"/>
+                  <a16:creationId xmlns:a16="http://schemas.microsoft.com/office/drawing/2014/main" id="{50B193BD-04F2-AD45-A802-45224EFD42DE}"/>
                 </a:ext>
               </a:extLst>
             </p:cNvPr>
@@ -13838,7 +13920,7 @@
               <p:cNvPr id="22" name="Rektangel 21">
                 <a:extLst>
                   <a:ext uri="{FF2B5EF4-FFF2-40B4-BE49-F238E27FC236}">
-                    <a16:creationId xmlns:a16="http://schemas.microsoft.com/office/drawing/2014/main" xmlns="" id="{B412C8AC-CE2A-8848-A20D-226D21F4CB5C}"/>
+                    <a16:creationId xmlns:a16="http://schemas.microsoft.com/office/drawing/2014/main" id="{B412C8AC-CE2A-8848-A20D-226D21F4CB5C}"/>
                   </a:ext>
                 </a:extLst>
               </p:cNvPr>
@@ -13888,7 +13970,7 @@
               <p:cNvPr id="29" name="Rektangel 28">
                 <a:extLst>
                   <a:ext uri="{FF2B5EF4-FFF2-40B4-BE49-F238E27FC236}">
-                    <a16:creationId xmlns:a16="http://schemas.microsoft.com/office/drawing/2014/main" xmlns="" id="{FC864472-CE46-9A45-8003-AF4F1FF1F46F}"/>
+                    <a16:creationId xmlns:a16="http://schemas.microsoft.com/office/drawing/2014/main" id="{FC864472-CE46-9A45-8003-AF4F1FF1F46F}"/>
                   </a:ext>
                 </a:extLst>
               </p:cNvPr>
@@ -13938,7 +14020,7 @@
               <p:cNvPr id="30" name="Rektangel 29">
                 <a:extLst>
                   <a:ext uri="{FF2B5EF4-FFF2-40B4-BE49-F238E27FC236}">
-                    <a16:creationId xmlns:a16="http://schemas.microsoft.com/office/drawing/2014/main" xmlns="" id="{A55052CE-8A2D-5242-87E6-5FAE68A5F451}"/>
+                    <a16:creationId xmlns:a16="http://schemas.microsoft.com/office/drawing/2014/main" id="{A55052CE-8A2D-5242-87E6-5FAE68A5F451}"/>
                   </a:ext>
                 </a:extLst>
               </p:cNvPr>
@@ -13988,7 +14070,7 @@
               <p:cNvPr id="31" name="Rektangel 30">
                 <a:extLst>
                   <a:ext uri="{FF2B5EF4-FFF2-40B4-BE49-F238E27FC236}">
-                    <a16:creationId xmlns:a16="http://schemas.microsoft.com/office/drawing/2014/main" xmlns="" id="{C5C802A8-B3EB-504F-B960-8D1EB66A1C5F}"/>
+                    <a16:creationId xmlns:a16="http://schemas.microsoft.com/office/drawing/2014/main" id="{C5C802A8-B3EB-504F-B960-8D1EB66A1C5F}"/>
                   </a:ext>
                 </a:extLst>
               </p:cNvPr>
@@ -14038,7 +14120,7 @@
               <p:cNvPr id="32" name="Rektangel 31">
                 <a:extLst>
                   <a:ext uri="{FF2B5EF4-FFF2-40B4-BE49-F238E27FC236}">
-                    <a16:creationId xmlns:a16="http://schemas.microsoft.com/office/drawing/2014/main" xmlns="" id="{85EABCF9-7B70-3043-AFE1-619D293FE116}"/>
+                    <a16:creationId xmlns:a16="http://schemas.microsoft.com/office/drawing/2014/main" id="{85EABCF9-7B70-3043-AFE1-619D293FE116}"/>
                   </a:ext>
                 </a:extLst>
               </p:cNvPr>
@@ -14088,7 +14170,7 @@
               <p:cNvPr id="33" name="Rektangel 32">
                 <a:extLst>
                   <a:ext uri="{FF2B5EF4-FFF2-40B4-BE49-F238E27FC236}">
-                    <a16:creationId xmlns:a16="http://schemas.microsoft.com/office/drawing/2014/main" xmlns="" id="{479CB243-E35B-754D-AE34-43FD1DBAB312}"/>
+                    <a16:creationId xmlns:a16="http://schemas.microsoft.com/office/drawing/2014/main" id="{479CB243-E35B-754D-AE34-43FD1DBAB312}"/>
                   </a:ext>
                 </a:extLst>
               </p:cNvPr>
@@ -14138,7 +14220,7 @@
               <p:cNvPr id="34" name="Rektangel 33">
                 <a:extLst>
                   <a:ext uri="{FF2B5EF4-FFF2-40B4-BE49-F238E27FC236}">
-                    <a16:creationId xmlns:a16="http://schemas.microsoft.com/office/drawing/2014/main" xmlns="" id="{236D23C6-AA93-C048-892B-A29832BC0F45}"/>
+                    <a16:creationId xmlns:a16="http://schemas.microsoft.com/office/drawing/2014/main" id="{236D23C6-AA93-C048-892B-A29832BC0F45}"/>
                   </a:ext>
                 </a:extLst>
               </p:cNvPr>
@@ -14188,7 +14270,7 @@
               <p:cNvPr id="35" name="Rektangel 34">
                 <a:extLst>
                   <a:ext uri="{FF2B5EF4-FFF2-40B4-BE49-F238E27FC236}">
-                    <a16:creationId xmlns:a16="http://schemas.microsoft.com/office/drawing/2014/main" xmlns="" id="{099F8E46-00A7-9B49-BA0B-443C1B18F619}"/>
+                    <a16:creationId xmlns:a16="http://schemas.microsoft.com/office/drawing/2014/main" id="{099F8E46-00A7-9B49-BA0B-443C1B18F619}"/>
                   </a:ext>
                 </a:extLst>
               </p:cNvPr>
@@ -14238,7 +14320,7 @@
               <p:cNvPr id="36" name="Rektangel 35">
                 <a:extLst>
                   <a:ext uri="{FF2B5EF4-FFF2-40B4-BE49-F238E27FC236}">
-                    <a16:creationId xmlns:a16="http://schemas.microsoft.com/office/drawing/2014/main" xmlns="" id="{1F014AEE-BA9C-5B4F-A52F-FFC2BFC66238}"/>
+                    <a16:creationId xmlns:a16="http://schemas.microsoft.com/office/drawing/2014/main" id="{1F014AEE-BA9C-5B4F-A52F-FFC2BFC66238}"/>
                   </a:ext>
                 </a:extLst>
               </p:cNvPr>
@@ -14290,7 +14372,7 @@
           <p:cNvPr id="9" name="Rak 8">
             <a:extLst>
               <a:ext uri="{FF2B5EF4-FFF2-40B4-BE49-F238E27FC236}">
-                <a16:creationId xmlns:a16="http://schemas.microsoft.com/office/drawing/2014/main" xmlns="" id="{35A3ADBA-25A7-C947-B502-691111D0D9E5}"/>
+                <a16:creationId xmlns:a16="http://schemas.microsoft.com/office/drawing/2014/main" id="{35A3ADBA-25A7-C947-B502-691111D0D9E5}"/>
               </a:ext>
             </a:extLst>
           </p:cNvPr>
@@ -14333,7 +14415,7 @@
           <p:cNvPr id="2" name="Platshållare för rubrik 1">
             <a:extLst>
               <a:ext uri="{FF2B5EF4-FFF2-40B4-BE49-F238E27FC236}">
-                <a16:creationId xmlns:a16="http://schemas.microsoft.com/office/drawing/2014/main" xmlns="" id="{785D31C7-D918-594B-BEA4-908A2623180A}"/>
+                <a16:creationId xmlns:a16="http://schemas.microsoft.com/office/drawing/2014/main" id="{785D31C7-D918-594B-BEA4-908A2623180A}"/>
               </a:ext>
             </a:extLst>
           </p:cNvPr>
@@ -14372,7 +14454,7 @@
           <p:cNvPr id="3" name="Platshållare för text 2">
             <a:extLst>
               <a:ext uri="{FF2B5EF4-FFF2-40B4-BE49-F238E27FC236}">
-                <a16:creationId xmlns:a16="http://schemas.microsoft.com/office/drawing/2014/main" xmlns="" id="{376CF093-1E8D-FF4F-B3C9-72A2B0815CB3}"/>
+                <a16:creationId xmlns:a16="http://schemas.microsoft.com/office/drawing/2014/main" id="{376CF093-1E8D-FF4F-B3C9-72A2B0815CB3}"/>
               </a:ext>
             </a:extLst>
           </p:cNvPr>
@@ -14440,7 +14522,7 @@
           <p:cNvPr id="5" name="Platshållare för datum 4">
             <a:extLst>
               <a:ext uri="{FF2B5EF4-FFF2-40B4-BE49-F238E27FC236}">
-                <a16:creationId xmlns:a16="http://schemas.microsoft.com/office/drawing/2014/main" xmlns="" id="{97E4CD63-A723-E743-A7FA-6B31200F61CF}"/>
+                <a16:creationId xmlns:a16="http://schemas.microsoft.com/office/drawing/2014/main" id="{97E4CD63-A723-E743-A7FA-6B31200F61CF}"/>
               </a:ext>
             </a:extLst>
           </p:cNvPr>
@@ -14474,7 +14556,7 @@
           <a:p>
             <a:fld id="{832A3DEB-92BA-404E-9210-96F4218B7138}" type="datetime1">
               <a:rPr lang="sv-SE" smtClean="0"/>
-              <a:t>2020-05-27</a:t>
+              <a:t>2020-05-28</a:t>
             </a:fld>
             <a:endParaRPr lang="en-GB" dirty="0"/>
           </a:p>
@@ -14485,7 +14567,7 @@
           <p:cNvPr id="6" name="Platshållare för bildnummer 5">
             <a:extLst>
               <a:ext uri="{FF2B5EF4-FFF2-40B4-BE49-F238E27FC236}">
-                <a16:creationId xmlns:a16="http://schemas.microsoft.com/office/drawing/2014/main" xmlns="" id="{3844A7B9-8441-734E-B26B-9C9C5C04B442}"/>
+                <a16:creationId xmlns:a16="http://schemas.microsoft.com/office/drawing/2014/main" id="{3844A7B9-8441-734E-B26B-9C9C5C04B442}"/>
               </a:ext>
             </a:extLst>
           </p:cNvPr>
@@ -15082,7 +15164,7 @@
           <p:cNvPr id="2" name="Rubrik 1">
             <a:extLst>
               <a:ext uri="{FF2B5EF4-FFF2-40B4-BE49-F238E27FC236}">
-                <a16:creationId xmlns:a16="http://schemas.microsoft.com/office/drawing/2014/main" xmlns="" id="{99DA710C-5B5B-BF41-8E67-58B4F660292C}"/>
+                <a16:creationId xmlns:a16="http://schemas.microsoft.com/office/drawing/2014/main" id="{99DA710C-5B5B-BF41-8E67-58B4F660292C}"/>
               </a:ext>
             </a:extLst>
           </p:cNvPr>
@@ -15105,47 +15187,43 @@
           <a:p>
             <a:pPr algn="ctr"/>
             <a:r>
-              <a:rPr lang="en-US" altLang="zh-CN" dirty="0" smtClean="0"/>
+              <a:rPr lang="en-US" altLang="zh-CN" dirty="0"/>
               <a:t> </a:t>
             </a:r>
             <a:r>
-              <a:rPr lang="vi-VN" altLang="zh-CN" dirty="0" smtClean="0"/>
+              <a:rPr lang="vi-VN" altLang="zh-CN" dirty="0"/>
               <a:t>EQ2341VT201</a:t>
             </a:r>
             <a:r>
-              <a:rPr lang="zh-CN" altLang="en-US" dirty="0" smtClean="0"/>
+              <a:rPr lang="zh-CN" altLang="en-US" dirty="0"/>
               <a:t> </a:t>
             </a:r>
             <a:r>
-              <a:rPr lang="en-US" altLang="zh-CN" dirty="0" smtClean="0"/>
+              <a:rPr lang="en-US" altLang="zh-CN" dirty="0"/>
               <a:t>Pattern</a:t>
             </a:r>
             <a:r>
-              <a:rPr lang="zh-CN" altLang="en-US" dirty="0" smtClean="0"/>
+              <a:rPr lang="zh-CN" altLang="en-US" dirty="0"/>
               <a:t> </a:t>
             </a:r>
             <a:r>
-              <a:rPr lang="en-US" altLang="zh-CN" dirty="0" smtClean="0"/>
+              <a:rPr lang="en-US" altLang="zh-CN" dirty="0"/>
               <a:t>Recognition</a:t>
             </a:r>
             <a:br>
-              <a:rPr lang="en-US" altLang="zh-CN" dirty="0" smtClean="0"/>
+              <a:rPr lang="en-US" altLang="zh-CN" dirty="0"/>
             </a:br>
             <a:r>
-              <a:rPr lang="en-US" altLang="zh-CN" dirty="0" smtClean="0"/>
+              <a:rPr lang="en-US" altLang="zh-CN" dirty="0"/>
               <a:t>Project</a:t>
             </a:r>
             <a:r>
-              <a:rPr lang="zh-CN" altLang="en-US" dirty="0" smtClean="0"/>
+              <a:rPr lang="zh-CN" altLang="en-US" dirty="0"/>
               <a:t> </a:t>
             </a:r>
             <a:r>
-              <a:rPr lang="en-US" altLang="zh-CN" dirty="0" smtClean="0"/>
+              <a:rPr lang="en-US" altLang="zh-CN" dirty="0"/>
               <a:t>Presentation</a:t>
-            </a:r>
-            <a:r>
-              <a:rPr lang="vi-VN" altLang="zh-CN" dirty="0"/>
-              <a:t/>
             </a:r>
             <a:br>
               <a:rPr lang="vi-VN" altLang="zh-CN" dirty="0"/>
@@ -15178,31 +15256,27 @@
           <a:p>
             <a:pPr algn="r"/>
             <a:r>
-              <a:rPr kumimoji="1" lang="en-US" altLang="zh-CN" dirty="0" err="1" smtClean="0"/>
+              <a:rPr kumimoji="1" lang="en-US" altLang="zh-CN" dirty="0" err="1"/>
               <a:t>Shuchan</a:t>
             </a:r>
             <a:r>
-              <a:rPr kumimoji="1" lang="zh-CN" altLang="en-US" dirty="0" smtClean="0"/>
+              <a:rPr kumimoji="1" lang="zh-CN" altLang="en-US" dirty="0"/>
               <a:t> </a:t>
             </a:r>
             <a:r>
-              <a:rPr kumimoji="1" lang="en-US" altLang="zh-CN" dirty="0" smtClean="0"/>
+              <a:rPr kumimoji="1" lang="en-US" altLang="zh-CN" dirty="0"/>
               <a:t>Wang</a:t>
             </a:r>
           </a:p>
           <a:p>
             <a:pPr algn="r"/>
             <a:r>
-              <a:rPr kumimoji="1" lang="en-US" altLang="zh-CN" dirty="0" err="1" smtClean="0"/>
+              <a:rPr kumimoji="1" lang="en-US" altLang="zh-CN" dirty="0" err="1"/>
               <a:t>Lingxaio</a:t>
             </a:r>
             <a:r>
               <a:rPr kumimoji="1" lang="en-US" altLang="zh-CN" dirty="0"/>
-              <a:t> </a:t>
-            </a:r>
-            <a:r>
-              <a:rPr kumimoji="1" lang="en-US" altLang="zh-CN" dirty="0" smtClean="0"/>
-              <a:t>Wang</a:t>
+              <a:t> Wang</a:t>
             </a:r>
             <a:endParaRPr kumimoji="1" lang="zh-CN" altLang="en-US" dirty="0"/>
           </a:p>
@@ -15230,13 +15304,239 @@
       </p:transition>
     </mc:Fallback>
   </mc:AlternateContent>
-  <p:timing>
-    <p:tnLst>
-      <p:par>
-        <p:cTn id="1" dur="indefinite" restart="never" nodeType="tmRoot"/>
-      </p:par>
-    </p:tnLst>
-  </p:timing>
+</p:sld>
+</file>
+
+<file path=ppt/slides/slide10.xml><?xml version="1.0" encoding="utf-8"?>
+<p:sld xmlns:a="http://schemas.openxmlformats.org/drawingml/2006/main" xmlns:r="http://schemas.openxmlformats.org/officeDocument/2006/relationships" xmlns:p="http://schemas.openxmlformats.org/presentationml/2006/main">
+  <p:cSld>
+    <p:spTree>
+      <p:nvGrpSpPr>
+        <p:cNvPr id="1" name=""/>
+        <p:cNvGrpSpPr/>
+        <p:nvPr/>
+      </p:nvGrpSpPr>
+      <p:grpSpPr>
+        <a:xfrm>
+          <a:off x="0" y="0"/>
+          <a:ext cx="0" cy="0"/>
+          <a:chOff x="0" y="0"/>
+          <a:chExt cx="0" cy="0"/>
+        </a:xfrm>
+      </p:grpSpPr>
+      <p:sp>
+        <p:nvSpPr>
+          <p:cNvPr id="8" name="Rubrik 7">
+            <a:extLst>
+              <a:ext uri="{FF2B5EF4-FFF2-40B4-BE49-F238E27FC236}">
+                <a16:creationId xmlns:a16="http://schemas.microsoft.com/office/drawing/2014/main" id="{D137FBB1-2CF8-DC42-AF7B-28C21A52B951}"/>
+              </a:ext>
+            </a:extLst>
+          </p:cNvPr>
+          <p:cNvSpPr>
+            <a:spLocks noGrp="1"/>
+          </p:cNvSpPr>
+          <p:nvPr>
+            <p:ph type="title"/>
+          </p:nvPr>
+        </p:nvSpPr>
+        <p:spPr/>
+        <p:txBody>
+          <a:bodyPr/>
+          <a:lstStyle/>
+          <a:p>
+            <a:r>
+              <a:rPr lang="en-US" altLang="zh-CN" dirty="0"/>
+              <a:t>Conclusions</a:t>
+            </a:r>
+            <a:endParaRPr lang="en-GB" dirty="0"/>
+          </a:p>
+        </p:txBody>
+      </p:sp>
+      <p:sp>
+        <p:nvSpPr>
+          <p:cNvPr id="3" name="Platshållare för datum 2">
+            <a:extLst>
+              <a:ext uri="{FF2B5EF4-FFF2-40B4-BE49-F238E27FC236}">
+                <a16:creationId xmlns:a16="http://schemas.microsoft.com/office/drawing/2014/main" id="{C9D9A0CA-3DFF-E14B-955C-91D3537F0167}"/>
+              </a:ext>
+            </a:extLst>
+          </p:cNvPr>
+          <p:cNvSpPr>
+            <a:spLocks noGrp="1"/>
+          </p:cNvSpPr>
+          <p:nvPr>
+            <p:ph type="dt" sz="half" idx="11"/>
+          </p:nvPr>
+        </p:nvSpPr>
+        <p:spPr/>
+        <p:txBody>
+          <a:bodyPr/>
+          <a:lstStyle/>
+          <a:p>
+            <a:r>
+              <a:rPr lang="en-GB" dirty="0"/>
+              <a:t>2019-09-13</a:t>
+            </a:r>
+          </a:p>
+        </p:txBody>
+      </p:sp>
+      <p:sp>
+        <p:nvSpPr>
+          <p:cNvPr id="4" name="Platshållare för bildnummer 3">
+            <a:extLst>
+              <a:ext uri="{FF2B5EF4-FFF2-40B4-BE49-F238E27FC236}">
+                <a16:creationId xmlns:a16="http://schemas.microsoft.com/office/drawing/2014/main" id="{8AFF2BC0-9FEF-9C45-9CE0-40DC8A6BD12D}"/>
+              </a:ext>
+            </a:extLst>
+          </p:cNvPr>
+          <p:cNvSpPr>
+            <a:spLocks noGrp="1"/>
+          </p:cNvSpPr>
+          <p:nvPr>
+            <p:ph type="sldNum" sz="quarter" idx="12"/>
+          </p:nvPr>
+        </p:nvSpPr>
+        <p:spPr/>
+        <p:txBody>
+          <a:bodyPr/>
+          <a:lstStyle/>
+          <a:p>
+            <a:fld id="{C338348D-F2D3-AB47-AE2A-1D59B1E58D64}" type="slidenum">
+              <a:rPr lang="en-GB" smtClean="0"/>
+              <a:pPr/>
+              <a:t>10</a:t>
+            </a:fld>
+            <a:endParaRPr lang="en-GB" dirty="0"/>
+          </a:p>
+        </p:txBody>
+      </p:sp>
+      <p:sp>
+        <p:nvSpPr>
+          <p:cNvPr id="2" name="TextBox 1">
+            <a:extLst>
+              <a:ext uri="{FF2B5EF4-FFF2-40B4-BE49-F238E27FC236}">
+                <a16:creationId xmlns:a16="http://schemas.microsoft.com/office/drawing/2014/main" id="{2F2F1964-C217-4483-B17A-C5AE652EC41F}"/>
+              </a:ext>
+            </a:extLst>
+          </p:cNvPr>
+          <p:cNvSpPr txBox="1"/>
+          <p:nvPr/>
+        </p:nvSpPr>
+        <p:spPr>
+          <a:xfrm>
+            <a:off x="1414021" y="1522791"/>
+            <a:ext cx="6315958" cy="2585323"/>
+          </a:xfrm>
+          <a:prstGeom prst="rect">
+            <a:avLst/>
+          </a:prstGeom>
+          <a:noFill/>
+        </p:spPr>
+        <p:txBody>
+          <a:bodyPr wrap="square" rtlCol="0">
+            <a:spAutoFit/>
+          </a:bodyPr>
+          <a:lstStyle/>
+          <a:p>
+            <a:pPr marL="285750" indent="-285750">
+              <a:buFont typeface="Arial" panose="020B0604020202020204" pitchFamily="34" charset="0"/>
+              <a:buChar char="•"/>
+            </a:pPr>
+            <a:r>
+              <a:rPr lang="sv-SE" dirty="0"/>
+              <a:t>Trapped in local minimum</a:t>
+            </a:r>
+          </a:p>
+          <a:p>
+            <a:pPr marL="285750" indent="-285750">
+              <a:buFont typeface="Arial" panose="020B0604020202020204" pitchFamily="34" charset="0"/>
+              <a:buChar char="•"/>
+            </a:pPr>
+            <a:endParaRPr lang="sv-SE" dirty="0"/>
+          </a:p>
+          <a:p>
+            <a:pPr marL="285750" indent="-285750">
+              <a:buFont typeface="Arial" panose="020B0604020202020204" pitchFamily="34" charset="0"/>
+              <a:buChar char="•"/>
+            </a:pPr>
+            <a:r>
+              <a:rPr lang="sv-SE" dirty="0"/>
+              <a:t>Multiple states correspond to one voice </a:t>
+            </a:r>
+          </a:p>
+          <a:p>
+            <a:pPr marL="285750" indent="-285750">
+              <a:buFont typeface="Arial" panose="020B0604020202020204" pitchFamily="34" charset="0"/>
+              <a:buChar char="•"/>
+            </a:pPr>
+            <a:endParaRPr lang="sv-SE" dirty="0"/>
+          </a:p>
+          <a:p>
+            <a:pPr marL="285750" indent="-285750">
+              <a:buFont typeface="Arial" panose="020B0604020202020204" pitchFamily="34" charset="0"/>
+              <a:buChar char="•"/>
+            </a:pPr>
+            <a:r>
+              <a:rPr lang="sv-SE" dirty="0"/>
+              <a:t>One state corresponds to multiple voices</a:t>
+            </a:r>
+          </a:p>
+          <a:p>
+            <a:endParaRPr lang="sv-SE" dirty="0"/>
+          </a:p>
+          <a:p>
+            <a:pPr marL="285750" indent="-285750">
+              <a:buFont typeface="Arial" panose="020B0604020202020204" pitchFamily="34" charset="0"/>
+              <a:buChar char="•"/>
+            </a:pPr>
+            <a:r>
+              <a:rPr lang="sv-SE" dirty="0"/>
+              <a:t>Training fast</a:t>
+            </a:r>
+          </a:p>
+          <a:p>
+            <a:pPr marL="285750" indent="-285750">
+              <a:buFont typeface="Arial" panose="020B0604020202020204" pitchFamily="34" charset="0"/>
+              <a:buChar char="•"/>
+            </a:pPr>
+            <a:endParaRPr lang="sv-SE" dirty="0"/>
+          </a:p>
+          <a:p>
+            <a:pPr marL="285750" indent="-285750">
+              <a:buFont typeface="Arial" panose="020B0604020202020204" pitchFamily="34" charset="0"/>
+              <a:buChar char="•"/>
+            </a:pPr>
+            <a:r>
+              <a:rPr lang="sv-SE" dirty="0"/>
+              <a:t>Convergence is not obvious</a:t>
+            </a:r>
+            <a:endParaRPr lang="en-SE" dirty="0"/>
+          </a:p>
+        </p:txBody>
+      </p:sp>
+    </p:spTree>
+    <p:extLst>
+      <p:ext uri="{BB962C8B-B14F-4D97-AF65-F5344CB8AC3E}">
+        <p14:creationId xmlns:p14="http://schemas.microsoft.com/office/powerpoint/2010/main" val="571071221"/>
+      </p:ext>
+    </p:extLst>
+  </p:cSld>
+  <p:clrMapOvr>
+    <a:masterClrMapping/>
+  </p:clrMapOvr>
+  <mc:AlternateContent xmlns:mc="http://schemas.openxmlformats.org/markup-compatibility/2006" xmlns:p14="http://schemas.microsoft.com/office/powerpoint/2010/main">
+    <mc:Choice Requires="p14">
+      <p:transition spd="med" p14:dur="700">
+        <p:fade/>
+      </p:transition>
+    </mc:Choice>
+    <mc:Fallback xmlns="">
+      <p:transition spd="med">
+        <p:fade/>
+      </p:transition>
+    </mc:Fallback>
+  </mc:AlternateContent>
 </p:sld>
 </file>
 
@@ -15262,7 +15562,7 @@
           <p:cNvPr id="8" name="Rubrik 7">
             <a:extLst>
               <a:ext uri="{FF2B5EF4-FFF2-40B4-BE49-F238E27FC236}">
-                <a16:creationId xmlns:a16="http://schemas.microsoft.com/office/drawing/2014/main" xmlns="" id="{D137FBB1-2CF8-DC42-AF7B-28C21A52B951}"/>
+                <a16:creationId xmlns:a16="http://schemas.microsoft.com/office/drawing/2014/main" id="{D137FBB1-2CF8-DC42-AF7B-28C21A52B951}"/>
               </a:ext>
             </a:extLst>
           </p:cNvPr>
@@ -15279,7 +15579,7 @@
           <a:lstStyle/>
           <a:p>
             <a:r>
-              <a:rPr lang="en-US" altLang="zh-CN" dirty="0" smtClean="0"/>
+              <a:rPr lang="en-US" altLang="zh-CN" dirty="0"/>
               <a:t>Self-Introduction</a:t>
             </a:r>
             <a:endParaRPr lang="en-GB" dirty="0"/>
@@ -15291,7 +15591,7 @@
           <p:cNvPr id="3" name="Platshållare för datum 2">
             <a:extLst>
               <a:ext uri="{FF2B5EF4-FFF2-40B4-BE49-F238E27FC236}">
-                <a16:creationId xmlns:a16="http://schemas.microsoft.com/office/drawing/2014/main" xmlns="" id="{C9D9A0CA-3DFF-E14B-955C-91D3537F0167}"/>
+                <a16:creationId xmlns:a16="http://schemas.microsoft.com/office/drawing/2014/main" id="{C9D9A0CA-3DFF-E14B-955C-91D3537F0167}"/>
               </a:ext>
             </a:extLst>
           </p:cNvPr>
@@ -15308,10 +15608,9 @@
           <a:lstStyle/>
           <a:p>
             <a:r>
-              <a:rPr lang="en-GB" dirty="0" smtClean="0"/>
+              <a:rPr lang="en-GB" dirty="0"/>
               <a:t>2019-09-13</a:t>
             </a:r>
-            <a:endParaRPr lang="en-GB" dirty="0"/>
           </a:p>
         </p:txBody>
       </p:sp>
@@ -15320,7 +15619,7 @@
           <p:cNvPr id="4" name="Platshållare för bildnummer 3">
             <a:extLst>
               <a:ext uri="{FF2B5EF4-FFF2-40B4-BE49-F238E27FC236}">
-                <a16:creationId xmlns:a16="http://schemas.microsoft.com/office/drawing/2014/main" xmlns="" id="{8AFF2BC0-9FEF-9C45-9CE0-40DC8A6BD12D}"/>
+                <a16:creationId xmlns:a16="http://schemas.microsoft.com/office/drawing/2014/main" id="{8AFF2BC0-9FEF-9C45-9CE0-40DC8A6BD12D}"/>
               </a:ext>
             </a:extLst>
           </p:cNvPr>
@@ -15368,19 +15667,19 @@
           <a:lstStyle/>
           <a:p>
             <a:r>
-              <a:rPr kumimoji="1" lang="en-US" altLang="zh-CN" dirty="0" err="1" smtClean="0"/>
+              <a:rPr kumimoji="1" lang="en-US" altLang="zh-CN" dirty="0" err="1"/>
               <a:t>Shuchan</a:t>
             </a:r>
             <a:r>
-              <a:rPr kumimoji="1" lang="zh-CN" altLang="en-US" dirty="0" smtClean="0"/>
+              <a:rPr kumimoji="1" lang="zh-CN" altLang="en-US" dirty="0"/>
               <a:t> </a:t>
             </a:r>
             <a:r>
-              <a:rPr kumimoji="1" lang="en-US" altLang="zh-CN" dirty="0" smtClean="0"/>
+              <a:rPr kumimoji="1" lang="en-US" altLang="zh-CN" dirty="0"/>
               <a:t>Wang</a:t>
             </a:r>
             <a:r>
-              <a:rPr kumimoji="1" lang="zh-CN" altLang="en-US" dirty="0" smtClean="0"/>
+              <a:rPr kumimoji="1" lang="zh-CN" altLang="en-US" dirty="0"/>
               <a:t> </a:t>
             </a:r>
             <a:r>
@@ -15414,31 +15713,31 @@
           <a:lstStyle/>
           <a:p>
             <a:r>
-              <a:rPr kumimoji="1" lang="en-US" altLang="zh-CN" dirty="0" err="1" smtClean="0"/>
+              <a:rPr kumimoji="1" lang="en-US" altLang="zh-CN" dirty="0" err="1"/>
               <a:t>Lingxiao</a:t>
             </a:r>
             <a:r>
-              <a:rPr kumimoji="1" lang="zh-CN" altLang="en-US" dirty="0" smtClean="0"/>
+              <a:rPr kumimoji="1" lang="zh-CN" altLang="en-US" dirty="0"/>
               <a:t> </a:t>
             </a:r>
             <a:r>
-              <a:rPr kumimoji="1" lang="en-US" altLang="zh-CN" dirty="0" smtClean="0"/>
+              <a:rPr kumimoji="1" lang="en-US" altLang="zh-CN" dirty="0"/>
               <a:t>Wang</a:t>
             </a:r>
             <a:r>
-              <a:rPr kumimoji="1" lang="zh-CN" altLang="en-US" dirty="0" smtClean="0"/>
+              <a:rPr kumimoji="1" lang="zh-CN" altLang="en-US" dirty="0"/>
               <a:t>  </a:t>
             </a:r>
             <a:r>
-              <a:rPr kumimoji="1" lang="en-US" altLang="zh-CN" dirty="0" smtClean="0"/>
+              <a:rPr kumimoji="1" lang="en-US" altLang="zh-CN" dirty="0"/>
               <a:t>	Machine</a:t>
             </a:r>
             <a:r>
-              <a:rPr kumimoji="1" lang="zh-CN" altLang="en-US" dirty="0" smtClean="0"/>
+              <a:rPr kumimoji="1" lang="zh-CN" altLang="en-US" dirty="0"/>
               <a:t> </a:t>
             </a:r>
             <a:r>
-              <a:rPr kumimoji="1" lang="en-US" altLang="zh-CN" dirty="0" smtClean="0"/>
+              <a:rPr kumimoji="1" lang="en-US" altLang="zh-CN" dirty="0"/>
               <a:t>Learning</a:t>
             </a:r>
             <a:endParaRPr kumimoji="1" lang="zh-CN" altLang="en-US" dirty="0"/>
@@ -15467,13 +15766,6 @@
       </p:transition>
     </mc:Fallback>
   </mc:AlternateContent>
-  <p:timing>
-    <p:tnLst>
-      <p:par>
-        <p:cTn id="1" dur="indefinite" restart="never" nodeType="tmRoot"/>
-      </p:par>
-    </p:tnLst>
-  </p:timing>
 </p:sld>
 </file>
 
@@ -15499,7 +15791,7 @@
           <p:cNvPr id="8" name="Rubrik 7">
             <a:extLst>
               <a:ext uri="{FF2B5EF4-FFF2-40B4-BE49-F238E27FC236}">
-                <a16:creationId xmlns:a16="http://schemas.microsoft.com/office/drawing/2014/main" xmlns="" id="{D137FBB1-2CF8-DC42-AF7B-28C21A52B951}"/>
+                <a16:creationId xmlns:a16="http://schemas.microsoft.com/office/drawing/2014/main" id="{D137FBB1-2CF8-DC42-AF7B-28C21A52B951}"/>
               </a:ext>
             </a:extLst>
           </p:cNvPr>
@@ -15516,23 +15808,23 @@
           <a:lstStyle/>
           <a:p>
             <a:r>
-              <a:rPr lang="en-US" altLang="zh-CN" dirty="0" smtClean="0"/>
+              <a:rPr lang="en-US" altLang="zh-CN" dirty="0"/>
               <a:t>Show</a:t>
             </a:r>
             <a:r>
-              <a:rPr lang="zh-CN" altLang="en-US" dirty="0" smtClean="0"/>
+              <a:rPr lang="zh-CN" altLang="en-US" dirty="0"/>
               <a:t> </a:t>
             </a:r>
             <a:r>
-              <a:rPr lang="en-US" altLang="zh-CN" dirty="0" smtClean="0"/>
+              <a:rPr lang="en-US" altLang="zh-CN" dirty="0"/>
               <a:t>the</a:t>
             </a:r>
             <a:r>
-              <a:rPr lang="zh-CN" altLang="en-US" dirty="0" smtClean="0"/>
+              <a:rPr lang="zh-CN" altLang="en-US" dirty="0"/>
               <a:t> </a:t>
             </a:r>
             <a:r>
-              <a:rPr lang="en-US" altLang="zh-CN" dirty="0" smtClean="0"/>
+              <a:rPr lang="en-US" altLang="zh-CN" dirty="0"/>
               <a:t>data</a:t>
             </a:r>
             <a:endParaRPr lang="en-GB" dirty="0"/>
@@ -15544,7 +15836,7 @@
           <p:cNvPr id="3" name="Platshållare för datum 2">
             <a:extLst>
               <a:ext uri="{FF2B5EF4-FFF2-40B4-BE49-F238E27FC236}">
-                <a16:creationId xmlns:a16="http://schemas.microsoft.com/office/drawing/2014/main" xmlns="" id="{C9D9A0CA-3DFF-E14B-955C-91D3537F0167}"/>
+                <a16:creationId xmlns:a16="http://schemas.microsoft.com/office/drawing/2014/main" id="{C9D9A0CA-3DFF-E14B-955C-91D3537F0167}"/>
               </a:ext>
             </a:extLst>
           </p:cNvPr>
@@ -15561,10 +15853,9 @@
           <a:lstStyle/>
           <a:p>
             <a:r>
-              <a:rPr lang="en-GB" dirty="0" smtClean="0"/>
+              <a:rPr lang="en-GB" dirty="0"/>
               <a:t>2019-09-13</a:t>
             </a:r>
-            <a:endParaRPr lang="en-GB" dirty="0"/>
           </a:p>
         </p:txBody>
       </p:sp>
@@ -15573,7 +15864,7 @@
           <p:cNvPr id="4" name="Platshållare för bildnummer 3">
             <a:extLst>
               <a:ext uri="{FF2B5EF4-FFF2-40B4-BE49-F238E27FC236}">
-                <a16:creationId xmlns:a16="http://schemas.microsoft.com/office/drawing/2014/main" xmlns="" id="{8AFF2BC0-9FEF-9C45-9CE0-40DC8A6BD12D}"/>
+                <a16:creationId xmlns:a16="http://schemas.microsoft.com/office/drawing/2014/main" id="{8AFF2BC0-9FEF-9C45-9CE0-40DC8A6BD12D}"/>
               </a:ext>
             </a:extLst>
           </p:cNvPr>
@@ -15732,7 +16023,7 @@
           <a:lstStyle/>
           <a:p>
             <a:r>
-              <a:rPr kumimoji="1" lang="en-US" altLang="zh-CN" dirty="0" smtClean="0"/>
+              <a:rPr kumimoji="1" lang="en-US" altLang="zh-CN" dirty="0"/>
               <a:t>sample:</a:t>
             </a:r>
             <a:endParaRPr kumimoji="1" lang="zh-CN" altLang="en-US" dirty="0"/>
@@ -15795,7 +16086,7 @@
           <a:lstStyle/>
           <a:p>
             <a:r>
-              <a:rPr kumimoji="1" lang="en-US" altLang="zh-CN" dirty="0" smtClean="0"/>
+              <a:rPr kumimoji="1" lang="en-US" altLang="zh-CN" dirty="0"/>
               <a:t>Kids are talking by the door</a:t>
             </a:r>
             <a:endParaRPr kumimoji="1" lang="zh-CN" altLang="en-US" dirty="0"/>
@@ -15825,7 +16116,7 @@
           <a:lstStyle/>
           <a:p>
             <a:r>
-              <a:rPr kumimoji="1" lang="en-US" altLang="zh-CN" smtClean="0"/>
+              <a:rPr kumimoji="1" lang="en-US" altLang="zh-CN"/>
               <a:t>sample:</a:t>
             </a:r>
             <a:endParaRPr kumimoji="1" lang="zh-CN" altLang="en-US" dirty="0"/>
@@ -15855,7 +16146,7 @@
           <a:lstStyle/>
           <a:p>
             <a:r>
-              <a:rPr kumimoji="1" lang="en-US" altLang="zh-CN" dirty="0" smtClean="0"/>
+              <a:rPr kumimoji="1" lang="en-US" altLang="zh-CN" dirty="0"/>
               <a:t>Dogs are sitting by the door</a:t>
             </a:r>
             <a:endParaRPr kumimoji="1" lang="zh-CN" altLang="en-US" dirty="0"/>
@@ -16073,7 +16364,7 @@
           <p:cNvPr id="8" name="Rubrik 7">
             <a:extLst>
               <a:ext uri="{FF2B5EF4-FFF2-40B4-BE49-F238E27FC236}">
-                <a16:creationId xmlns:a16="http://schemas.microsoft.com/office/drawing/2014/main" xmlns="" id="{D137FBB1-2CF8-DC42-AF7B-28C21A52B951}"/>
+                <a16:creationId xmlns:a16="http://schemas.microsoft.com/office/drawing/2014/main" id="{D137FBB1-2CF8-DC42-AF7B-28C21A52B951}"/>
               </a:ext>
             </a:extLst>
           </p:cNvPr>
@@ -16090,7 +16381,7 @@
           <a:lstStyle/>
           <a:p>
             <a:r>
-              <a:rPr lang="en-US" altLang="zh-CN" dirty="0" smtClean="0"/>
+              <a:rPr lang="en-US" altLang="zh-CN" dirty="0"/>
               <a:t>Feature Extraction</a:t>
             </a:r>
             <a:endParaRPr lang="en-GB" dirty="0"/>
@@ -16102,7 +16393,7 @@
           <p:cNvPr id="3" name="Platshållare för datum 2">
             <a:extLst>
               <a:ext uri="{FF2B5EF4-FFF2-40B4-BE49-F238E27FC236}">
-                <a16:creationId xmlns:a16="http://schemas.microsoft.com/office/drawing/2014/main" xmlns="" id="{C9D9A0CA-3DFF-E14B-955C-91D3537F0167}"/>
+                <a16:creationId xmlns:a16="http://schemas.microsoft.com/office/drawing/2014/main" id="{C9D9A0CA-3DFF-E14B-955C-91D3537F0167}"/>
               </a:ext>
             </a:extLst>
           </p:cNvPr>
@@ -16119,10 +16410,9 @@
           <a:lstStyle/>
           <a:p>
             <a:r>
-              <a:rPr lang="en-GB" dirty="0" smtClean="0"/>
+              <a:rPr lang="en-GB" dirty="0"/>
               <a:t>2019-09-13</a:t>
             </a:r>
-            <a:endParaRPr lang="en-GB" dirty="0"/>
           </a:p>
         </p:txBody>
       </p:sp>
@@ -16131,7 +16421,7 @@
           <p:cNvPr id="4" name="Platshållare för bildnummer 3">
             <a:extLst>
               <a:ext uri="{FF2B5EF4-FFF2-40B4-BE49-F238E27FC236}">
-                <a16:creationId xmlns:a16="http://schemas.microsoft.com/office/drawing/2014/main" xmlns="" id="{8AFF2BC0-9FEF-9C45-9CE0-40DC8A6BD12D}"/>
+                <a16:creationId xmlns:a16="http://schemas.microsoft.com/office/drawing/2014/main" id="{8AFF2BC0-9FEF-9C45-9CE0-40DC8A6BD12D}"/>
               </a:ext>
             </a:extLst>
           </p:cNvPr>
@@ -16200,13 +16490,6 @@
       </p:transition>
     </mc:Fallback>
   </mc:AlternateContent>
-  <p:timing>
-    <p:tnLst>
-      <p:par>
-        <p:cTn id="1" dur="indefinite" restart="never" nodeType="tmRoot"/>
-      </p:par>
-    </p:tnLst>
-  </p:timing>
 </p:sld>
 </file>
 
@@ -16232,7 +16515,7 @@
           <p:cNvPr id="8" name="Rubrik 7">
             <a:extLst>
               <a:ext uri="{FF2B5EF4-FFF2-40B4-BE49-F238E27FC236}">
-                <a16:creationId xmlns:a16="http://schemas.microsoft.com/office/drawing/2014/main" xmlns="" id="{D137FBB1-2CF8-DC42-AF7B-28C21A52B951}"/>
+                <a16:creationId xmlns:a16="http://schemas.microsoft.com/office/drawing/2014/main" id="{D137FBB1-2CF8-DC42-AF7B-28C21A52B951}"/>
               </a:ext>
             </a:extLst>
           </p:cNvPr>
@@ -16249,7 +16532,7 @@
           <a:lstStyle/>
           <a:p>
             <a:r>
-              <a:rPr lang="en-US" altLang="zh-CN" dirty="0" smtClean="0"/>
+              <a:rPr lang="en-US" altLang="zh-CN" dirty="0"/>
               <a:t>HMM</a:t>
             </a:r>
             <a:endParaRPr lang="en-GB" dirty="0"/>
@@ -16261,7 +16544,7 @@
           <p:cNvPr id="3" name="Platshållare för datum 2">
             <a:extLst>
               <a:ext uri="{FF2B5EF4-FFF2-40B4-BE49-F238E27FC236}">
-                <a16:creationId xmlns:a16="http://schemas.microsoft.com/office/drawing/2014/main" xmlns="" id="{C9D9A0CA-3DFF-E14B-955C-91D3537F0167}"/>
+                <a16:creationId xmlns:a16="http://schemas.microsoft.com/office/drawing/2014/main" id="{C9D9A0CA-3DFF-E14B-955C-91D3537F0167}"/>
               </a:ext>
             </a:extLst>
           </p:cNvPr>
@@ -16278,10 +16561,9 @@
           <a:lstStyle/>
           <a:p>
             <a:r>
-              <a:rPr lang="en-GB" dirty="0" smtClean="0"/>
+              <a:rPr lang="en-GB" dirty="0"/>
               <a:t>2019-09-13</a:t>
             </a:r>
-            <a:endParaRPr lang="en-GB" dirty="0"/>
           </a:p>
         </p:txBody>
       </p:sp>
@@ -16290,7 +16572,7 @@
           <p:cNvPr id="4" name="Platshållare för bildnummer 3">
             <a:extLst>
               <a:ext uri="{FF2B5EF4-FFF2-40B4-BE49-F238E27FC236}">
-                <a16:creationId xmlns:a16="http://schemas.microsoft.com/office/drawing/2014/main" xmlns="" id="{8AFF2BC0-9FEF-9C45-9CE0-40DC8A6BD12D}"/>
+                <a16:creationId xmlns:a16="http://schemas.microsoft.com/office/drawing/2014/main" id="{8AFF2BC0-9FEF-9C45-9CE0-40DC8A6BD12D}"/>
               </a:ext>
             </a:extLst>
           </p:cNvPr>
@@ -16338,27 +16620,23 @@
           <a:lstStyle/>
           <a:p>
             <a:r>
-              <a:rPr kumimoji="1" lang="en-US" altLang="zh-CN" dirty="0" smtClean="0"/>
+              <a:rPr kumimoji="1" lang="en-US" altLang="zh-CN" dirty="0"/>
               <a:t>Hidden</a:t>
             </a:r>
             <a:r>
-              <a:rPr kumimoji="1" lang="zh-CN" altLang="en-US" dirty="0" smtClean="0"/>
+              <a:rPr kumimoji="1" lang="zh-CN" altLang="en-US" dirty="0"/>
               <a:t> </a:t>
             </a:r>
             <a:r>
               <a:rPr kumimoji="1" lang="en-US" altLang="zh-CN" dirty="0"/>
-              <a:t>s</a:t>
+              <a:t>states:</a:t>
             </a:r>
             <a:r>
-              <a:rPr kumimoji="1" lang="en-US" altLang="zh-CN" dirty="0" smtClean="0"/>
-              <a:t>tates:</a:t>
-            </a:r>
-            <a:r>
-              <a:rPr kumimoji="1" lang="zh-CN" altLang="en-US" dirty="0" smtClean="0"/>
+              <a:rPr kumimoji="1" lang="zh-CN" altLang="en-US" dirty="0"/>
               <a:t> </a:t>
             </a:r>
             <a:r>
-              <a:rPr kumimoji="1" lang="en-US" altLang="zh-CN" dirty="0" smtClean="0"/>
+              <a:rPr kumimoji="1" lang="en-US" altLang="zh-CN" dirty="0"/>
               <a:t>25</a:t>
             </a:r>
             <a:endParaRPr kumimoji="1" lang="zh-CN" altLang="en-US" dirty="0"/>
@@ -16388,31 +16666,31 @@
           <a:lstStyle/>
           <a:p>
             <a:r>
-              <a:rPr kumimoji="1" lang="en-US" altLang="zh-CN" dirty="0" smtClean="0"/>
+              <a:rPr kumimoji="1" lang="en-US" altLang="zh-CN" dirty="0"/>
               <a:t>Output</a:t>
             </a:r>
             <a:r>
-              <a:rPr kumimoji="1" lang="zh-CN" altLang="en-US" dirty="0" smtClean="0"/>
+              <a:rPr kumimoji="1" lang="zh-CN" altLang="en-US" dirty="0"/>
               <a:t> </a:t>
             </a:r>
             <a:r>
-              <a:rPr kumimoji="1" lang="en-US" altLang="zh-CN" dirty="0" smtClean="0"/>
+              <a:rPr kumimoji="1" lang="en-US" altLang="zh-CN" dirty="0"/>
               <a:t>distributions:</a:t>
             </a:r>
             <a:r>
-              <a:rPr kumimoji="1" lang="zh-CN" altLang="en-US" dirty="0" smtClean="0"/>
+              <a:rPr kumimoji="1" lang="zh-CN" altLang="en-US" dirty="0"/>
               <a:t> </a:t>
             </a:r>
             <a:r>
-              <a:rPr kumimoji="1" lang="en-US" altLang="zh-CN" dirty="0" smtClean="0"/>
+              <a:rPr kumimoji="1" lang="en-US" altLang="zh-CN" dirty="0"/>
               <a:t>Gaussian</a:t>
             </a:r>
             <a:r>
-              <a:rPr kumimoji="1" lang="zh-CN" altLang="en-US" dirty="0" smtClean="0"/>
+              <a:rPr kumimoji="1" lang="zh-CN" altLang="en-US" dirty="0"/>
               <a:t> </a:t>
             </a:r>
             <a:r>
-              <a:rPr kumimoji="1" lang="en-US" altLang="zh-CN" dirty="0" smtClean="0"/>
+              <a:rPr kumimoji="1" lang="en-US" altLang="zh-CN" dirty="0"/>
               <a:t>Distribution</a:t>
             </a:r>
           </a:p>
@@ -16426,7 +16704,7 @@
         </p:nvSpPr>
         <p:spPr>
           <a:xfrm>
-            <a:off x="1060463" y="2546406"/>
+            <a:off x="1060463" y="2588770"/>
             <a:ext cx="2945480" cy="369332"/>
           </a:xfrm>
           <a:prstGeom prst="rect">
@@ -16441,24 +16719,60 @@
           <a:lstStyle/>
           <a:p>
             <a:r>
-              <a:rPr kumimoji="1" lang="en-US" altLang="zh-CN" dirty="0" smtClean="0"/>
+              <a:rPr kumimoji="1" lang="en-US" altLang="zh-CN" dirty="0"/>
               <a:t>Training</a:t>
             </a:r>
             <a:r>
-              <a:rPr kumimoji="1" lang="zh-CN" altLang="en-US" dirty="0" smtClean="0"/>
+              <a:rPr kumimoji="1" lang="zh-CN" altLang="en-US" dirty="0"/>
               <a:t> </a:t>
             </a:r>
             <a:r>
-              <a:rPr kumimoji="1" lang="en-US" altLang="zh-CN" dirty="0" smtClean="0"/>
+              <a:rPr kumimoji="1" lang="en-US" altLang="zh-CN" dirty="0"/>
               <a:t>Algorithm:</a:t>
             </a:r>
             <a:r>
-              <a:rPr kumimoji="1" lang="zh-CN" altLang="en-US" dirty="0" smtClean="0"/>
+              <a:rPr kumimoji="1" lang="zh-CN" altLang="en-US" dirty="0"/>
               <a:t> </a:t>
             </a:r>
             <a:r>
-              <a:rPr kumimoji="1" lang="en-US" altLang="zh-CN" dirty="0" smtClean="0"/>
+              <a:rPr kumimoji="1" lang="en-US" altLang="zh-CN" dirty="0"/>
               <a:t>Viterbi</a:t>
+            </a:r>
+            <a:endParaRPr kumimoji="1" lang="zh-CN" altLang="en-US" dirty="0"/>
+          </a:p>
+        </p:txBody>
+      </p:sp>
+      <p:sp>
+        <p:nvSpPr>
+          <p:cNvPr id="9" name="文本框 9">
+            <a:extLst>
+              <a:ext uri="{FF2B5EF4-FFF2-40B4-BE49-F238E27FC236}">
+                <a16:creationId xmlns:a16="http://schemas.microsoft.com/office/drawing/2014/main" id="{1A63AA06-B79F-412D-8EE9-7DBCC3ACCB3C}"/>
+              </a:ext>
+            </a:extLst>
+          </p:cNvPr>
+          <p:cNvSpPr txBox="1"/>
+          <p:nvPr/>
+        </p:nvSpPr>
+        <p:spPr>
+          <a:xfrm>
+            <a:off x="1060463" y="3154991"/>
+            <a:ext cx="2945480" cy="369332"/>
+          </a:xfrm>
+          <a:prstGeom prst="rect">
+            <a:avLst/>
+          </a:prstGeom>
+          <a:noFill/>
+        </p:spPr>
+        <p:txBody>
+          <a:bodyPr wrap="square" rtlCol="0">
+            <a:spAutoFit/>
+          </a:bodyPr>
+          <a:lstStyle/>
+          <a:p>
+            <a:r>
+              <a:rPr kumimoji="1" lang="sv-SE" altLang="zh-CN" dirty="0"/>
+              <a:t>Ergordic markov model</a:t>
             </a:r>
             <a:endParaRPr kumimoji="1" lang="zh-CN" altLang="en-US" dirty="0"/>
           </a:p>
@@ -16486,13 +16800,6 @@
       </p:transition>
     </mc:Fallback>
   </mc:AlternateContent>
-  <p:timing>
-    <p:tnLst>
-      <p:par>
-        <p:cTn id="1" dur="indefinite" restart="never" nodeType="tmRoot"/>
-      </p:par>
-    </p:tnLst>
-  </p:timing>
 </p:sld>
 </file>
 
@@ -16518,7 +16825,7 @@
           <p:cNvPr id="8" name="Rubrik 7">
             <a:extLst>
               <a:ext uri="{FF2B5EF4-FFF2-40B4-BE49-F238E27FC236}">
-                <a16:creationId xmlns:a16="http://schemas.microsoft.com/office/drawing/2014/main" xmlns="" id="{D137FBB1-2CF8-DC42-AF7B-28C21A52B951}"/>
+                <a16:creationId xmlns:a16="http://schemas.microsoft.com/office/drawing/2014/main" id="{D137FBB1-2CF8-DC42-AF7B-28C21A52B951}"/>
               </a:ext>
             </a:extLst>
           </p:cNvPr>
@@ -16535,7 +16842,7 @@
           <a:lstStyle/>
           <a:p>
             <a:r>
-              <a:rPr lang="en-US" altLang="zh-CN" dirty="0" smtClean="0"/>
+              <a:rPr lang="en-US" altLang="zh-CN" dirty="0"/>
               <a:t>Results</a:t>
             </a:r>
             <a:endParaRPr lang="en-GB" dirty="0"/>
@@ -16547,7 +16854,7 @@
           <p:cNvPr id="3" name="Platshållare för datum 2">
             <a:extLst>
               <a:ext uri="{FF2B5EF4-FFF2-40B4-BE49-F238E27FC236}">
-                <a16:creationId xmlns:a16="http://schemas.microsoft.com/office/drawing/2014/main" xmlns="" id="{C9D9A0CA-3DFF-E14B-955C-91D3537F0167}"/>
+                <a16:creationId xmlns:a16="http://schemas.microsoft.com/office/drawing/2014/main" id="{C9D9A0CA-3DFF-E14B-955C-91D3537F0167}"/>
               </a:ext>
             </a:extLst>
           </p:cNvPr>
@@ -16564,10 +16871,9 @@
           <a:lstStyle/>
           <a:p>
             <a:r>
-              <a:rPr lang="en-GB" dirty="0" smtClean="0"/>
+              <a:rPr lang="en-GB" dirty="0"/>
               <a:t>2019-09-13</a:t>
             </a:r>
-            <a:endParaRPr lang="en-GB" dirty="0"/>
           </a:p>
         </p:txBody>
       </p:sp>
@@ -16576,7 +16882,7 @@
           <p:cNvPr id="4" name="Platshållare för bildnummer 3">
             <a:extLst>
               <a:ext uri="{FF2B5EF4-FFF2-40B4-BE49-F238E27FC236}">
-                <a16:creationId xmlns:a16="http://schemas.microsoft.com/office/drawing/2014/main" xmlns="" id="{8AFF2BC0-9FEF-9C45-9CE0-40DC8A6BD12D}"/>
+                <a16:creationId xmlns:a16="http://schemas.microsoft.com/office/drawing/2014/main" id="{8AFF2BC0-9FEF-9C45-9CE0-40DC8A6BD12D}"/>
               </a:ext>
             </a:extLst>
           </p:cNvPr>
@@ -16603,28 +16909,28 @@
       </p:sp>
       <p:pic>
         <p:nvPicPr>
-          <p:cNvPr id="9" name="图片 8"/>
+          <p:cNvPr id="6" name="Picture 5">
+            <a:extLst>
+              <a:ext uri="{FF2B5EF4-FFF2-40B4-BE49-F238E27FC236}">
+                <a16:creationId xmlns:a16="http://schemas.microsoft.com/office/drawing/2014/main" id="{6E8B5EA7-5FA2-478D-A802-0546FEE540A2}"/>
+              </a:ext>
+            </a:extLst>
+          </p:cNvPr>
           <p:cNvPicPr>
             <a:picLocks noChangeAspect="1"/>
           </p:cNvPicPr>
           <p:nvPr/>
         </p:nvPicPr>
         <p:blipFill>
-          <a:blip r:embed="rId3">
-            <a:extLst>
-              <a:ext uri="{28A0092B-C50C-407E-A947-70E740481C1C}">
-                <a14:useLocalDpi xmlns:a14="http://schemas.microsoft.com/office/drawing/2010/main" val="0"/>
-              </a:ext>
-            </a:extLst>
-          </a:blip>
+          <a:blip r:embed="rId3"/>
           <a:stretch>
             <a:fillRect/>
           </a:stretch>
         </p:blipFill>
         <p:spPr>
           <a:xfrm>
-            <a:off x="1926005" y="822684"/>
-            <a:ext cx="5313763" cy="3985322"/>
+            <a:off x="1745535" y="819218"/>
+            <a:ext cx="5652930" cy="3922463"/>
           </a:xfrm>
           <a:prstGeom prst="rect">
             <a:avLst/>
@@ -16653,13 +16959,6 @@
       </p:transition>
     </mc:Fallback>
   </mc:AlternateContent>
-  <p:timing>
-    <p:tnLst>
-      <p:par>
-        <p:cTn id="1" dur="indefinite" restart="never" nodeType="tmRoot"/>
-      </p:par>
-    </p:tnLst>
-  </p:timing>
 </p:sld>
 </file>
 
@@ -16682,10 +16981,10 @@
       </p:grpSpPr>
       <p:sp>
         <p:nvSpPr>
-          <p:cNvPr id="8" name="Rubrik 7">
+          <p:cNvPr id="2" name="Title 1">
             <a:extLst>
               <a:ext uri="{FF2B5EF4-FFF2-40B4-BE49-F238E27FC236}">
-                <a16:creationId xmlns:a16="http://schemas.microsoft.com/office/drawing/2014/main" xmlns="" id="{D137FBB1-2CF8-DC42-AF7B-28C21A52B951}"/>
+                <a16:creationId xmlns:a16="http://schemas.microsoft.com/office/drawing/2014/main" id="{D97BD66C-7E88-4005-B602-228DA407B52D}"/>
               </a:ext>
             </a:extLst>
           </p:cNvPr>
@@ -16702,19 +17001,19 @@
           <a:lstStyle/>
           <a:p>
             <a:r>
-              <a:rPr lang="en-US" altLang="zh-CN" dirty="0" smtClean="0"/>
-              <a:t>Conclusions</a:t>
+              <a:rPr lang="sv-SE" dirty="0"/>
+              <a:t>Visualization of Output distributions</a:t>
             </a:r>
-            <a:endParaRPr lang="en-GB" dirty="0"/>
+            <a:endParaRPr lang="en-SE" dirty="0"/>
           </a:p>
         </p:txBody>
       </p:sp>
       <p:sp>
         <p:nvSpPr>
-          <p:cNvPr id="3" name="Platshållare för datum 2">
+          <p:cNvPr id="3" name="Date Placeholder 2">
             <a:extLst>
               <a:ext uri="{FF2B5EF4-FFF2-40B4-BE49-F238E27FC236}">
-                <a16:creationId xmlns:a16="http://schemas.microsoft.com/office/drawing/2014/main" xmlns="" id="{C9D9A0CA-3DFF-E14B-955C-91D3537F0167}"/>
+                <a16:creationId xmlns:a16="http://schemas.microsoft.com/office/drawing/2014/main" id="{3228F7B3-48A0-4526-98EE-8178522DD6EB}"/>
               </a:ext>
             </a:extLst>
           </p:cNvPr>
@@ -16730,20 +17029,20 @@
           <a:bodyPr/>
           <a:lstStyle/>
           <a:p>
-            <a:r>
-              <a:rPr lang="en-GB" dirty="0" smtClean="0"/>
-              <a:t>2019-09-13</a:t>
-            </a:r>
+            <a:fld id="{0D45677C-6021-4B4B-8D00-4AA6DB0D4902}" type="datetime1">
+              <a:rPr lang="sv-SE" smtClean="0"/>
+              <a:t>2020-05-28</a:t>
+            </a:fld>
             <a:endParaRPr lang="en-GB" dirty="0"/>
           </a:p>
         </p:txBody>
       </p:sp>
       <p:sp>
         <p:nvSpPr>
-          <p:cNvPr id="4" name="Platshållare för bildnummer 3">
+          <p:cNvPr id="4" name="Slide Number Placeholder 3">
             <a:extLst>
               <a:ext uri="{FF2B5EF4-FFF2-40B4-BE49-F238E27FC236}">
-                <a16:creationId xmlns:a16="http://schemas.microsoft.com/office/drawing/2014/main" xmlns="" id="{8AFF2BC0-9FEF-9C45-9CE0-40DC8A6BD12D}"/>
+                <a16:creationId xmlns:a16="http://schemas.microsoft.com/office/drawing/2014/main" id="{168AD140-D9D9-4313-9FCC-A1CA25FD9D18}"/>
               </a:ext>
             </a:extLst>
           </p:cNvPr>
@@ -16764,14 +17063,1004 @@
               <a:pPr/>
               <a:t>7</a:t>
             </a:fld>
-            <a:endParaRPr lang="en-GB" dirty="0"/>
+            <a:endParaRPr lang="en-GB"/>
           </a:p>
         </p:txBody>
       </p:sp>
+      <p:sp>
+        <p:nvSpPr>
+          <p:cNvPr id="8" name="AutoShape 6" descr="{\displaystyle f_{\mathbf {X} }(x_{1},\ldots ,x_{k})={\frac {\exp \left(-{\frac {1}{2}}({\mathbf {x} }-{\boldsymbol {\mu }})^{\mathrm {T} }{\boldsymbol {\Sigma }}^{-1}({\mathbf {x} }-{\boldsymbol {\mu }})\right)}{\sqrt {(2\pi )^{k}|{\boldsymbol {\Sigma }}|}}}}">
+            <a:extLst>
+              <a:ext uri="{FF2B5EF4-FFF2-40B4-BE49-F238E27FC236}">
+                <a16:creationId xmlns:a16="http://schemas.microsoft.com/office/drawing/2014/main" id="{5B4D039C-C06E-46B6-B3A9-15941378CF0F}"/>
+              </a:ext>
+            </a:extLst>
+          </p:cNvPr>
+          <p:cNvSpPr>
+            <a:spLocks noChangeAspect="1" noChangeArrowheads="1"/>
+          </p:cNvSpPr>
+          <p:nvPr/>
+        </p:nvSpPr>
+        <p:spPr bwMode="auto">
+          <a:xfrm>
+            <a:off x="4419599" y="2419350"/>
+            <a:ext cx="16472715" cy="2647644"/>
+          </a:xfrm>
+          <a:prstGeom prst="rect">
+            <a:avLst/>
+          </a:prstGeom>
+          <a:noFill/>
+          <a:extLst>
+            <a:ext uri="{909E8E84-426E-40DD-AFC4-6F175D3DCCD1}">
+              <a14:hiddenFill xmlns:a14="http://schemas.microsoft.com/office/drawing/2010/main">
+                <a:solidFill>
+                  <a:srgbClr val="FFFFFF"/>
+                </a:solidFill>
+              </a14:hiddenFill>
+            </a:ext>
+          </a:extLst>
+        </p:spPr>
+        <p:txBody>
+          <a:bodyPr vert="horz" wrap="square" lIns="91440" tIns="45720" rIns="91440" bIns="45720" numCol="1" anchor="t" anchorCtr="0" compatLnSpc="1">
+            <a:prstTxWarp prst="textNoShape">
+              <a:avLst/>
+            </a:prstTxWarp>
+          </a:bodyPr>
+          <a:lstStyle/>
+          <a:p>
+            <a:endParaRPr lang="en-SE"/>
+          </a:p>
+        </p:txBody>
+      </p:sp>
+      <p:pic>
+        <p:nvPicPr>
+          <p:cNvPr id="10" name="Picture 9">
+            <a:extLst>
+              <a:ext uri="{FF2B5EF4-FFF2-40B4-BE49-F238E27FC236}">
+                <a16:creationId xmlns:a16="http://schemas.microsoft.com/office/drawing/2014/main" id="{B749C1C4-723B-48F8-A022-E8882FE204DE}"/>
+              </a:ext>
+            </a:extLst>
+          </p:cNvPr>
+          <p:cNvPicPr>
+            <a:picLocks noChangeAspect="1"/>
+          </p:cNvPicPr>
+          <p:nvPr/>
+        </p:nvPicPr>
+        <p:blipFill>
+          <a:blip r:embed="rId2"/>
+          <a:stretch>
+            <a:fillRect/>
+          </a:stretch>
+        </p:blipFill>
+        <p:spPr>
+          <a:xfrm>
+            <a:off x="2868782" y="1286184"/>
+            <a:ext cx="3406435" cy="670618"/>
+          </a:xfrm>
+          <a:prstGeom prst="rect">
+            <a:avLst/>
+          </a:prstGeom>
+        </p:spPr>
+      </p:pic>
+      <mc:AlternateContent xmlns:mc="http://schemas.openxmlformats.org/markup-compatibility/2006" xmlns:a14="http://schemas.microsoft.com/office/drawing/2010/main">
+        <mc:Choice Requires="a14">
+          <p:sp>
+            <p:nvSpPr>
+              <p:cNvPr id="11" name="TextBox 10">
+                <a:extLst>
+                  <a:ext uri="{FF2B5EF4-FFF2-40B4-BE49-F238E27FC236}">
+                    <a16:creationId xmlns:a16="http://schemas.microsoft.com/office/drawing/2014/main" id="{EFB87949-23F0-4149-99C4-B9E08107DECB}"/>
+                  </a:ext>
+                </a:extLst>
+              </p:cNvPr>
+              <p:cNvSpPr txBox="1"/>
+              <p:nvPr/>
+            </p:nvSpPr>
+            <p:spPr>
+              <a:xfrm>
+                <a:off x="1477786" y="2264536"/>
+                <a:ext cx="6188425" cy="1346074"/>
+              </a:xfrm>
+              <a:prstGeom prst="rect">
+                <a:avLst/>
+              </a:prstGeom>
+              <a:noFill/>
+            </p:spPr>
+            <p:txBody>
+              <a:bodyPr wrap="none" lIns="0" tIns="0" rIns="0" bIns="0" rtlCol="0">
+                <a:spAutoFit/>
+              </a:bodyPr>
+              <a:lstStyle/>
+              <a:p>
+                <a:pPr/>
+                <a14:m>
+                  <m:oMathPara xmlns:m="http://schemas.openxmlformats.org/officeDocument/2006/math">
+                    <m:oMathParaPr>
+                      <m:jc m:val="centerGroup"/>
+                    </m:oMathParaPr>
+                    <m:oMath xmlns:m="http://schemas.openxmlformats.org/officeDocument/2006/math">
+                      <m:r>
+                        <m:rPr>
+                          <m:sty m:val="p"/>
+                        </m:rPr>
+                        <a:rPr lang="en-SE">
+                          <a:latin typeface="Cambria Math" panose="02040503050406030204" pitchFamily="18" charset="0"/>
+                        </a:rPr>
+                        <m:t>Σ</m:t>
+                      </m:r>
+                      <m:r>
+                        <a:rPr lang="en-SE" i="1">
+                          <a:latin typeface="Cambria Math" panose="02040503050406030204" pitchFamily="18" charset="0"/>
+                        </a:rPr>
+                        <m:t>=</m:t>
+                      </m:r>
+                      <m:r>
+                        <a:rPr lang="en-SE" i="1">
+                          <a:latin typeface="Cambria Math" panose="02040503050406030204" pitchFamily="18" charset="0"/>
+                        </a:rPr>
+                        <m:t>𝑉𝐷</m:t>
+                      </m:r>
+                      <m:sSup>
+                        <m:sSupPr>
+                          <m:ctrlPr>
+                            <a:rPr lang="en-SE" i="1">
+                              <a:latin typeface="Cambria Math" panose="02040503050406030204" pitchFamily="18" charset="0"/>
+                            </a:rPr>
+                          </m:ctrlPr>
+                        </m:sSupPr>
+                        <m:e>
+                          <m:r>
+                            <a:rPr lang="en-SE" i="1">
+                              <a:latin typeface="Cambria Math" panose="02040503050406030204" pitchFamily="18" charset="0"/>
+                            </a:rPr>
+                            <m:t>𝑉</m:t>
+                          </m:r>
+                        </m:e>
+                        <m:sup>
+                          <m:r>
+                            <a:rPr lang="en-SE" i="1">
+                              <a:latin typeface="Cambria Math" panose="02040503050406030204" pitchFamily="18" charset="0"/>
+                            </a:rPr>
+                            <m:t>−1</m:t>
+                          </m:r>
+                        </m:sup>
+                      </m:sSup>
+                      <m:r>
+                        <a:rPr lang="sv" i="1">
+                          <a:latin typeface="Cambria Math" panose="02040503050406030204" pitchFamily="18" charset="0"/>
+                        </a:rPr>
+                        <m:t>=</m:t>
+                      </m:r>
+                      <m:r>
+                        <a:rPr lang="sv" i="1">
+                          <a:latin typeface="Cambria Math" panose="02040503050406030204" pitchFamily="18" charset="0"/>
+                        </a:rPr>
+                        <m:t>𝑉𝐷</m:t>
+                      </m:r>
+                      <m:sSup>
+                        <m:sSupPr>
+                          <m:ctrlPr>
+                            <a:rPr lang="en-SE" i="1">
+                              <a:latin typeface="Cambria Math" panose="02040503050406030204" pitchFamily="18" charset="0"/>
+                            </a:rPr>
+                          </m:ctrlPr>
+                        </m:sSupPr>
+                        <m:e>
+                          <m:r>
+                            <a:rPr lang="sv" i="1">
+                              <a:latin typeface="Cambria Math" panose="02040503050406030204" pitchFamily="18" charset="0"/>
+                            </a:rPr>
+                            <m:t>𝑉</m:t>
+                          </m:r>
+                        </m:e>
+                        <m:sup>
+                          <m:r>
+                            <a:rPr lang="sv" i="1">
+                              <a:latin typeface="Cambria Math" panose="02040503050406030204" pitchFamily="18" charset="0"/>
+                            </a:rPr>
+                            <m:t>𝑇</m:t>
+                          </m:r>
+                        </m:sup>
+                      </m:sSup>
+                    </m:oMath>
+                  </m:oMathPara>
+                </a14:m>
+                <a:endParaRPr lang="en-SE" dirty="0"/>
+              </a:p>
+              <a:p>
+                <a:pPr/>
+                <a14:m>
+                  <m:oMathPara xmlns:m="http://schemas.openxmlformats.org/officeDocument/2006/math">
+                    <m:oMathParaPr>
+                      <m:jc m:val="centerGroup"/>
+                    </m:oMathParaPr>
+                    <m:oMath xmlns:m="http://schemas.openxmlformats.org/officeDocument/2006/math">
+                      <m:sSup>
+                        <m:sSupPr>
+                          <m:ctrlPr>
+                            <a:rPr lang="en-SE" i="1">
+                              <a:latin typeface="Cambria Math" panose="02040503050406030204" pitchFamily="18" charset="0"/>
+                            </a:rPr>
+                          </m:ctrlPr>
+                        </m:sSupPr>
+                        <m:e>
+                          <m:r>
+                            <m:rPr>
+                              <m:sty m:val="p"/>
+                            </m:rPr>
+                            <a:rPr lang="en-SE">
+                              <a:latin typeface="Cambria Math" panose="02040503050406030204" pitchFamily="18" charset="0"/>
+                            </a:rPr>
+                            <m:t>Σ</m:t>
+                          </m:r>
+                        </m:e>
+                        <m:sup>
+                          <m:r>
+                            <a:rPr lang="en-SE" i="1">
+                              <a:latin typeface="Cambria Math" panose="02040503050406030204" pitchFamily="18" charset="0"/>
+                            </a:rPr>
+                            <m:t>−1</m:t>
+                          </m:r>
+                        </m:sup>
+                      </m:sSup>
+                      <m:r>
+                        <a:rPr lang="en-SE" i="1">
+                          <a:latin typeface="Cambria Math" panose="02040503050406030204" pitchFamily="18" charset="0"/>
+                        </a:rPr>
+                        <m:t>=</m:t>
+                      </m:r>
+                      <m:r>
+                        <m:rPr>
+                          <m:sty m:val="p"/>
+                        </m:rPr>
+                        <a:rPr lang="en-SE">
+                          <a:latin typeface="Cambria Math" panose="02040503050406030204" pitchFamily="18" charset="0"/>
+                        </a:rPr>
+                        <m:t>V</m:t>
+                      </m:r>
+                      <m:sSup>
+                        <m:sSupPr>
+                          <m:ctrlPr>
+                            <a:rPr lang="en-SE" i="1">
+                              <a:latin typeface="Cambria Math" panose="02040503050406030204" pitchFamily="18" charset="0"/>
+                            </a:rPr>
+                          </m:ctrlPr>
+                        </m:sSupPr>
+                        <m:e>
+                          <m:r>
+                            <m:rPr>
+                              <m:sty m:val="p"/>
+                            </m:rPr>
+                            <a:rPr lang="en-SE">
+                              <a:latin typeface="Cambria Math" panose="02040503050406030204" pitchFamily="18" charset="0"/>
+                            </a:rPr>
+                            <m:t>D</m:t>
+                          </m:r>
+                        </m:e>
+                        <m:sup>
+                          <m:r>
+                            <a:rPr lang="en-SE" i="1">
+                              <a:latin typeface="Cambria Math" panose="02040503050406030204" pitchFamily="18" charset="0"/>
+                            </a:rPr>
+                            <m:t>−1</m:t>
+                          </m:r>
+                        </m:sup>
+                      </m:sSup>
+                      <m:sSup>
+                        <m:sSupPr>
+                          <m:ctrlPr>
+                            <a:rPr lang="en-SE" i="1">
+                              <a:latin typeface="Cambria Math" panose="02040503050406030204" pitchFamily="18" charset="0"/>
+                            </a:rPr>
+                          </m:ctrlPr>
+                        </m:sSupPr>
+                        <m:e>
+                          <m:r>
+                            <m:rPr>
+                              <m:sty m:val="p"/>
+                            </m:rPr>
+                            <a:rPr lang="en-SE">
+                              <a:latin typeface="Cambria Math" panose="02040503050406030204" pitchFamily="18" charset="0"/>
+                            </a:rPr>
+                            <m:t>V</m:t>
+                          </m:r>
+                        </m:e>
+                        <m:sup>
+                          <m:r>
+                            <a:rPr lang="en-SE" i="1">
+                              <a:latin typeface="Cambria Math" panose="02040503050406030204" pitchFamily="18" charset="0"/>
+                            </a:rPr>
+                            <m:t>−1</m:t>
+                          </m:r>
+                        </m:sup>
+                      </m:sSup>
+                      <m:r>
+                        <a:rPr lang="sv" i="1">
+                          <a:latin typeface="Cambria Math" panose="02040503050406030204" pitchFamily="18" charset="0"/>
+                        </a:rPr>
+                        <m:t>=</m:t>
+                      </m:r>
+                      <m:r>
+                        <m:rPr>
+                          <m:sty m:val="p"/>
+                        </m:rPr>
+                        <a:rPr lang="sv">
+                          <a:latin typeface="Cambria Math" panose="02040503050406030204" pitchFamily="18" charset="0"/>
+                        </a:rPr>
+                        <m:t>V</m:t>
+                      </m:r>
+                      <m:sSup>
+                        <m:sSupPr>
+                          <m:ctrlPr>
+                            <a:rPr lang="en-SE" i="1">
+                              <a:latin typeface="Cambria Math" panose="02040503050406030204" pitchFamily="18" charset="0"/>
+                            </a:rPr>
+                          </m:ctrlPr>
+                        </m:sSupPr>
+                        <m:e>
+                          <m:r>
+                            <m:rPr>
+                              <m:sty m:val="p"/>
+                            </m:rPr>
+                            <a:rPr lang="sv">
+                              <a:latin typeface="Cambria Math" panose="02040503050406030204" pitchFamily="18" charset="0"/>
+                            </a:rPr>
+                            <m:t>D</m:t>
+                          </m:r>
+                        </m:e>
+                        <m:sup>
+                          <m:r>
+                            <a:rPr lang="en-SE" i="1">
+                              <a:latin typeface="Cambria Math" panose="02040503050406030204" pitchFamily="18" charset="0"/>
+                            </a:rPr>
+                            <m:t>−1</m:t>
+                          </m:r>
+                        </m:sup>
+                      </m:sSup>
+                      <m:sSup>
+                        <m:sSupPr>
+                          <m:ctrlPr>
+                            <a:rPr lang="en-SE" i="1">
+                              <a:latin typeface="Cambria Math" panose="02040503050406030204" pitchFamily="18" charset="0"/>
+                            </a:rPr>
+                          </m:ctrlPr>
+                        </m:sSupPr>
+                        <m:e>
+                          <m:r>
+                            <m:rPr>
+                              <m:sty m:val="p"/>
+                            </m:rPr>
+                            <a:rPr lang="sv">
+                              <a:latin typeface="Cambria Math" panose="02040503050406030204" pitchFamily="18" charset="0"/>
+                            </a:rPr>
+                            <m:t>V</m:t>
+                          </m:r>
+                        </m:e>
+                        <m:sup>
+                          <m:r>
+                            <m:rPr>
+                              <m:sty m:val="p"/>
+                            </m:rPr>
+                            <a:rPr lang="sv">
+                              <a:latin typeface="Cambria Math" panose="02040503050406030204" pitchFamily="18" charset="0"/>
+                            </a:rPr>
+                            <m:t>T</m:t>
+                          </m:r>
+                        </m:sup>
+                      </m:sSup>
+                    </m:oMath>
+                  </m:oMathPara>
+                </a14:m>
+                <a:endParaRPr lang="en-SE" dirty="0"/>
+              </a:p>
+              <a:p>
+                <a:pPr/>
+                <a14:m>
+                  <m:oMathPara xmlns:m="http://schemas.openxmlformats.org/officeDocument/2006/math">
+                    <m:oMathParaPr>
+                      <m:jc m:val="centerGroup"/>
+                    </m:oMathParaPr>
+                    <m:oMath xmlns:m="http://schemas.openxmlformats.org/officeDocument/2006/math">
+                      <m:sSup>
+                        <m:sSupPr>
+                          <m:ctrlPr>
+                            <a:rPr lang="en-SE" i="1">
+                              <a:latin typeface="Cambria Math" panose="02040503050406030204" pitchFamily="18" charset="0"/>
+                            </a:rPr>
+                          </m:ctrlPr>
+                        </m:sSupPr>
+                        <m:e>
+                          <m:d>
+                            <m:dPr>
+                              <m:ctrlPr>
+                                <a:rPr lang="en-SE" i="1">
+                                  <a:latin typeface="Cambria Math" panose="02040503050406030204" pitchFamily="18" charset="0"/>
+                                </a:rPr>
+                              </m:ctrlPr>
+                            </m:dPr>
+                            <m:e>
+                              <m:r>
+                                <m:rPr>
+                                  <m:sty m:val="p"/>
+                                </m:rPr>
+                                <a:rPr lang="en-SE">
+                                  <a:latin typeface="Cambria Math" panose="02040503050406030204" pitchFamily="18" charset="0"/>
+                                </a:rPr>
+                                <m:t>x</m:t>
+                              </m:r>
+                              <m:r>
+                                <a:rPr lang="en-SE" i="1">
+                                  <a:latin typeface="Cambria Math" panose="02040503050406030204" pitchFamily="18" charset="0"/>
+                                </a:rPr>
+                                <m:t>−</m:t>
+                              </m:r>
+                              <m:r>
+                                <m:rPr>
+                                  <m:sty m:val="p"/>
+                                </m:rPr>
+                                <a:rPr lang="en-SE">
+                                  <a:latin typeface="Cambria Math" panose="02040503050406030204" pitchFamily="18" charset="0"/>
+                                </a:rPr>
+                                <m:t>μ</m:t>
+                              </m:r>
+                            </m:e>
+                          </m:d>
+                        </m:e>
+                        <m:sup>
+                          <m:r>
+                            <a:rPr lang="en-SE" i="1">
+                              <a:latin typeface="Cambria Math" panose="02040503050406030204" pitchFamily="18" charset="0"/>
+                            </a:rPr>
+                            <m:t>𝑇</m:t>
+                          </m:r>
+                        </m:sup>
+                      </m:sSup>
+                      <m:sSup>
+                        <m:sSupPr>
+                          <m:ctrlPr>
+                            <a:rPr lang="en-SE" i="1">
+                              <a:latin typeface="Cambria Math" panose="02040503050406030204" pitchFamily="18" charset="0"/>
+                            </a:rPr>
+                          </m:ctrlPr>
+                        </m:sSupPr>
+                        <m:e>
+                          <m:r>
+                            <m:rPr>
+                              <m:sty m:val="p"/>
+                            </m:rPr>
+                            <a:rPr lang="en-SE">
+                              <a:latin typeface="Cambria Math" panose="02040503050406030204" pitchFamily="18" charset="0"/>
+                            </a:rPr>
+                            <m:t>Σ</m:t>
+                          </m:r>
+                        </m:e>
+                        <m:sup>
+                          <m:r>
+                            <a:rPr lang="en-SE" i="1">
+                              <a:latin typeface="Cambria Math" panose="02040503050406030204" pitchFamily="18" charset="0"/>
+                            </a:rPr>
+                            <m:t>−1</m:t>
+                          </m:r>
+                        </m:sup>
+                      </m:sSup>
+                      <m:d>
+                        <m:dPr>
+                          <m:ctrlPr>
+                            <a:rPr lang="en-SE" i="1">
+                              <a:latin typeface="Cambria Math" panose="02040503050406030204" pitchFamily="18" charset="0"/>
+                            </a:rPr>
+                          </m:ctrlPr>
+                        </m:dPr>
+                        <m:e>
+                          <m:r>
+                            <m:rPr>
+                              <m:sty m:val="p"/>
+                            </m:rPr>
+                            <a:rPr lang="en-SE">
+                              <a:latin typeface="Cambria Math" panose="02040503050406030204" pitchFamily="18" charset="0"/>
+                            </a:rPr>
+                            <m:t>x</m:t>
+                          </m:r>
+                          <m:r>
+                            <a:rPr lang="en-SE" i="1">
+                              <a:latin typeface="Cambria Math" panose="02040503050406030204" pitchFamily="18" charset="0"/>
+                            </a:rPr>
+                            <m:t>−</m:t>
+                          </m:r>
+                          <m:r>
+                            <m:rPr>
+                              <m:sty m:val="p"/>
+                            </m:rPr>
+                            <a:rPr lang="en-SE">
+                              <a:latin typeface="Cambria Math" panose="02040503050406030204" pitchFamily="18" charset="0"/>
+                            </a:rPr>
+                            <m:t>μ</m:t>
+                          </m:r>
+                        </m:e>
+                      </m:d>
+                      <m:r>
+                        <a:rPr lang="en-SE" i="1">
+                          <a:latin typeface="Cambria Math" panose="02040503050406030204" pitchFamily="18" charset="0"/>
+                        </a:rPr>
+                        <m:t>=</m:t>
+                      </m:r>
+                      <m:sSup>
+                        <m:sSupPr>
+                          <m:ctrlPr>
+                            <a:rPr lang="en-SE" i="1">
+                              <a:latin typeface="Cambria Math" panose="02040503050406030204" pitchFamily="18" charset="0"/>
+                            </a:rPr>
+                          </m:ctrlPr>
+                        </m:sSupPr>
+                        <m:e>
+                          <m:d>
+                            <m:dPr>
+                              <m:ctrlPr>
+                                <a:rPr lang="en-SE" i="1">
+                                  <a:latin typeface="Cambria Math" panose="02040503050406030204" pitchFamily="18" charset="0"/>
+                                </a:rPr>
+                              </m:ctrlPr>
+                            </m:dPr>
+                            <m:e>
+                              <m:r>
+                                <m:rPr>
+                                  <m:sty m:val="p"/>
+                                </m:rPr>
+                                <a:rPr lang="en-SE">
+                                  <a:latin typeface="Cambria Math" panose="02040503050406030204" pitchFamily="18" charset="0"/>
+                                </a:rPr>
+                                <m:t>x</m:t>
+                              </m:r>
+                              <m:r>
+                                <a:rPr lang="en-SE" i="1">
+                                  <a:latin typeface="Cambria Math" panose="02040503050406030204" pitchFamily="18" charset="0"/>
+                                </a:rPr>
+                                <m:t>−</m:t>
+                              </m:r>
+                              <m:r>
+                                <m:rPr>
+                                  <m:sty m:val="p"/>
+                                </m:rPr>
+                                <a:rPr lang="en-SE">
+                                  <a:latin typeface="Cambria Math" panose="02040503050406030204" pitchFamily="18" charset="0"/>
+                                </a:rPr>
+                                <m:t>μ</m:t>
+                              </m:r>
+                            </m:e>
+                          </m:d>
+                        </m:e>
+                        <m:sup>
+                          <m:r>
+                            <a:rPr lang="en-SE" i="1">
+                              <a:latin typeface="Cambria Math" panose="02040503050406030204" pitchFamily="18" charset="0"/>
+                            </a:rPr>
+                            <m:t>𝑇</m:t>
+                          </m:r>
+                        </m:sup>
+                      </m:sSup>
+                      <m:r>
+                        <m:rPr>
+                          <m:sty m:val="p"/>
+                        </m:rPr>
+                        <a:rPr lang="sv">
+                          <a:latin typeface="Cambria Math" panose="02040503050406030204" pitchFamily="18" charset="0"/>
+                        </a:rPr>
+                        <m:t>V</m:t>
+                      </m:r>
+                      <m:sSup>
+                        <m:sSupPr>
+                          <m:ctrlPr>
+                            <a:rPr lang="en-SE" i="1">
+                              <a:latin typeface="Cambria Math" panose="02040503050406030204" pitchFamily="18" charset="0"/>
+                            </a:rPr>
+                          </m:ctrlPr>
+                        </m:sSupPr>
+                        <m:e>
+                          <m:r>
+                            <a:rPr lang="sv" i="1">
+                              <a:latin typeface="Cambria Math" panose="02040503050406030204" pitchFamily="18" charset="0"/>
+                            </a:rPr>
+                            <m:t>𝐷</m:t>
+                          </m:r>
+                        </m:e>
+                        <m:sup>
+                          <m:r>
+                            <a:rPr lang="en-SE" i="1">
+                              <a:latin typeface="Cambria Math" panose="02040503050406030204" pitchFamily="18" charset="0"/>
+                            </a:rPr>
+                            <m:t>−1</m:t>
+                          </m:r>
+                        </m:sup>
+                      </m:sSup>
+                      <m:sSup>
+                        <m:sSupPr>
+                          <m:ctrlPr>
+                            <a:rPr lang="en-SE" i="1">
+                              <a:latin typeface="Cambria Math" panose="02040503050406030204" pitchFamily="18" charset="0"/>
+                            </a:rPr>
+                          </m:ctrlPr>
+                        </m:sSupPr>
+                        <m:e>
+                          <m:r>
+                            <a:rPr lang="sv" i="1">
+                              <a:latin typeface="Cambria Math" panose="02040503050406030204" pitchFamily="18" charset="0"/>
+                            </a:rPr>
+                            <m:t>𝑉</m:t>
+                          </m:r>
+                        </m:e>
+                        <m:sup>
+                          <m:r>
+                            <a:rPr lang="sv" i="1">
+                              <a:latin typeface="Cambria Math" panose="02040503050406030204" pitchFamily="18" charset="0"/>
+                            </a:rPr>
+                            <m:t>𝑇</m:t>
+                          </m:r>
+                        </m:sup>
+                      </m:sSup>
+                      <m:d>
+                        <m:dPr>
+                          <m:ctrlPr>
+                            <a:rPr lang="en-SE" i="1">
+                              <a:latin typeface="Cambria Math" panose="02040503050406030204" pitchFamily="18" charset="0"/>
+                            </a:rPr>
+                          </m:ctrlPr>
+                        </m:dPr>
+                        <m:e>
+                          <m:r>
+                            <m:rPr>
+                              <m:sty m:val="p"/>
+                            </m:rPr>
+                            <a:rPr lang="en-SE">
+                              <a:latin typeface="Cambria Math" panose="02040503050406030204" pitchFamily="18" charset="0"/>
+                            </a:rPr>
+                            <m:t>x</m:t>
+                          </m:r>
+                          <m:r>
+                            <a:rPr lang="en-SE" i="1">
+                              <a:latin typeface="Cambria Math" panose="02040503050406030204" pitchFamily="18" charset="0"/>
+                            </a:rPr>
+                            <m:t>−</m:t>
+                          </m:r>
+                          <m:r>
+                            <m:rPr>
+                              <m:sty m:val="p"/>
+                            </m:rPr>
+                            <a:rPr lang="en-SE">
+                              <a:latin typeface="Cambria Math" panose="02040503050406030204" pitchFamily="18" charset="0"/>
+                            </a:rPr>
+                            <m:t>μ</m:t>
+                          </m:r>
+                        </m:e>
+                      </m:d>
+                      <m:r>
+                        <a:rPr lang="en-SE" i="1">
+                          <a:latin typeface="Cambria Math" panose="02040503050406030204" pitchFamily="18" charset="0"/>
+                        </a:rPr>
+                        <m:t>=</m:t>
+                      </m:r>
+                      <m:nary>
+                        <m:naryPr>
+                          <m:chr m:val="∑"/>
+                          <m:subHide m:val="on"/>
+                          <m:supHide m:val="on"/>
+                          <m:ctrlPr>
+                            <a:rPr lang="en-SE" i="1">
+                              <a:latin typeface="Cambria Math" panose="02040503050406030204" pitchFamily="18" charset="0"/>
+                            </a:rPr>
+                          </m:ctrlPr>
+                        </m:naryPr>
+                        <m:sub/>
+                        <m:sup/>
+                        <m:e>
+                          <m:f>
+                            <m:fPr>
+                              <m:ctrlPr>
+                                <a:rPr lang="en-SE" i="1">
+                                  <a:latin typeface="Cambria Math" panose="02040503050406030204" pitchFamily="18" charset="0"/>
+                                </a:rPr>
+                              </m:ctrlPr>
+                            </m:fPr>
+                            <m:num>
+                              <m:sSup>
+                                <m:sSupPr>
+                                  <m:ctrlPr>
+                                    <a:rPr lang="en-SE" i="1">
+                                      <a:latin typeface="Cambria Math" panose="02040503050406030204" pitchFamily="18" charset="0"/>
+                                    </a:rPr>
+                                  </m:ctrlPr>
+                                </m:sSupPr>
+                                <m:e>
+                                  <m:d>
+                                    <m:dPr>
+                                      <m:ctrlPr>
+                                        <a:rPr lang="en-SE" i="1">
+                                          <a:latin typeface="Cambria Math" panose="02040503050406030204" pitchFamily="18" charset="0"/>
+                                        </a:rPr>
+                                      </m:ctrlPr>
+                                    </m:dPr>
+                                    <m:e>
+                                      <m:sSup>
+                                        <m:sSupPr>
+                                          <m:ctrlPr>
+                                            <a:rPr lang="en-SE" i="1">
+                                              <a:latin typeface="Cambria Math" panose="02040503050406030204" pitchFamily="18" charset="0"/>
+                                            </a:rPr>
+                                          </m:ctrlPr>
+                                        </m:sSupPr>
+                                        <m:e>
+                                          <m:r>
+                                            <a:rPr lang="en-SE" i="1">
+                                              <a:latin typeface="Cambria Math" panose="02040503050406030204" pitchFamily="18" charset="0"/>
+                                            </a:rPr>
+                                            <m:t>𝑥</m:t>
+                                          </m:r>
+                                        </m:e>
+                                        <m:sup>
+                                          <m:r>
+                                            <a:rPr lang="en-SE" i="1">
+                                              <a:latin typeface="Cambria Math" panose="02040503050406030204" pitchFamily="18" charset="0"/>
+                                            </a:rPr>
+                                            <m:t>′</m:t>
+                                          </m:r>
+                                        </m:sup>
+                                      </m:sSup>
+                                      <m:r>
+                                        <a:rPr lang="en-SE" i="1">
+                                          <a:latin typeface="Cambria Math" panose="02040503050406030204" pitchFamily="18" charset="0"/>
+                                        </a:rPr>
+                                        <m:t>−</m:t>
+                                      </m:r>
+                                      <m:sSup>
+                                        <m:sSupPr>
+                                          <m:ctrlPr>
+                                            <a:rPr lang="en-SE" i="1">
+                                              <a:latin typeface="Cambria Math" panose="02040503050406030204" pitchFamily="18" charset="0"/>
+                                            </a:rPr>
+                                          </m:ctrlPr>
+                                        </m:sSupPr>
+                                        <m:e>
+                                          <m:r>
+                                            <m:rPr>
+                                              <m:sty m:val="p"/>
+                                            </m:rPr>
+                                            <a:rPr lang="en-SE">
+                                              <a:latin typeface="Cambria Math" panose="02040503050406030204" pitchFamily="18" charset="0"/>
+                                            </a:rPr>
+                                            <m:t>μ</m:t>
+                                          </m:r>
+                                        </m:e>
+                                        <m:sup>
+                                          <m:r>
+                                            <a:rPr lang="en-SE" i="1">
+                                              <a:latin typeface="Cambria Math" panose="02040503050406030204" pitchFamily="18" charset="0"/>
+                                            </a:rPr>
+                                            <m:t>′</m:t>
+                                          </m:r>
+                                        </m:sup>
+                                      </m:sSup>
+                                    </m:e>
+                                  </m:d>
+                                </m:e>
+                                <m:sup>
+                                  <m:r>
+                                    <a:rPr lang="en-SE" i="1">
+                                      <a:latin typeface="Cambria Math" panose="02040503050406030204" pitchFamily="18" charset="0"/>
+                                    </a:rPr>
+                                    <m:t>2</m:t>
+                                  </m:r>
+                                </m:sup>
+                              </m:sSup>
+                            </m:num>
+                            <m:den>
+                              <m:sSup>
+                                <m:sSupPr>
+                                  <m:ctrlPr>
+                                    <a:rPr lang="en-SE" i="1">
+                                      <a:latin typeface="Cambria Math" panose="02040503050406030204" pitchFamily="18" charset="0"/>
+                                    </a:rPr>
+                                  </m:ctrlPr>
+                                </m:sSupPr>
+                                <m:e>
+                                  <m:r>
+                                    <m:rPr>
+                                      <m:sty m:val="p"/>
+                                    </m:rPr>
+                                    <a:rPr lang="en-SE">
+                                      <a:latin typeface="Cambria Math" panose="02040503050406030204" pitchFamily="18" charset="0"/>
+                                    </a:rPr>
+                                    <m:t>σ</m:t>
+                                  </m:r>
+                                </m:e>
+                                <m:sup>
+                                  <m:r>
+                                    <a:rPr lang="en-SE" i="1">
+                                      <a:latin typeface="Cambria Math" panose="02040503050406030204" pitchFamily="18" charset="0"/>
+                                    </a:rPr>
+                                    <m:t>′2</m:t>
+                                  </m:r>
+                                </m:sup>
+                              </m:sSup>
+                            </m:den>
+                          </m:f>
+                        </m:e>
+                      </m:nary>
+                    </m:oMath>
+                  </m:oMathPara>
+                </a14:m>
+                <a:endParaRPr lang="en-SE" dirty="0"/>
+              </a:p>
+            </p:txBody>
+          </p:sp>
+        </mc:Choice>
+        <mc:Fallback xmlns="">
+          <p:sp>
+            <p:nvSpPr>
+              <p:cNvPr id="11" name="TextBox 10">
+                <a:extLst>
+                  <a:ext uri="{FF2B5EF4-FFF2-40B4-BE49-F238E27FC236}">
+                    <a16:creationId xmlns:a16="http://schemas.microsoft.com/office/drawing/2014/main" id="{EFB87949-23F0-4149-99C4-B9E08107DECB}"/>
+                  </a:ext>
+                </a:extLst>
+              </p:cNvPr>
+              <p:cNvSpPr txBox="1">
+                <a:spLocks noRot="1" noChangeAspect="1" noMove="1" noResize="1" noEditPoints="1" noAdjustHandles="1" noChangeArrowheads="1" noChangeShapeType="1" noTextEdit="1"/>
+              </p:cNvSpPr>
+              <p:nvPr/>
+            </p:nvSpPr>
+            <p:spPr>
+              <a:xfrm>
+                <a:off x="1477786" y="2264536"/>
+                <a:ext cx="6188425" cy="1346074"/>
+              </a:xfrm>
+              <a:prstGeom prst="rect">
+                <a:avLst/>
+              </a:prstGeom>
+              <a:blipFill>
+                <a:blip r:embed="rId3"/>
+                <a:stretch>
+                  <a:fillRect/>
+                </a:stretch>
+              </a:blipFill>
+            </p:spPr>
+            <p:txBody>
+              <a:bodyPr/>
+              <a:lstStyle/>
+              <a:p>
+                <a:r>
+                  <a:rPr lang="en-SE">
+                    <a:noFill/>
+                  </a:rPr>
+                  <a:t> </a:t>
+                </a:r>
+              </a:p>
+            </p:txBody>
+          </p:sp>
+        </mc:Fallback>
+      </mc:AlternateContent>
+      <mc:AlternateContent xmlns:mc="http://schemas.openxmlformats.org/markup-compatibility/2006" xmlns:a14="http://schemas.microsoft.com/office/drawing/2010/main">
+        <mc:Choice Requires="a14">
+          <p:sp>
+            <p:nvSpPr>
+              <p:cNvPr id="12" name="TextBox 11">
+                <a:extLst>
+                  <a:ext uri="{FF2B5EF4-FFF2-40B4-BE49-F238E27FC236}">
+                    <a16:creationId xmlns:a16="http://schemas.microsoft.com/office/drawing/2014/main" id="{50A030A2-7C4C-493C-AF28-1B82B64D5978}"/>
+                  </a:ext>
+                </a:extLst>
+              </p:cNvPr>
+              <p:cNvSpPr txBox="1"/>
+              <p:nvPr/>
+            </p:nvSpPr>
+            <p:spPr>
+              <a:xfrm>
+                <a:off x="2299418" y="3733678"/>
+                <a:ext cx="5565057" cy="369332"/>
+              </a:xfrm>
+              <a:prstGeom prst="rect">
+                <a:avLst/>
+              </a:prstGeom>
+              <a:noFill/>
+            </p:spPr>
+            <p:txBody>
+              <a:bodyPr wrap="square" rtlCol="0">
+                <a:spAutoFit/>
+              </a:bodyPr>
+              <a:lstStyle/>
+              <a:p>
+                <a:r>
+                  <a:rPr lang="sv-SE" dirty="0"/>
+                  <a:t>Component with smallest </a:t>
+                </a:r>
+                <a14:m>
+                  <m:oMath xmlns:m="http://schemas.openxmlformats.org/officeDocument/2006/math">
+                    <m:sSup>
+                      <m:sSupPr>
+                        <m:ctrlPr>
+                          <a:rPr lang="en-SE" i="1">
+                            <a:latin typeface="Cambria Math" panose="02040503050406030204" pitchFamily="18" charset="0"/>
+                          </a:rPr>
+                        </m:ctrlPr>
+                      </m:sSupPr>
+                      <m:e>
+                        <m:r>
+                          <m:rPr>
+                            <m:sty m:val="p"/>
+                          </m:rPr>
+                          <a:rPr lang="en-SE">
+                            <a:latin typeface="Cambria Math" panose="02040503050406030204" pitchFamily="18" charset="0"/>
+                          </a:rPr>
+                          <m:t>σ</m:t>
+                        </m:r>
+                      </m:e>
+                      <m:sup>
+                        <m:r>
+                          <a:rPr lang="en-SE" i="1">
+                            <a:latin typeface="Cambria Math" panose="02040503050406030204" pitchFamily="18" charset="0"/>
+                          </a:rPr>
+                          <m:t>′2</m:t>
+                        </m:r>
+                      </m:sup>
+                    </m:sSup>
+                  </m:oMath>
+                </a14:m>
+                <a:r>
+                  <a:rPr lang="sv-SE" dirty="0"/>
+                  <a:t> dominants the sum</a:t>
+                </a:r>
+                <a:endParaRPr lang="en-SE" dirty="0"/>
+              </a:p>
+            </p:txBody>
+          </p:sp>
+        </mc:Choice>
+        <mc:Fallback xmlns="">
+          <p:sp>
+            <p:nvSpPr>
+              <p:cNvPr id="12" name="TextBox 11">
+                <a:extLst>
+                  <a:ext uri="{FF2B5EF4-FFF2-40B4-BE49-F238E27FC236}">
+                    <a16:creationId xmlns:a16="http://schemas.microsoft.com/office/drawing/2014/main" id="{50A030A2-7C4C-493C-AF28-1B82B64D5978}"/>
+                  </a:ext>
+                </a:extLst>
+              </p:cNvPr>
+              <p:cNvSpPr txBox="1">
+                <a:spLocks noRot="1" noChangeAspect="1" noMove="1" noResize="1" noEditPoints="1" noAdjustHandles="1" noChangeArrowheads="1" noChangeShapeType="1" noTextEdit="1"/>
+              </p:cNvSpPr>
+              <p:nvPr/>
+            </p:nvSpPr>
+            <p:spPr>
+              <a:xfrm>
+                <a:off x="2299418" y="3733678"/>
+                <a:ext cx="5565057" cy="369332"/>
+              </a:xfrm>
+              <a:prstGeom prst="rect">
+                <a:avLst/>
+              </a:prstGeom>
+              <a:blipFill>
+                <a:blip r:embed="rId4"/>
+                <a:stretch>
+                  <a:fillRect l="-876" t="-8197" b="-24590"/>
+                </a:stretch>
+              </a:blipFill>
+            </p:spPr>
+            <p:txBody>
+              <a:bodyPr/>
+              <a:lstStyle/>
+              <a:p>
+                <a:r>
+                  <a:rPr lang="en-SE">
+                    <a:noFill/>
+                  </a:rPr>
+                  <a:t> </a:t>
+                </a:r>
+              </a:p>
+            </p:txBody>
+          </p:sp>
+        </mc:Fallback>
+      </mc:AlternateContent>
     </p:spTree>
     <p:extLst>
       <p:ext uri="{BB962C8B-B14F-4D97-AF65-F5344CB8AC3E}">
-        <p14:creationId xmlns:p14="http://schemas.microsoft.com/office/powerpoint/2010/main" val="571071221"/>
+        <p14:creationId xmlns:p14="http://schemas.microsoft.com/office/powerpoint/2010/main" val="1996676028"/>
       </p:ext>
     </p:extLst>
   </p:cSld>
@@ -16790,13 +18079,598 @@
       </p:transition>
     </mc:Fallback>
   </mc:AlternateContent>
-  <p:timing>
-    <p:tnLst>
-      <p:par>
-        <p:cTn id="1" dur="indefinite" restart="never" nodeType="tmRoot"/>
-      </p:par>
-    </p:tnLst>
-  </p:timing>
+</p:sld>
+</file>
+
+<file path=ppt/slides/slide8.xml><?xml version="1.0" encoding="utf-8"?>
+<p:sld xmlns:a="http://schemas.openxmlformats.org/drawingml/2006/main" xmlns:r="http://schemas.openxmlformats.org/officeDocument/2006/relationships" xmlns:p="http://schemas.openxmlformats.org/presentationml/2006/main">
+  <p:cSld>
+    <p:spTree>
+      <p:nvGrpSpPr>
+        <p:cNvPr id="1" name=""/>
+        <p:cNvGrpSpPr/>
+        <p:nvPr/>
+      </p:nvGrpSpPr>
+      <p:grpSpPr>
+        <a:xfrm>
+          <a:off x="0" y="0"/>
+          <a:ext cx="0" cy="0"/>
+          <a:chOff x="0" y="0"/>
+          <a:chExt cx="0" cy="0"/>
+        </a:xfrm>
+      </p:grpSpPr>
+      <p:sp>
+        <p:nvSpPr>
+          <p:cNvPr id="2" name="Title 1">
+            <a:extLst>
+              <a:ext uri="{FF2B5EF4-FFF2-40B4-BE49-F238E27FC236}">
+                <a16:creationId xmlns:a16="http://schemas.microsoft.com/office/drawing/2014/main" id="{321BF2B0-4AD7-4A78-925F-12002B16524B}"/>
+              </a:ext>
+            </a:extLst>
+          </p:cNvPr>
+          <p:cNvSpPr>
+            <a:spLocks noGrp="1"/>
+          </p:cNvSpPr>
+          <p:nvPr>
+            <p:ph type="title"/>
+          </p:nvPr>
+        </p:nvSpPr>
+        <p:spPr/>
+        <p:txBody>
+          <a:bodyPr/>
+          <a:lstStyle/>
+          <a:p>
+            <a:r>
+              <a:rPr lang="sv-SE" dirty="0"/>
+              <a:t>Visualization of Output distributions</a:t>
+            </a:r>
+            <a:endParaRPr lang="en-SE" dirty="0"/>
+          </a:p>
+        </p:txBody>
+      </p:sp>
+      <p:sp>
+        <p:nvSpPr>
+          <p:cNvPr id="3" name="Date Placeholder 2">
+            <a:extLst>
+              <a:ext uri="{FF2B5EF4-FFF2-40B4-BE49-F238E27FC236}">
+                <a16:creationId xmlns:a16="http://schemas.microsoft.com/office/drawing/2014/main" id="{726B50F0-3589-45C1-9BD1-598CC64DBC13}"/>
+              </a:ext>
+            </a:extLst>
+          </p:cNvPr>
+          <p:cNvSpPr>
+            <a:spLocks noGrp="1"/>
+          </p:cNvSpPr>
+          <p:nvPr>
+            <p:ph type="dt" sz="half" idx="11"/>
+          </p:nvPr>
+        </p:nvSpPr>
+        <p:spPr/>
+        <p:txBody>
+          <a:bodyPr/>
+          <a:lstStyle/>
+          <a:p>
+            <a:fld id="{0D45677C-6021-4B4B-8D00-4AA6DB0D4902}" type="datetime1">
+              <a:rPr lang="sv-SE" smtClean="0"/>
+              <a:t>2020-05-28</a:t>
+            </a:fld>
+            <a:endParaRPr lang="en-GB" dirty="0"/>
+          </a:p>
+        </p:txBody>
+      </p:sp>
+      <p:sp>
+        <p:nvSpPr>
+          <p:cNvPr id="4" name="Slide Number Placeholder 3">
+            <a:extLst>
+              <a:ext uri="{FF2B5EF4-FFF2-40B4-BE49-F238E27FC236}">
+                <a16:creationId xmlns:a16="http://schemas.microsoft.com/office/drawing/2014/main" id="{6D6FD204-1E60-430A-BE53-F0FE0ED69571}"/>
+              </a:ext>
+            </a:extLst>
+          </p:cNvPr>
+          <p:cNvSpPr>
+            <a:spLocks noGrp="1"/>
+          </p:cNvSpPr>
+          <p:nvPr>
+            <p:ph type="sldNum" sz="quarter" idx="12"/>
+          </p:nvPr>
+        </p:nvSpPr>
+        <p:spPr/>
+        <p:txBody>
+          <a:bodyPr/>
+          <a:lstStyle/>
+          <a:p>
+            <a:fld id="{C338348D-F2D3-AB47-AE2A-1D59B1E58D64}" type="slidenum">
+              <a:rPr lang="en-GB" smtClean="0"/>
+              <a:pPr/>
+              <a:t>8</a:t>
+            </a:fld>
+            <a:endParaRPr lang="en-GB"/>
+          </a:p>
+        </p:txBody>
+      </p:sp>
+      <p:pic>
+        <p:nvPicPr>
+          <p:cNvPr id="2049" name="Picture 1" descr="C:\Users\wsccs\AppData\Local\Temp\ConnectorClipboard7028190310697621665\image15906439358020.png">
+            <a:extLst>
+              <a:ext uri="{FF2B5EF4-FFF2-40B4-BE49-F238E27FC236}">
+                <a16:creationId xmlns:a16="http://schemas.microsoft.com/office/drawing/2014/main" id="{E62ED1F4-1250-4535-B997-60DE622267D2}"/>
+              </a:ext>
+            </a:extLst>
+          </p:cNvPr>
+          <p:cNvPicPr>
+            <a:picLocks noChangeAspect="1" noChangeArrowheads="1"/>
+          </p:cNvPicPr>
+          <p:nvPr/>
+        </p:nvPicPr>
+        <p:blipFill>
+          <a:blip r:embed="rId2" cstate="screen">
+            <a:extLst>
+              <a:ext uri="{28A0092B-C50C-407E-A947-70E740481C1C}">
+                <a14:useLocalDpi xmlns:a14="http://schemas.microsoft.com/office/drawing/2010/main" val="0"/>
+              </a:ext>
+            </a:extLst>
+          </a:blip>
+          <a:srcRect/>
+          <a:stretch>
+            <a:fillRect/>
+          </a:stretch>
+        </p:blipFill>
+        <p:spPr bwMode="auto">
+          <a:xfrm>
+            <a:off x="573693" y="1270851"/>
+            <a:ext cx="3469064" cy="2601798"/>
+          </a:xfrm>
+          <a:prstGeom prst="rect">
+            <a:avLst/>
+          </a:prstGeom>
+          <a:noFill/>
+          <a:extLst>
+            <a:ext uri="{909E8E84-426E-40DD-AFC4-6F175D3DCCD1}">
+              <a14:hiddenFill xmlns:a14="http://schemas.microsoft.com/office/drawing/2010/main">
+                <a:solidFill>
+                  <a:srgbClr val="FFFFFF"/>
+                </a:solidFill>
+              </a14:hiddenFill>
+            </a:ext>
+          </a:extLst>
+        </p:spPr>
+      </p:pic>
+      <p:pic>
+        <p:nvPicPr>
+          <p:cNvPr id="2050" name="Picture 2" descr="C:\Users\wsccs\AppData\Local\Temp\ConnectorClipboard7028190310697621665\image15906440324130.png">
+            <a:extLst>
+              <a:ext uri="{FF2B5EF4-FFF2-40B4-BE49-F238E27FC236}">
+                <a16:creationId xmlns:a16="http://schemas.microsoft.com/office/drawing/2014/main" id="{2FC11578-52FD-4F4D-A0EE-B38FBF272159}"/>
+              </a:ext>
+            </a:extLst>
+          </p:cNvPr>
+          <p:cNvPicPr>
+            <a:picLocks noChangeAspect="1" noChangeArrowheads="1"/>
+          </p:cNvPicPr>
+          <p:nvPr/>
+        </p:nvPicPr>
+        <p:blipFill>
+          <a:blip r:embed="rId3" cstate="screen">
+            <a:extLst>
+              <a:ext uri="{28A0092B-C50C-407E-A947-70E740481C1C}">
+                <a14:useLocalDpi xmlns:a14="http://schemas.microsoft.com/office/drawing/2010/main" val="0"/>
+              </a:ext>
+            </a:extLst>
+          </a:blip>
+          <a:srcRect/>
+          <a:stretch>
+            <a:fillRect/>
+          </a:stretch>
+        </p:blipFill>
+        <p:spPr bwMode="auto">
+          <a:xfrm>
+            <a:off x="4733392" y="1357312"/>
+            <a:ext cx="3353783" cy="2515337"/>
+          </a:xfrm>
+          <a:prstGeom prst="rect">
+            <a:avLst/>
+          </a:prstGeom>
+          <a:noFill/>
+          <a:extLst>
+            <a:ext uri="{909E8E84-426E-40DD-AFC4-6F175D3DCCD1}">
+              <a14:hiddenFill xmlns:a14="http://schemas.microsoft.com/office/drawing/2010/main">
+                <a:solidFill>
+                  <a:srgbClr val="FFFFFF"/>
+                </a:solidFill>
+              </a14:hiddenFill>
+            </a:ext>
+          </a:extLst>
+        </p:spPr>
+      </p:pic>
+      <p:sp>
+        <p:nvSpPr>
+          <p:cNvPr id="6" name="TextBox 5">
+            <a:extLst>
+              <a:ext uri="{FF2B5EF4-FFF2-40B4-BE49-F238E27FC236}">
+                <a16:creationId xmlns:a16="http://schemas.microsoft.com/office/drawing/2014/main" id="{AE116C06-74E8-421B-814A-531B3487D844}"/>
+              </a:ext>
+            </a:extLst>
+          </p:cNvPr>
+          <p:cNvSpPr txBox="1"/>
+          <p:nvPr/>
+        </p:nvSpPr>
+        <p:spPr>
+          <a:xfrm>
+            <a:off x="1979630" y="4217874"/>
+            <a:ext cx="980388" cy="369332"/>
+          </a:xfrm>
+          <a:prstGeom prst="rect">
+            <a:avLst/>
+          </a:prstGeom>
+          <a:noFill/>
+        </p:spPr>
+        <p:txBody>
+          <a:bodyPr wrap="square" rtlCol="0">
+            <a:spAutoFit/>
+          </a:bodyPr>
+          <a:lstStyle/>
+          <a:p>
+            <a:r>
+              <a:rPr lang="sv-SE" dirty="0"/>
+              <a:t>Voiced</a:t>
+            </a:r>
+            <a:endParaRPr lang="en-SE" dirty="0"/>
+          </a:p>
+        </p:txBody>
+      </p:sp>
+      <p:sp>
+        <p:nvSpPr>
+          <p:cNvPr id="9" name="TextBox 8">
+            <a:extLst>
+              <a:ext uri="{FF2B5EF4-FFF2-40B4-BE49-F238E27FC236}">
+                <a16:creationId xmlns:a16="http://schemas.microsoft.com/office/drawing/2014/main" id="{46AC6E0E-74A3-4689-9209-2AB79971E8A2}"/>
+              </a:ext>
+            </a:extLst>
+          </p:cNvPr>
+          <p:cNvSpPr txBox="1"/>
+          <p:nvPr/>
+        </p:nvSpPr>
+        <p:spPr>
+          <a:xfrm>
+            <a:off x="6110141" y="4217874"/>
+            <a:ext cx="1308753" cy="369332"/>
+          </a:xfrm>
+          <a:prstGeom prst="rect">
+            <a:avLst/>
+          </a:prstGeom>
+          <a:noFill/>
+        </p:spPr>
+        <p:txBody>
+          <a:bodyPr wrap="square" rtlCol="0">
+            <a:spAutoFit/>
+          </a:bodyPr>
+          <a:lstStyle/>
+          <a:p>
+            <a:r>
+              <a:rPr lang="sv-SE" dirty="0"/>
+              <a:t>Unvoiced</a:t>
+            </a:r>
+            <a:endParaRPr lang="en-SE" dirty="0"/>
+          </a:p>
+        </p:txBody>
+      </p:sp>
+    </p:spTree>
+    <p:extLst>
+      <p:ext uri="{BB962C8B-B14F-4D97-AF65-F5344CB8AC3E}">
+        <p14:creationId xmlns:p14="http://schemas.microsoft.com/office/powerpoint/2010/main" val="2458161051"/>
+      </p:ext>
+    </p:extLst>
+  </p:cSld>
+  <p:clrMapOvr>
+    <a:masterClrMapping/>
+  </p:clrMapOvr>
+  <mc:AlternateContent xmlns:mc="http://schemas.openxmlformats.org/markup-compatibility/2006" xmlns:p14="http://schemas.microsoft.com/office/powerpoint/2010/main">
+    <mc:Choice Requires="p14">
+      <p:transition spd="med" p14:dur="700">
+        <p:fade/>
+      </p:transition>
+    </mc:Choice>
+    <mc:Fallback xmlns="">
+      <p:transition spd="med">
+        <p:fade/>
+      </p:transition>
+    </mc:Fallback>
+  </mc:AlternateContent>
+</p:sld>
+</file>
+
+<file path=ppt/slides/slide9.xml><?xml version="1.0" encoding="utf-8"?>
+<p:sld xmlns:a="http://schemas.openxmlformats.org/drawingml/2006/main" xmlns:r="http://schemas.openxmlformats.org/officeDocument/2006/relationships" xmlns:p="http://schemas.openxmlformats.org/presentationml/2006/main">
+  <p:cSld>
+    <p:spTree>
+      <p:nvGrpSpPr>
+        <p:cNvPr id="1" name=""/>
+        <p:cNvGrpSpPr/>
+        <p:nvPr/>
+      </p:nvGrpSpPr>
+      <p:grpSpPr>
+        <a:xfrm>
+          <a:off x="0" y="0"/>
+          <a:ext cx="0" cy="0"/>
+          <a:chOff x="0" y="0"/>
+          <a:chExt cx="0" cy="0"/>
+        </a:xfrm>
+      </p:grpSpPr>
+      <p:sp>
+        <p:nvSpPr>
+          <p:cNvPr id="2" name="Title 1">
+            <a:extLst>
+              <a:ext uri="{FF2B5EF4-FFF2-40B4-BE49-F238E27FC236}">
+                <a16:creationId xmlns:a16="http://schemas.microsoft.com/office/drawing/2014/main" id="{8FEC805A-34CC-4C4B-AA4E-AB2A6D41D1A1}"/>
+              </a:ext>
+            </a:extLst>
+          </p:cNvPr>
+          <p:cNvSpPr>
+            <a:spLocks noGrp="1"/>
+          </p:cNvSpPr>
+          <p:nvPr>
+            <p:ph type="title"/>
+          </p:nvPr>
+        </p:nvSpPr>
+        <p:spPr/>
+        <p:txBody>
+          <a:bodyPr/>
+          <a:lstStyle/>
+          <a:p>
+            <a:r>
+              <a:rPr lang="sv-SE" dirty="0"/>
+              <a:t>Validation probability</a:t>
+            </a:r>
+            <a:endParaRPr lang="en-SE" dirty="0"/>
+          </a:p>
+        </p:txBody>
+      </p:sp>
+      <p:sp>
+        <p:nvSpPr>
+          <p:cNvPr id="3" name="Date Placeholder 2">
+            <a:extLst>
+              <a:ext uri="{FF2B5EF4-FFF2-40B4-BE49-F238E27FC236}">
+                <a16:creationId xmlns:a16="http://schemas.microsoft.com/office/drawing/2014/main" id="{0A6F311E-199E-46F2-A2D2-A8387FD22759}"/>
+              </a:ext>
+            </a:extLst>
+          </p:cNvPr>
+          <p:cNvSpPr>
+            <a:spLocks noGrp="1"/>
+          </p:cNvSpPr>
+          <p:nvPr>
+            <p:ph type="dt" sz="half" idx="11"/>
+          </p:nvPr>
+        </p:nvSpPr>
+        <p:spPr/>
+        <p:txBody>
+          <a:bodyPr/>
+          <a:lstStyle/>
+          <a:p>
+            <a:fld id="{0D45677C-6021-4B4B-8D00-4AA6DB0D4902}" type="datetime1">
+              <a:rPr lang="sv-SE" smtClean="0"/>
+              <a:t>2020-05-28</a:t>
+            </a:fld>
+            <a:endParaRPr lang="en-GB" dirty="0"/>
+          </a:p>
+        </p:txBody>
+      </p:sp>
+      <p:sp>
+        <p:nvSpPr>
+          <p:cNvPr id="4" name="Slide Number Placeholder 3">
+            <a:extLst>
+              <a:ext uri="{FF2B5EF4-FFF2-40B4-BE49-F238E27FC236}">
+                <a16:creationId xmlns:a16="http://schemas.microsoft.com/office/drawing/2014/main" id="{8867AB00-1DCC-4F28-A893-543ED65ADA44}"/>
+              </a:ext>
+            </a:extLst>
+          </p:cNvPr>
+          <p:cNvSpPr>
+            <a:spLocks noGrp="1"/>
+          </p:cNvSpPr>
+          <p:nvPr>
+            <p:ph type="sldNum" sz="quarter" idx="12"/>
+          </p:nvPr>
+        </p:nvSpPr>
+        <p:spPr/>
+        <p:txBody>
+          <a:bodyPr/>
+          <a:lstStyle/>
+          <a:p>
+            <a:fld id="{C338348D-F2D3-AB47-AE2A-1D59B1E58D64}" type="slidenum">
+              <a:rPr lang="en-GB" smtClean="0"/>
+              <a:pPr/>
+              <a:t>9</a:t>
+            </a:fld>
+            <a:endParaRPr lang="en-GB"/>
+          </a:p>
+        </p:txBody>
+      </p:sp>
+      <p:pic>
+        <p:nvPicPr>
+          <p:cNvPr id="3073" name="Picture 1" descr="C:\Users\wsccs\AppData\Local\Temp\ConnectorClipboard7028190310697621665\image15906442705630.png">
+            <a:extLst>
+              <a:ext uri="{FF2B5EF4-FFF2-40B4-BE49-F238E27FC236}">
+                <a16:creationId xmlns:a16="http://schemas.microsoft.com/office/drawing/2014/main" id="{F44DF737-7DA6-46D2-B2AC-047CB0D76B7C}"/>
+              </a:ext>
+            </a:extLst>
+          </p:cNvPr>
+          <p:cNvPicPr>
+            <a:picLocks noChangeAspect="1" noChangeArrowheads="1"/>
+          </p:cNvPicPr>
+          <p:nvPr/>
+        </p:nvPicPr>
+        <p:blipFill>
+          <a:blip r:embed="rId2" cstate="screen">
+            <a:extLst>
+              <a:ext uri="{28A0092B-C50C-407E-A947-70E740481C1C}">
+                <a14:useLocalDpi xmlns:a14="http://schemas.microsoft.com/office/drawing/2010/main" val="0"/>
+              </a:ext>
+            </a:extLst>
+          </a:blip>
+          <a:srcRect/>
+          <a:stretch>
+            <a:fillRect/>
+          </a:stretch>
+        </p:blipFill>
+        <p:spPr bwMode="auto">
+          <a:xfrm>
+            <a:off x="517111" y="1228413"/>
+            <a:ext cx="3582228" cy="2686671"/>
+          </a:xfrm>
+          <a:prstGeom prst="rect">
+            <a:avLst/>
+          </a:prstGeom>
+          <a:noFill/>
+          <a:extLst>
+            <a:ext uri="{909E8E84-426E-40DD-AFC4-6F175D3DCCD1}">
+              <a14:hiddenFill xmlns:a14="http://schemas.microsoft.com/office/drawing/2010/main">
+                <a:solidFill>
+                  <a:srgbClr val="FFFFFF"/>
+                </a:solidFill>
+              </a14:hiddenFill>
+            </a:ext>
+          </a:extLst>
+        </p:spPr>
+      </p:pic>
+      <p:pic>
+        <p:nvPicPr>
+          <p:cNvPr id="1025" name="Picture 1" descr="C:\Users\wsccs\AppData\Local\Temp\ConnectorClipboard7028190310697621665\image15906446447150.png">
+            <a:extLst>
+              <a:ext uri="{FF2B5EF4-FFF2-40B4-BE49-F238E27FC236}">
+                <a16:creationId xmlns:a16="http://schemas.microsoft.com/office/drawing/2014/main" id="{EF35E3DE-EA2E-4D72-B8FA-45E66172F094}"/>
+              </a:ext>
+            </a:extLst>
+          </p:cNvPr>
+          <p:cNvPicPr>
+            <a:picLocks noChangeAspect="1" noChangeArrowheads="1"/>
+          </p:cNvPicPr>
+          <p:nvPr/>
+        </p:nvPicPr>
+        <p:blipFill>
+          <a:blip r:embed="rId3" cstate="screen">
+            <a:extLst>
+              <a:ext uri="{28A0092B-C50C-407E-A947-70E740481C1C}">
+                <a14:useLocalDpi xmlns:a14="http://schemas.microsoft.com/office/drawing/2010/main" val="0"/>
+              </a:ext>
+            </a:extLst>
+          </a:blip>
+          <a:srcRect/>
+          <a:stretch>
+            <a:fillRect/>
+          </a:stretch>
+        </p:blipFill>
+        <p:spPr bwMode="auto">
+          <a:xfrm>
+            <a:off x="5031093" y="1228414"/>
+            <a:ext cx="3582228" cy="2686671"/>
+          </a:xfrm>
+          <a:prstGeom prst="rect">
+            <a:avLst/>
+          </a:prstGeom>
+          <a:noFill/>
+          <a:extLst>
+            <a:ext uri="{909E8E84-426E-40DD-AFC4-6F175D3DCCD1}">
+              <a14:hiddenFill xmlns:a14="http://schemas.microsoft.com/office/drawing/2010/main">
+                <a:solidFill>
+                  <a:srgbClr val="FFFFFF"/>
+                </a:solidFill>
+              </a14:hiddenFill>
+            </a:ext>
+          </a:extLst>
+        </p:spPr>
+      </p:pic>
+      <p:sp>
+        <p:nvSpPr>
+          <p:cNvPr id="5" name="TextBox 4">
+            <a:extLst>
+              <a:ext uri="{FF2B5EF4-FFF2-40B4-BE49-F238E27FC236}">
+                <a16:creationId xmlns:a16="http://schemas.microsoft.com/office/drawing/2014/main" id="{8343637E-8CB7-486E-AD12-09AAABB3B2C0}"/>
+              </a:ext>
+            </a:extLst>
+          </p:cNvPr>
+          <p:cNvSpPr txBox="1"/>
+          <p:nvPr/>
+        </p:nvSpPr>
+        <p:spPr>
+          <a:xfrm>
+            <a:off x="6236149" y="4109971"/>
+            <a:ext cx="1172116" cy="369332"/>
+          </a:xfrm>
+          <a:prstGeom prst="rect">
+            <a:avLst/>
+          </a:prstGeom>
+          <a:noFill/>
+        </p:spPr>
+        <p:txBody>
+          <a:bodyPr wrap="none" rtlCol="0">
+            <a:spAutoFit/>
+          </a:bodyPr>
+          <a:lstStyle/>
+          <a:p>
+            <a:r>
+              <a:rPr lang="sv-SE" dirty="0"/>
+              <a:t>Attempt 2</a:t>
+            </a:r>
+            <a:endParaRPr lang="en-SE" dirty="0"/>
+          </a:p>
+        </p:txBody>
+      </p:sp>
+      <p:sp>
+        <p:nvSpPr>
+          <p:cNvPr id="8" name="TextBox 7">
+            <a:extLst>
+              <a:ext uri="{FF2B5EF4-FFF2-40B4-BE49-F238E27FC236}">
+                <a16:creationId xmlns:a16="http://schemas.microsoft.com/office/drawing/2014/main" id="{B5EB1CF5-F55E-4ED3-8656-67D9139B5890}"/>
+              </a:ext>
+            </a:extLst>
+          </p:cNvPr>
+          <p:cNvSpPr txBox="1"/>
+          <p:nvPr/>
+        </p:nvSpPr>
+        <p:spPr>
+          <a:xfrm>
+            <a:off x="1722167" y="4109971"/>
+            <a:ext cx="1172116" cy="369332"/>
+          </a:xfrm>
+          <a:prstGeom prst="rect">
+            <a:avLst/>
+          </a:prstGeom>
+          <a:noFill/>
+        </p:spPr>
+        <p:txBody>
+          <a:bodyPr wrap="none" rtlCol="0">
+            <a:spAutoFit/>
+          </a:bodyPr>
+          <a:lstStyle/>
+          <a:p>
+            <a:r>
+              <a:rPr lang="sv-SE" dirty="0"/>
+              <a:t>Attempt 1</a:t>
+            </a:r>
+            <a:endParaRPr lang="en-SE" dirty="0"/>
+          </a:p>
+        </p:txBody>
+      </p:sp>
+    </p:spTree>
+    <p:extLst>
+      <p:ext uri="{BB962C8B-B14F-4D97-AF65-F5344CB8AC3E}">
+        <p14:creationId xmlns:p14="http://schemas.microsoft.com/office/powerpoint/2010/main" val="1472047718"/>
+      </p:ext>
+    </p:extLst>
+  </p:cSld>
+  <p:clrMapOvr>
+    <a:masterClrMapping/>
+  </p:clrMapOvr>
+  <mc:AlternateContent xmlns:mc="http://schemas.openxmlformats.org/markup-compatibility/2006" xmlns:p14="http://schemas.microsoft.com/office/powerpoint/2010/main">
+    <mc:Choice Requires="p14">
+      <p:transition spd="med" p14:dur="700">
+        <p:fade/>
+      </p:transition>
+    </mc:Choice>
+    <mc:Fallback xmlns="">
+      <p:transition spd="med">
+        <p:fade/>
+      </p:transition>
+    </mc:Fallback>
+  </mc:AlternateContent>
 </p:sld>
 </file>
 
